--- a/project/Disparador de e-mails.pptx
+++ b/project/Disparador de e-mails.pptx
@@ -6,14 +6,19 @@
   </p:sldMasterIdLst>
   <p:sldIdLst>
     <p:sldId id="256" r:id="rId5"/>
-    <p:sldId id="257" r:id="rId6"/>
-    <p:sldId id="258" r:id="rId7"/>
-    <p:sldId id="260" r:id="rId8"/>
-    <p:sldId id="261" r:id="rId9"/>
-    <p:sldId id="262" r:id="rId10"/>
-    <p:sldId id="263" r:id="rId11"/>
-    <p:sldId id="264" r:id="rId12"/>
-    <p:sldId id="265" r:id="rId13"/>
+    <p:sldId id="266" r:id="rId6"/>
+    <p:sldId id="268" r:id="rId7"/>
+    <p:sldId id="269" r:id="rId8"/>
+    <p:sldId id="270" r:id="rId9"/>
+    <p:sldId id="267" r:id="rId10"/>
+    <p:sldId id="257" r:id="rId11"/>
+    <p:sldId id="258" r:id="rId12"/>
+    <p:sldId id="260" r:id="rId13"/>
+    <p:sldId id="261" r:id="rId14"/>
+    <p:sldId id="262" r:id="rId15"/>
+    <p:sldId id="263" r:id="rId16"/>
+    <p:sldId id="264" r:id="rId17"/>
+    <p:sldId id="265" r:id="rId18"/>
   </p:sldIdLst>
   <p:sldSz cx="12192000" cy="6858000"/>
   <p:notesSz cx="6858000" cy="9144000"/>
@@ -112,6 +117,11 @@
       </a:defRPr>
     </a:lvl9pPr>
   </p:defaultTextStyle>
+  <p:extLst>
+    <p:ext uri="{EFAFB233-063F-42B5-8137-9DF3F51BA10A}">
+      <p15:sldGuideLst xmlns:p15="http://schemas.microsoft.com/office/powerpoint/2012/main"/>
+    </p:ext>
+  </p:extLst>
 </p:presentation>
 </file>
 
@@ -3373,15 +3383,25 @@
           </a:xfrm>
         </p:spPr>
         <p:txBody>
-          <a:bodyPr/>
-          <a:lstStyle/>
-          <a:p>
-            <a:r>
-              <a:rPr lang="en-US" sz="7200" b="1" dirty="0" err="1"/>
+          <a:bodyPr>
+            <a:normAutofit/>
+          </a:bodyPr>
+          <a:lstStyle/>
+          <a:p>
+            <a:r>
+              <a:rPr lang="en-US" sz="7500" b="1" dirty="0" err="1">
+                <a:solidFill>
+                  <a:srgbClr val="0070C0"/>
+                </a:solidFill>
+              </a:rPr>
               <a:t>Disparador</a:t>
             </a:r>
             <a:r>
-              <a:rPr lang="en-US" b="1" dirty="0"/>
+              <a:rPr lang="en-US" sz="7500" b="1" dirty="0">
+                <a:solidFill>
+                  <a:srgbClr val="0070C0"/>
+                </a:solidFill>
+              </a:rPr>
               <a:t> de e-mails</a:t>
             </a:r>
           </a:p>
@@ -3409,99 +3429,147 @@
           <a:lstStyle/>
           <a:p>
             <a:r>
-              <a:rPr lang="en-US" i="1" dirty="0" err="1"/>
+              <a:rPr lang="en-US" i="1" dirty="0" err="1">
+                <a:latin typeface="+mj-lt"/>
+              </a:rPr>
               <a:t>Aplicação</a:t>
             </a:r>
             <a:r>
-              <a:rPr lang="en-US" i="1" dirty="0"/>
+              <a:rPr lang="en-US" i="1" dirty="0">
+                <a:latin typeface="+mj-lt"/>
+              </a:rPr>
               <a:t> </a:t>
             </a:r>
             <a:r>
-              <a:rPr lang="en-US" i="1" dirty="0" err="1"/>
+              <a:rPr lang="en-US" i="1" dirty="0" err="1">
+                <a:latin typeface="+mj-lt"/>
+              </a:rPr>
               <a:t>desenvolvida</a:t>
             </a:r>
             <a:r>
-              <a:rPr lang="en-US" i="1" dirty="0"/>
+              <a:rPr lang="en-US" i="1" dirty="0">
+                <a:latin typeface="+mj-lt"/>
+              </a:rPr>
               <a:t> para </a:t>
             </a:r>
             <a:r>
-              <a:rPr lang="en-US" i="1" dirty="0" err="1"/>
+              <a:rPr lang="en-US" i="1" dirty="0" err="1">
+                <a:latin typeface="+mj-lt"/>
+              </a:rPr>
               <a:t>disparar</a:t>
             </a:r>
             <a:r>
-              <a:rPr lang="en-US" i="1" dirty="0"/>
+              <a:rPr lang="en-US" i="1" dirty="0">
+                <a:latin typeface="+mj-lt"/>
+              </a:rPr>
               <a:t> e-mails </a:t>
             </a:r>
             <a:r>
-              <a:rPr lang="en-US" i="1" dirty="0" err="1"/>
+              <a:rPr lang="en-US" i="1" dirty="0" err="1">
+                <a:latin typeface="+mj-lt"/>
+              </a:rPr>
               <a:t>em</a:t>
             </a:r>
             <a:r>
-              <a:rPr lang="en-US" i="1" dirty="0"/>
+              <a:rPr lang="en-US" i="1" dirty="0">
+                <a:latin typeface="+mj-lt"/>
+              </a:rPr>
               <a:t> </a:t>
             </a:r>
             <a:r>
-              <a:rPr lang="en-US" i="1" dirty="0" err="1"/>
+              <a:rPr lang="en-US" i="1" dirty="0" err="1">
+                <a:latin typeface="+mj-lt"/>
+              </a:rPr>
               <a:t>massa</a:t>
             </a:r>
             <a:r>
-              <a:rPr lang="en-US" i="1" dirty="0"/>
+              <a:rPr lang="en-US" i="1" dirty="0">
+                <a:latin typeface="+mj-lt"/>
+              </a:rPr>
               <a:t> para </a:t>
             </a:r>
             <a:r>
-              <a:rPr lang="en-US" i="1" dirty="0" err="1"/>
+              <a:rPr lang="en-US" i="1" dirty="0" err="1">
+                <a:latin typeface="+mj-lt"/>
+              </a:rPr>
               <a:t>interessados</a:t>
             </a:r>
             <a:r>
-              <a:rPr lang="en-US" i="1" dirty="0"/>
+              <a:rPr lang="en-US" i="1" dirty="0">
+                <a:latin typeface="+mj-lt"/>
+              </a:rPr>
               <a:t> que </a:t>
             </a:r>
             <a:r>
-              <a:rPr lang="en-US" i="1" dirty="0" err="1"/>
+              <a:rPr lang="en-US" i="1" dirty="0" err="1">
+                <a:latin typeface="+mj-lt"/>
+              </a:rPr>
               <a:t>estejam</a:t>
             </a:r>
             <a:r>
-              <a:rPr lang="en-US" i="1" dirty="0"/>
+              <a:rPr lang="en-US" i="1" dirty="0">
+                <a:latin typeface="+mj-lt"/>
+              </a:rPr>
               <a:t> </a:t>
             </a:r>
             <a:r>
-              <a:rPr lang="en-US" i="1" dirty="0" err="1"/>
+              <a:rPr lang="en-US" i="1" dirty="0" err="1">
+                <a:latin typeface="+mj-lt"/>
+              </a:rPr>
               <a:t>listados</a:t>
             </a:r>
             <a:r>
-              <a:rPr lang="en-US" i="1" dirty="0"/>
+              <a:rPr lang="en-US" i="1" dirty="0">
+                <a:latin typeface="+mj-lt"/>
+              </a:rPr>
               <a:t> </a:t>
             </a:r>
             <a:r>
-              <a:rPr lang="en-US" i="1" dirty="0" err="1"/>
+              <a:rPr lang="en-US" i="1" dirty="0" err="1">
+                <a:latin typeface="+mj-lt"/>
+              </a:rPr>
               <a:t>em</a:t>
             </a:r>
             <a:r>
-              <a:rPr lang="en-US" i="1" dirty="0"/>
+              <a:rPr lang="en-US" i="1" dirty="0">
+                <a:latin typeface="+mj-lt"/>
+              </a:rPr>
               <a:t> </a:t>
             </a:r>
             <a:r>
-              <a:rPr lang="en-US" i="1" dirty="0" err="1"/>
+              <a:rPr lang="en-US" i="1" dirty="0" err="1">
+                <a:latin typeface="+mj-lt"/>
+              </a:rPr>
               <a:t>uma</a:t>
             </a:r>
             <a:r>
-              <a:rPr lang="en-US" i="1" dirty="0"/>
+              <a:rPr lang="en-US" i="1" dirty="0">
+                <a:latin typeface="+mj-lt"/>
+              </a:rPr>
               <a:t> </a:t>
             </a:r>
             <a:r>
-              <a:rPr lang="en-US" i="1" dirty="0" err="1"/>
+              <a:rPr lang="en-US" i="1" dirty="0" err="1">
+                <a:latin typeface="+mj-lt"/>
+              </a:rPr>
               <a:t>tabela</a:t>
             </a:r>
             <a:r>
-              <a:rPr lang="en-US" i="1" dirty="0"/>
+              <a:rPr lang="en-US" i="1" dirty="0">
+                <a:latin typeface="+mj-lt"/>
+              </a:rPr>
               <a:t> </a:t>
             </a:r>
             <a:r>
-              <a:rPr lang="en-US" i="1" dirty="0" err="1"/>
+              <a:rPr lang="en-US" i="1" dirty="0" err="1">
+                <a:latin typeface="+mj-lt"/>
+              </a:rPr>
               <a:t>em</a:t>
             </a:r>
             <a:r>
-              <a:rPr lang="en-US" i="1" dirty="0"/>
+              <a:rPr lang="en-US" i="1" dirty="0">
+                <a:latin typeface="+mj-lt"/>
+              </a:rPr>
               <a:t> MySQL</a:t>
             </a:r>
           </a:p>
@@ -3536,7 +3604,7 @@
           <a:lstStyle/>
           <a:p>
             <a:r>
-              <a:rPr lang="en-US" sz="1400" i="1" dirty="0" err="1">
+              <a:rPr lang="en-US" sz="1400" b="1" i="1" dirty="0" err="1">
                 <a:effectLst>
                   <a:outerShdw blurRad="38100" dist="38100" dir="2700000" algn="tl">
                     <a:srgbClr val="000000">
@@ -3546,6 +3614,18 @@
                 </a:effectLst>
               </a:rPr>
               <a:t>Desenvolvido</a:t>
+            </a:r>
+            <a:r>
+              <a:rPr lang="en-US" sz="1400" b="1" i="1" dirty="0">
+                <a:effectLst>
+                  <a:outerShdw blurRad="38100" dist="38100" dir="2700000" algn="tl">
+                    <a:srgbClr val="000000">
+                      <a:alpha val="43137"/>
+                    </a:srgbClr>
+                  </a:outerShdw>
+                </a:effectLst>
+              </a:rPr>
+              <a:t> por:</a:t>
             </a:r>
             <a:r>
               <a:rPr lang="en-US" sz="1400" i="1" dirty="0">
@@ -3557,7 +3637,13 @@
                   </a:outerShdw>
                 </a:effectLst>
               </a:rPr>
-              <a:t> por: João Gabriel</a:t>
+              <a:t> </a:t>
+            </a:r>
+            <a:r>
+              <a:rPr lang="en-US" sz="1400" dirty="0">
+                <a:latin typeface="+mj-lt"/>
+              </a:rPr>
+              <a:t>João Gabriel</a:t>
             </a:r>
           </a:p>
         </p:txBody>
@@ -3566,6 +3652,3241 @@
     <p:extLst>
       <p:ext uri="{BB962C8B-B14F-4D97-AF65-F5344CB8AC3E}">
         <p14:creationId xmlns:p14="http://schemas.microsoft.com/office/powerpoint/2010/main" val="247512192"/>
+      </p:ext>
+    </p:extLst>
+  </p:cSld>
+  <p:clrMapOvr>
+    <a:masterClrMapping/>
+  </p:clrMapOvr>
+</p:sld>
+</file>
+
+<file path=ppt/slides/slide10.xml><?xml version="1.0" encoding="utf-8"?>
+<p:sld xmlns:a="http://schemas.openxmlformats.org/drawingml/2006/main" xmlns:r="http://schemas.openxmlformats.org/officeDocument/2006/relationships" xmlns:p="http://schemas.openxmlformats.org/presentationml/2006/main">
+  <p:cSld>
+    <p:spTree>
+      <p:nvGrpSpPr>
+        <p:cNvPr id="1" name=""/>
+        <p:cNvGrpSpPr/>
+        <p:nvPr/>
+      </p:nvGrpSpPr>
+      <p:grpSpPr>
+        <a:xfrm>
+          <a:off x="0" y="0"/>
+          <a:ext cx="0" cy="0"/>
+          <a:chOff x="0" y="0"/>
+          <a:chExt cx="0" cy="0"/>
+        </a:xfrm>
+      </p:grpSpPr>
+      <p:sp>
+        <p:nvSpPr>
+          <p:cNvPr id="4" name="Retângulo 3">
+            <a:extLst>
+              <a:ext uri="{FF2B5EF4-FFF2-40B4-BE49-F238E27FC236}">
+                <a16:creationId xmlns:a16="http://schemas.microsoft.com/office/drawing/2014/main" id="{05CFC605-78C2-4782-82CA-7D8B351A2C7C}"/>
+              </a:ext>
+            </a:extLst>
+          </p:cNvPr>
+          <p:cNvSpPr/>
+          <p:nvPr/>
+        </p:nvSpPr>
+        <p:spPr>
+          <a:xfrm>
+            <a:off x="0" y="10632"/>
+            <a:ext cx="12192000" cy="914400"/>
+          </a:xfrm>
+          <a:prstGeom prst="rect">
+            <a:avLst/>
+          </a:prstGeom>
+        </p:spPr>
+        <p:style>
+          <a:lnRef idx="2">
+            <a:schemeClr val="accent1">
+              <a:shade val="50000"/>
+            </a:schemeClr>
+          </a:lnRef>
+          <a:fillRef idx="1">
+            <a:schemeClr val="accent1"/>
+          </a:fillRef>
+          <a:effectRef idx="0">
+            <a:schemeClr val="accent1"/>
+          </a:effectRef>
+          <a:fontRef idx="minor">
+            <a:schemeClr val="lt1"/>
+          </a:fontRef>
+        </p:style>
+        <p:txBody>
+          <a:bodyPr rtlCol="0" anchor="ctr"/>
+          <a:lstStyle/>
+          <a:p>
+            <a:pPr algn="ctr"/>
+            <a:r>
+              <a:rPr lang="en-US" sz="4800" b="1" dirty="0" err="1"/>
+              <a:t>Classe</a:t>
+            </a:r>
+            <a:r>
+              <a:rPr lang="en-US" sz="4800" b="1" dirty="0"/>
+              <a:t>: Log</a:t>
+            </a:r>
+          </a:p>
+        </p:txBody>
+      </p:sp>
+      <p:sp>
+        <p:nvSpPr>
+          <p:cNvPr id="8" name="Retângulo: Cantos Arredondados 7">
+            <a:extLst>
+              <a:ext uri="{FF2B5EF4-FFF2-40B4-BE49-F238E27FC236}">
+                <a16:creationId xmlns:a16="http://schemas.microsoft.com/office/drawing/2014/main" id="{66D3D3C5-85D6-4950-ACFE-15F8C0A7478E}"/>
+              </a:ext>
+            </a:extLst>
+          </p:cNvPr>
+          <p:cNvSpPr/>
+          <p:nvPr/>
+        </p:nvSpPr>
+        <p:spPr>
+          <a:xfrm>
+            <a:off x="3352800" y="1190845"/>
+            <a:ext cx="5486400" cy="5486400"/>
+          </a:xfrm>
+          <a:prstGeom prst="roundRect">
+            <a:avLst/>
+          </a:prstGeom>
+        </p:spPr>
+        <p:style>
+          <a:lnRef idx="2">
+            <a:schemeClr val="accent1">
+              <a:shade val="50000"/>
+            </a:schemeClr>
+          </a:lnRef>
+          <a:fillRef idx="1">
+            <a:schemeClr val="accent1"/>
+          </a:fillRef>
+          <a:effectRef idx="0">
+            <a:schemeClr val="accent1"/>
+          </a:effectRef>
+          <a:fontRef idx="minor">
+            <a:schemeClr val="lt1"/>
+          </a:fontRef>
+        </p:style>
+        <p:txBody>
+          <a:bodyPr rtlCol="0" anchor="ctr"/>
+          <a:lstStyle/>
+          <a:p>
+            <a:pPr algn="ctr"/>
+            <a:endParaRPr lang="en-US" dirty="0">
+              <a:solidFill>
+                <a:schemeClr val="bg1"/>
+              </a:solidFill>
+            </a:endParaRPr>
+          </a:p>
+        </p:txBody>
+      </p:sp>
+      <p:cxnSp>
+        <p:nvCxnSpPr>
+          <p:cNvPr id="13" name="Conector reto 12">
+            <a:extLst>
+              <a:ext uri="{FF2B5EF4-FFF2-40B4-BE49-F238E27FC236}">
+                <a16:creationId xmlns:a16="http://schemas.microsoft.com/office/drawing/2014/main" id="{295AA056-CE0A-476E-BB73-0EB04C2B2DE3}"/>
+              </a:ext>
+            </a:extLst>
+          </p:cNvPr>
+          <p:cNvCxnSpPr>
+            <a:cxnSpLocks/>
+          </p:cNvCxnSpPr>
+          <p:nvPr/>
+        </p:nvCxnSpPr>
+        <p:spPr>
+          <a:xfrm>
+            <a:off x="3352800" y="4880343"/>
+            <a:ext cx="5486400" cy="0"/>
+          </a:xfrm>
+          <a:prstGeom prst="line">
+            <a:avLst/>
+          </a:prstGeom>
+        </p:spPr>
+        <p:style>
+          <a:lnRef idx="1">
+            <a:schemeClr val="dk1"/>
+          </a:lnRef>
+          <a:fillRef idx="0">
+            <a:schemeClr val="dk1"/>
+          </a:fillRef>
+          <a:effectRef idx="0">
+            <a:schemeClr val="dk1"/>
+          </a:effectRef>
+          <a:fontRef idx="minor">
+            <a:schemeClr val="tx1"/>
+          </a:fontRef>
+        </p:style>
+      </p:cxnSp>
+      <p:sp>
+        <p:nvSpPr>
+          <p:cNvPr id="5" name="CaixaDeTexto 4">
+            <a:extLst>
+              <a:ext uri="{FF2B5EF4-FFF2-40B4-BE49-F238E27FC236}">
+                <a16:creationId xmlns:a16="http://schemas.microsoft.com/office/drawing/2014/main" id="{0212C14D-AC41-49EC-AE63-641DB9129437}"/>
+              </a:ext>
+            </a:extLst>
+          </p:cNvPr>
+          <p:cNvSpPr txBox="1"/>
+          <p:nvPr/>
+        </p:nvSpPr>
+        <p:spPr>
+          <a:xfrm>
+            <a:off x="3352800" y="1297172"/>
+            <a:ext cx="5486400" cy="707886"/>
+          </a:xfrm>
+          <a:prstGeom prst="rect">
+            <a:avLst/>
+          </a:prstGeom>
+          <a:noFill/>
+        </p:spPr>
+        <p:txBody>
+          <a:bodyPr wrap="square" rtlCol="0">
+            <a:spAutoFit/>
+          </a:bodyPr>
+          <a:lstStyle/>
+          <a:p>
+            <a:pPr algn="ctr"/>
+            <a:r>
+              <a:rPr lang="en-US" sz="4000" dirty="0">
+                <a:solidFill>
+                  <a:schemeClr val="bg1"/>
+                </a:solidFill>
+              </a:rPr>
+              <a:t>Log</a:t>
+            </a:r>
+          </a:p>
+        </p:txBody>
+      </p:sp>
+      <p:sp>
+        <p:nvSpPr>
+          <p:cNvPr id="6" name="CaixaDeTexto 5">
+            <a:extLst>
+              <a:ext uri="{FF2B5EF4-FFF2-40B4-BE49-F238E27FC236}">
+                <a16:creationId xmlns:a16="http://schemas.microsoft.com/office/drawing/2014/main" id="{AD57D7D4-D609-4B55-8AB1-0C33379D4373}"/>
+              </a:ext>
+            </a:extLst>
+          </p:cNvPr>
+          <p:cNvSpPr txBox="1"/>
+          <p:nvPr/>
+        </p:nvSpPr>
+        <p:spPr>
+          <a:xfrm>
+            <a:off x="3352800" y="3477151"/>
+            <a:ext cx="5486400" cy="646331"/>
+          </a:xfrm>
+          <a:prstGeom prst="rect">
+            <a:avLst/>
+          </a:prstGeom>
+          <a:noFill/>
+        </p:spPr>
+        <p:txBody>
+          <a:bodyPr wrap="square" rtlCol="0">
+            <a:spAutoFit/>
+          </a:bodyPr>
+          <a:lstStyle/>
+          <a:p>
+            <a:pPr marL="285750" indent="-285750" algn="ctr">
+              <a:buFontTx/>
+              <a:buChar char="-"/>
+            </a:pPr>
+            <a:r>
+              <a:rPr lang="en-US" dirty="0" err="1">
+                <a:solidFill>
+                  <a:schemeClr val="bg1"/>
+                </a:solidFill>
+              </a:rPr>
+              <a:t>Dispositivo</a:t>
+            </a:r>
+            <a:r>
+              <a:rPr lang="en-US" dirty="0">
+                <a:solidFill>
+                  <a:schemeClr val="bg1"/>
+                </a:solidFill>
+              </a:rPr>
+              <a:t> {}</a:t>
+            </a:r>
+          </a:p>
+          <a:p>
+            <a:pPr marL="285750" indent="-285750" algn="ctr">
+              <a:buFontTx/>
+              <a:buChar char="-"/>
+            </a:pPr>
+            <a:r>
+              <a:rPr lang="en-US" dirty="0" err="1">
+                <a:solidFill>
+                  <a:schemeClr val="bg1"/>
+                </a:solidFill>
+              </a:rPr>
+              <a:t>Ambiente</a:t>
+            </a:r>
+            <a:r>
+              <a:rPr lang="en-US" dirty="0">
+                <a:solidFill>
+                  <a:schemeClr val="bg1"/>
+                </a:solidFill>
+              </a:rPr>
+              <a:t> {}</a:t>
+            </a:r>
+          </a:p>
+        </p:txBody>
+      </p:sp>
+      <p:sp>
+        <p:nvSpPr>
+          <p:cNvPr id="7" name="CaixaDeTexto 6">
+            <a:extLst>
+              <a:ext uri="{FF2B5EF4-FFF2-40B4-BE49-F238E27FC236}">
+                <a16:creationId xmlns:a16="http://schemas.microsoft.com/office/drawing/2014/main" id="{D94CC84C-1387-400A-9A5E-54007618BFFB}"/>
+              </a:ext>
+            </a:extLst>
+          </p:cNvPr>
+          <p:cNvSpPr txBox="1"/>
+          <p:nvPr/>
+        </p:nvSpPr>
+        <p:spPr>
+          <a:xfrm>
+            <a:off x="3352800" y="5191496"/>
+            <a:ext cx="5486400" cy="646331"/>
+          </a:xfrm>
+          <a:prstGeom prst="rect">
+            <a:avLst/>
+          </a:prstGeom>
+          <a:noFill/>
+        </p:spPr>
+        <p:txBody>
+          <a:bodyPr wrap="square" rtlCol="0">
+            <a:spAutoFit/>
+          </a:bodyPr>
+          <a:lstStyle/>
+          <a:p>
+            <a:pPr marL="285750" indent="-285750" algn="ctr">
+              <a:buFontTx/>
+              <a:buChar char="-"/>
+            </a:pPr>
+            <a:r>
+              <a:rPr lang="en-US" dirty="0" err="1">
+                <a:solidFill>
+                  <a:schemeClr val="bg1"/>
+                </a:solidFill>
+              </a:rPr>
+              <a:t>RegitraLogTXT</a:t>
+            </a:r>
+            <a:endParaRPr lang="en-US" dirty="0">
+              <a:solidFill>
+                <a:schemeClr val="bg1"/>
+              </a:solidFill>
+            </a:endParaRPr>
+          </a:p>
+          <a:p>
+            <a:pPr marL="285750" indent="-285750" algn="ctr">
+              <a:buFontTx/>
+              <a:buChar char="-"/>
+            </a:pPr>
+            <a:r>
+              <a:rPr lang="en-US" dirty="0" err="1">
+                <a:solidFill>
+                  <a:schemeClr val="bg1"/>
+                </a:solidFill>
+              </a:rPr>
+              <a:t>RegistraLogSQL</a:t>
+            </a:r>
+            <a:endParaRPr lang="en-US" dirty="0">
+              <a:solidFill>
+                <a:schemeClr val="bg1"/>
+              </a:solidFill>
+            </a:endParaRPr>
+          </a:p>
+        </p:txBody>
+      </p:sp>
+    </p:spTree>
+    <p:extLst>
+      <p:ext uri="{BB962C8B-B14F-4D97-AF65-F5344CB8AC3E}">
+        <p14:creationId xmlns:p14="http://schemas.microsoft.com/office/powerpoint/2010/main" val="817308073"/>
+      </p:ext>
+    </p:extLst>
+  </p:cSld>
+  <p:clrMapOvr>
+    <a:masterClrMapping/>
+  </p:clrMapOvr>
+</p:sld>
+</file>
+
+<file path=ppt/slides/slide11.xml><?xml version="1.0" encoding="utf-8"?>
+<p:sld xmlns:a="http://schemas.openxmlformats.org/drawingml/2006/main" xmlns:r="http://schemas.openxmlformats.org/officeDocument/2006/relationships" xmlns:p="http://schemas.openxmlformats.org/presentationml/2006/main">
+  <p:cSld>
+    <p:spTree>
+      <p:nvGrpSpPr>
+        <p:cNvPr id="1" name=""/>
+        <p:cNvGrpSpPr/>
+        <p:nvPr/>
+      </p:nvGrpSpPr>
+      <p:grpSpPr>
+        <a:xfrm>
+          <a:off x="0" y="0"/>
+          <a:ext cx="0" cy="0"/>
+          <a:chOff x="0" y="0"/>
+          <a:chExt cx="0" cy="0"/>
+        </a:xfrm>
+      </p:grpSpPr>
+      <p:sp>
+        <p:nvSpPr>
+          <p:cNvPr id="4" name="Retângulo 3">
+            <a:extLst>
+              <a:ext uri="{FF2B5EF4-FFF2-40B4-BE49-F238E27FC236}">
+                <a16:creationId xmlns:a16="http://schemas.microsoft.com/office/drawing/2014/main" id="{05CFC605-78C2-4782-82CA-7D8B351A2C7C}"/>
+              </a:ext>
+            </a:extLst>
+          </p:cNvPr>
+          <p:cNvSpPr/>
+          <p:nvPr/>
+        </p:nvSpPr>
+        <p:spPr>
+          <a:xfrm>
+            <a:off x="0" y="10632"/>
+            <a:ext cx="12192000" cy="914400"/>
+          </a:xfrm>
+          <a:prstGeom prst="rect">
+            <a:avLst/>
+          </a:prstGeom>
+        </p:spPr>
+        <p:style>
+          <a:lnRef idx="2">
+            <a:schemeClr val="accent1">
+              <a:shade val="50000"/>
+            </a:schemeClr>
+          </a:lnRef>
+          <a:fillRef idx="1">
+            <a:schemeClr val="accent1"/>
+          </a:fillRef>
+          <a:effectRef idx="0">
+            <a:schemeClr val="accent1"/>
+          </a:effectRef>
+          <a:fontRef idx="minor">
+            <a:schemeClr val="lt1"/>
+          </a:fontRef>
+        </p:style>
+        <p:txBody>
+          <a:bodyPr rtlCol="0" anchor="ctr"/>
+          <a:lstStyle/>
+          <a:p>
+            <a:pPr algn="ctr"/>
+            <a:r>
+              <a:rPr lang="en-US" sz="4800" b="1" dirty="0" err="1"/>
+              <a:t>Classe</a:t>
+            </a:r>
+            <a:r>
+              <a:rPr lang="en-US" sz="4800" b="1" dirty="0"/>
+              <a:t>: </a:t>
+            </a:r>
+            <a:r>
+              <a:rPr lang="en-US" sz="4800" b="1" dirty="0" err="1"/>
+              <a:t>Dispositivo</a:t>
+            </a:r>
+            <a:endParaRPr lang="en-US" sz="4800" b="1" dirty="0"/>
+          </a:p>
+        </p:txBody>
+      </p:sp>
+      <p:sp>
+        <p:nvSpPr>
+          <p:cNvPr id="8" name="Retângulo: Cantos Arredondados 7">
+            <a:extLst>
+              <a:ext uri="{FF2B5EF4-FFF2-40B4-BE49-F238E27FC236}">
+                <a16:creationId xmlns:a16="http://schemas.microsoft.com/office/drawing/2014/main" id="{66D3D3C5-85D6-4950-ACFE-15F8C0A7478E}"/>
+              </a:ext>
+            </a:extLst>
+          </p:cNvPr>
+          <p:cNvSpPr/>
+          <p:nvPr/>
+        </p:nvSpPr>
+        <p:spPr>
+          <a:xfrm>
+            <a:off x="3352800" y="1190845"/>
+            <a:ext cx="5486400" cy="5486400"/>
+          </a:xfrm>
+          <a:prstGeom prst="roundRect">
+            <a:avLst/>
+          </a:prstGeom>
+        </p:spPr>
+        <p:style>
+          <a:lnRef idx="2">
+            <a:schemeClr val="accent1">
+              <a:shade val="50000"/>
+            </a:schemeClr>
+          </a:lnRef>
+          <a:fillRef idx="1">
+            <a:schemeClr val="accent1"/>
+          </a:fillRef>
+          <a:effectRef idx="0">
+            <a:schemeClr val="accent1"/>
+          </a:effectRef>
+          <a:fontRef idx="minor">
+            <a:schemeClr val="lt1"/>
+          </a:fontRef>
+        </p:style>
+        <p:txBody>
+          <a:bodyPr rtlCol="0" anchor="ctr"/>
+          <a:lstStyle/>
+          <a:p>
+            <a:pPr algn="ctr"/>
+            <a:endParaRPr lang="en-US" dirty="0">
+              <a:solidFill>
+                <a:schemeClr val="bg1"/>
+              </a:solidFill>
+            </a:endParaRPr>
+          </a:p>
+        </p:txBody>
+      </p:sp>
+      <p:cxnSp>
+        <p:nvCxnSpPr>
+          <p:cNvPr id="13" name="Conector reto 12">
+            <a:extLst>
+              <a:ext uri="{FF2B5EF4-FFF2-40B4-BE49-F238E27FC236}">
+                <a16:creationId xmlns:a16="http://schemas.microsoft.com/office/drawing/2014/main" id="{295AA056-CE0A-476E-BB73-0EB04C2B2DE3}"/>
+              </a:ext>
+            </a:extLst>
+          </p:cNvPr>
+          <p:cNvCxnSpPr>
+            <a:cxnSpLocks/>
+          </p:cNvCxnSpPr>
+          <p:nvPr/>
+        </p:nvCxnSpPr>
+        <p:spPr>
+          <a:xfrm>
+            <a:off x="3437861" y="4210492"/>
+            <a:ext cx="5486400" cy="0"/>
+          </a:xfrm>
+          <a:prstGeom prst="line">
+            <a:avLst/>
+          </a:prstGeom>
+        </p:spPr>
+        <p:style>
+          <a:lnRef idx="1">
+            <a:schemeClr val="dk1"/>
+          </a:lnRef>
+          <a:fillRef idx="0">
+            <a:schemeClr val="dk1"/>
+          </a:fillRef>
+          <a:effectRef idx="0">
+            <a:schemeClr val="dk1"/>
+          </a:effectRef>
+          <a:fontRef idx="minor">
+            <a:schemeClr val="tx1"/>
+          </a:fontRef>
+        </p:style>
+      </p:cxnSp>
+      <p:sp>
+        <p:nvSpPr>
+          <p:cNvPr id="5" name="CaixaDeTexto 4">
+            <a:extLst>
+              <a:ext uri="{FF2B5EF4-FFF2-40B4-BE49-F238E27FC236}">
+                <a16:creationId xmlns:a16="http://schemas.microsoft.com/office/drawing/2014/main" id="{0212C14D-AC41-49EC-AE63-641DB9129437}"/>
+              </a:ext>
+            </a:extLst>
+          </p:cNvPr>
+          <p:cNvSpPr txBox="1"/>
+          <p:nvPr/>
+        </p:nvSpPr>
+        <p:spPr>
+          <a:xfrm>
+            <a:off x="3352800" y="1297172"/>
+            <a:ext cx="5486400" cy="707886"/>
+          </a:xfrm>
+          <a:prstGeom prst="rect">
+            <a:avLst/>
+          </a:prstGeom>
+          <a:noFill/>
+        </p:spPr>
+        <p:txBody>
+          <a:bodyPr wrap="square" rtlCol="0">
+            <a:spAutoFit/>
+          </a:bodyPr>
+          <a:lstStyle/>
+          <a:p>
+            <a:pPr algn="ctr"/>
+            <a:r>
+              <a:rPr lang="en-US" sz="4000" dirty="0">
+                <a:solidFill>
+                  <a:schemeClr val="bg1"/>
+                </a:solidFill>
+              </a:rPr>
+              <a:t>Database</a:t>
+            </a:r>
+          </a:p>
+        </p:txBody>
+      </p:sp>
+      <p:sp>
+        <p:nvSpPr>
+          <p:cNvPr id="6" name="CaixaDeTexto 5">
+            <a:extLst>
+              <a:ext uri="{FF2B5EF4-FFF2-40B4-BE49-F238E27FC236}">
+                <a16:creationId xmlns:a16="http://schemas.microsoft.com/office/drawing/2014/main" id="{AD57D7D4-D609-4B55-8AB1-0C33379D4373}"/>
+              </a:ext>
+            </a:extLst>
+          </p:cNvPr>
+          <p:cNvSpPr txBox="1"/>
+          <p:nvPr/>
+        </p:nvSpPr>
+        <p:spPr>
+          <a:xfrm>
+            <a:off x="3352800" y="2570018"/>
+            <a:ext cx="5486400" cy="923330"/>
+          </a:xfrm>
+          <a:prstGeom prst="rect">
+            <a:avLst/>
+          </a:prstGeom>
+          <a:noFill/>
+        </p:spPr>
+        <p:txBody>
+          <a:bodyPr wrap="square" rtlCol="0">
+            <a:spAutoFit/>
+          </a:bodyPr>
+          <a:lstStyle/>
+          <a:p>
+            <a:pPr marL="285750" indent="-285750" algn="ctr">
+              <a:buFontTx/>
+              <a:buChar char="-"/>
+            </a:pPr>
+            <a:r>
+              <a:rPr lang="en-US" dirty="0">
+                <a:solidFill>
+                  <a:schemeClr val="bg1"/>
+                </a:solidFill>
+              </a:rPr>
+              <a:t>Login </a:t>
+            </a:r>
+            <a:r>
+              <a:rPr lang="en-US" dirty="0" err="1">
+                <a:solidFill>
+                  <a:schemeClr val="bg1"/>
+                </a:solidFill>
+              </a:rPr>
+              <a:t>Maquina</a:t>
+            </a:r>
+            <a:endParaRPr lang="en-US" dirty="0">
+              <a:solidFill>
+                <a:schemeClr val="bg1"/>
+              </a:solidFill>
+            </a:endParaRPr>
+          </a:p>
+          <a:p>
+            <a:pPr marL="285750" indent="-285750" algn="ctr">
+              <a:buFontTx/>
+              <a:buChar char="-"/>
+            </a:pPr>
+            <a:r>
+              <a:rPr lang="en-US" dirty="0">
+                <a:solidFill>
+                  <a:schemeClr val="bg1"/>
+                </a:solidFill>
+              </a:rPr>
+              <a:t>Nome </a:t>
+            </a:r>
+            <a:r>
+              <a:rPr lang="en-US" dirty="0" err="1">
+                <a:solidFill>
+                  <a:schemeClr val="bg1"/>
+                </a:solidFill>
+              </a:rPr>
+              <a:t>Maquina</a:t>
+            </a:r>
+            <a:endParaRPr lang="en-US" dirty="0">
+              <a:solidFill>
+                <a:schemeClr val="bg1"/>
+              </a:solidFill>
+            </a:endParaRPr>
+          </a:p>
+          <a:p>
+            <a:pPr marL="285750" indent="-285750" algn="ctr">
+              <a:buFontTx/>
+              <a:buChar char="-"/>
+            </a:pPr>
+            <a:r>
+              <a:rPr lang="en-US" dirty="0">
+                <a:solidFill>
+                  <a:schemeClr val="bg1"/>
+                </a:solidFill>
+              </a:rPr>
+              <a:t>Nome Sistema </a:t>
+            </a:r>
+            <a:r>
+              <a:rPr lang="en-US" dirty="0" err="1">
+                <a:solidFill>
+                  <a:schemeClr val="bg1"/>
+                </a:solidFill>
+              </a:rPr>
+              <a:t>Operacional</a:t>
+            </a:r>
+            <a:endParaRPr lang="en-US" dirty="0">
+              <a:solidFill>
+                <a:schemeClr val="bg1"/>
+              </a:solidFill>
+            </a:endParaRPr>
+          </a:p>
+        </p:txBody>
+      </p:sp>
+    </p:spTree>
+    <p:extLst>
+      <p:ext uri="{BB962C8B-B14F-4D97-AF65-F5344CB8AC3E}">
+        <p14:creationId xmlns:p14="http://schemas.microsoft.com/office/powerpoint/2010/main" val="4108873175"/>
+      </p:ext>
+    </p:extLst>
+  </p:cSld>
+  <p:clrMapOvr>
+    <a:masterClrMapping/>
+  </p:clrMapOvr>
+</p:sld>
+</file>
+
+<file path=ppt/slides/slide12.xml><?xml version="1.0" encoding="utf-8"?>
+<p:sld xmlns:a="http://schemas.openxmlformats.org/drawingml/2006/main" xmlns:r="http://schemas.openxmlformats.org/officeDocument/2006/relationships" xmlns:p="http://schemas.openxmlformats.org/presentationml/2006/main">
+  <p:cSld>
+    <p:spTree>
+      <p:nvGrpSpPr>
+        <p:cNvPr id="1" name=""/>
+        <p:cNvGrpSpPr/>
+        <p:nvPr/>
+      </p:nvGrpSpPr>
+      <p:grpSpPr>
+        <a:xfrm>
+          <a:off x="0" y="0"/>
+          <a:ext cx="0" cy="0"/>
+          <a:chOff x="0" y="0"/>
+          <a:chExt cx="0" cy="0"/>
+        </a:xfrm>
+      </p:grpSpPr>
+      <p:sp>
+        <p:nvSpPr>
+          <p:cNvPr id="4" name="Retângulo 3">
+            <a:extLst>
+              <a:ext uri="{FF2B5EF4-FFF2-40B4-BE49-F238E27FC236}">
+                <a16:creationId xmlns:a16="http://schemas.microsoft.com/office/drawing/2014/main" id="{05CFC605-78C2-4782-82CA-7D8B351A2C7C}"/>
+              </a:ext>
+            </a:extLst>
+          </p:cNvPr>
+          <p:cNvSpPr/>
+          <p:nvPr/>
+        </p:nvSpPr>
+        <p:spPr>
+          <a:xfrm>
+            <a:off x="0" y="10632"/>
+            <a:ext cx="12192000" cy="914400"/>
+          </a:xfrm>
+          <a:prstGeom prst="rect">
+            <a:avLst/>
+          </a:prstGeom>
+        </p:spPr>
+        <p:style>
+          <a:lnRef idx="2">
+            <a:schemeClr val="accent1">
+              <a:shade val="50000"/>
+            </a:schemeClr>
+          </a:lnRef>
+          <a:fillRef idx="1">
+            <a:schemeClr val="accent1"/>
+          </a:fillRef>
+          <a:effectRef idx="0">
+            <a:schemeClr val="accent1"/>
+          </a:effectRef>
+          <a:fontRef idx="minor">
+            <a:schemeClr val="lt1"/>
+          </a:fontRef>
+        </p:style>
+        <p:txBody>
+          <a:bodyPr rtlCol="0" anchor="ctr"/>
+          <a:lstStyle/>
+          <a:p>
+            <a:pPr algn="ctr"/>
+            <a:r>
+              <a:rPr lang="en-US" sz="4800" b="1" dirty="0" err="1"/>
+              <a:t>Classe</a:t>
+            </a:r>
+            <a:r>
+              <a:rPr lang="en-US" sz="4800" b="1" dirty="0"/>
+              <a:t>: </a:t>
+            </a:r>
+            <a:r>
+              <a:rPr lang="en-US" sz="4800" b="1" dirty="0" err="1"/>
+              <a:t>Ambiente</a:t>
+            </a:r>
+            <a:endParaRPr lang="en-US" sz="4800" b="1" dirty="0"/>
+          </a:p>
+        </p:txBody>
+      </p:sp>
+      <p:sp>
+        <p:nvSpPr>
+          <p:cNvPr id="8" name="Retângulo: Cantos Arredondados 7">
+            <a:extLst>
+              <a:ext uri="{FF2B5EF4-FFF2-40B4-BE49-F238E27FC236}">
+                <a16:creationId xmlns:a16="http://schemas.microsoft.com/office/drawing/2014/main" id="{66D3D3C5-85D6-4950-ACFE-15F8C0A7478E}"/>
+              </a:ext>
+            </a:extLst>
+          </p:cNvPr>
+          <p:cNvSpPr/>
+          <p:nvPr/>
+        </p:nvSpPr>
+        <p:spPr>
+          <a:xfrm>
+            <a:off x="3352800" y="1190845"/>
+            <a:ext cx="5486400" cy="5486400"/>
+          </a:xfrm>
+          <a:prstGeom prst="roundRect">
+            <a:avLst/>
+          </a:prstGeom>
+        </p:spPr>
+        <p:style>
+          <a:lnRef idx="2">
+            <a:schemeClr val="accent1">
+              <a:shade val="50000"/>
+            </a:schemeClr>
+          </a:lnRef>
+          <a:fillRef idx="1">
+            <a:schemeClr val="accent1"/>
+          </a:fillRef>
+          <a:effectRef idx="0">
+            <a:schemeClr val="accent1"/>
+          </a:effectRef>
+          <a:fontRef idx="minor">
+            <a:schemeClr val="lt1"/>
+          </a:fontRef>
+        </p:style>
+        <p:txBody>
+          <a:bodyPr rtlCol="0" anchor="ctr"/>
+          <a:lstStyle/>
+          <a:p>
+            <a:pPr algn="ctr"/>
+            <a:endParaRPr lang="en-US" dirty="0">
+              <a:solidFill>
+                <a:schemeClr val="bg1"/>
+              </a:solidFill>
+            </a:endParaRPr>
+          </a:p>
+        </p:txBody>
+      </p:sp>
+      <p:cxnSp>
+        <p:nvCxnSpPr>
+          <p:cNvPr id="13" name="Conector reto 12">
+            <a:extLst>
+              <a:ext uri="{FF2B5EF4-FFF2-40B4-BE49-F238E27FC236}">
+                <a16:creationId xmlns:a16="http://schemas.microsoft.com/office/drawing/2014/main" id="{295AA056-CE0A-476E-BB73-0EB04C2B2DE3}"/>
+              </a:ext>
+            </a:extLst>
+          </p:cNvPr>
+          <p:cNvCxnSpPr>
+            <a:cxnSpLocks/>
+          </p:cNvCxnSpPr>
+          <p:nvPr/>
+        </p:nvCxnSpPr>
+        <p:spPr>
+          <a:xfrm>
+            <a:off x="3352800" y="4221125"/>
+            <a:ext cx="5486400" cy="0"/>
+          </a:xfrm>
+          <a:prstGeom prst="line">
+            <a:avLst/>
+          </a:prstGeom>
+        </p:spPr>
+        <p:style>
+          <a:lnRef idx="1">
+            <a:schemeClr val="dk1"/>
+          </a:lnRef>
+          <a:fillRef idx="0">
+            <a:schemeClr val="dk1"/>
+          </a:fillRef>
+          <a:effectRef idx="0">
+            <a:schemeClr val="dk1"/>
+          </a:effectRef>
+          <a:fontRef idx="minor">
+            <a:schemeClr val="tx1"/>
+          </a:fontRef>
+        </p:style>
+      </p:cxnSp>
+      <p:sp>
+        <p:nvSpPr>
+          <p:cNvPr id="5" name="CaixaDeTexto 4">
+            <a:extLst>
+              <a:ext uri="{FF2B5EF4-FFF2-40B4-BE49-F238E27FC236}">
+                <a16:creationId xmlns:a16="http://schemas.microsoft.com/office/drawing/2014/main" id="{0212C14D-AC41-49EC-AE63-641DB9129437}"/>
+              </a:ext>
+            </a:extLst>
+          </p:cNvPr>
+          <p:cNvSpPr txBox="1"/>
+          <p:nvPr/>
+        </p:nvSpPr>
+        <p:spPr>
+          <a:xfrm>
+            <a:off x="3352800" y="1297172"/>
+            <a:ext cx="5486400" cy="707886"/>
+          </a:xfrm>
+          <a:prstGeom prst="rect">
+            <a:avLst/>
+          </a:prstGeom>
+          <a:noFill/>
+        </p:spPr>
+        <p:txBody>
+          <a:bodyPr wrap="square" rtlCol="0">
+            <a:spAutoFit/>
+          </a:bodyPr>
+          <a:lstStyle/>
+          <a:p>
+            <a:pPr algn="ctr"/>
+            <a:r>
+              <a:rPr lang="en-US" sz="4000" dirty="0" err="1">
+                <a:solidFill>
+                  <a:schemeClr val="bg1"/>
+                </a:solidFill>
+              </a:rPr>
+              <a:t>Ambiente</a:t>
+            </a:r>
+            <a:endParaRPr lang="en-US" sz="4000" dirty="0">
+              <a:solidFill>
+                <a:schemeClr val="bg1"/>
+              </a:solidFill>
+            </a:endParaRPr>
+          </a:p>
+        </p:txBody>
+      </p:sp>
+      <p:sp>
+        <p:nvSpPr>
+          <p:cNvPr id="6" name="CaixaDeTexto 5">
+            <a:extLst>
+              <a:ext uri="{FF2B5EF4-FFF2-40B4-BE49-F238E27FC236}">
+                <a16:creationId xmlns:a16="http://schemas.microsoft.com/office/drawing/2014/main" id="{AD57D7D4-D609-4B55-8AB1-0C33379D4373}"/>
+              </a:ext>
+            </a:extLst>
+          </p:cNvPr>
+          <p:cNvSpPr txBox="1"/>
+          <p:nvPr/>
+        </p:nvSpPr>
+        <p:spPr>
+          <a:xfrm>
+            <a:off x="3352800" y="2782669"/>
+            <a:ext cx="5486400" cy="646331"/>
+          </a:xfrm>
+          <a:prstGeom prst="rect">
+            <a:avLst/>
+          </a:prstGeom>
+          <a:noFill/>
+        </p:spPr>
+        <p:txBody>
+          <a:bodyPr wrap="square" rtlCol="0">
+            <a:spAutoFit/>
+          </a:bodyPr>
+          <a:lstStyle/>
+          <a:p>
+            <a:pPr marL="285750" indent="-285750" algn="ctr">
+              <a:buFontTx/>
+              <a:buChar char="-"/>
+            </a:pPr>
+            <a:r>
+              <a:rPr lang="en-US" dirty="0">
+                <a:solidFill>
+                  <a:schemeClr val="bg1"/>
+                </a:solidFill>
+              </a:rPr>
+              <a:t>Data</a:t>
+            </a:r>
+          </a:p>
+          <a:p>
+            <a:pPr marL="285750" indent="-285750" algn="ctr">
+              <a:buFontTx/>
+              <a:buChar char="-"/>
+            </a:pPr>
+            <a:r>
+              <a:rPr lang="en-US" dirty="0" err="1">
+                <a:solidFill>
+                  <a:schemeClr val="bg1"/>
+                </a:solidFill>
+              </a:rPr>
+              <a:t>Horario</a:t>
+            </a:r>
+            <a:endParaRPr lang="en-US" dirty="0">
+              <a:solidFill>
+                <a:schemeClr val="bg1"/>
+              </a:solidFill>
+            </a:endParaRPr>
+          </a:p>
+        </p:txBody>
+      </p:sp>
+    </p:spTree>
+    <p:extLst>
+      <p:ext uri="{BB962C8B-B14F-4D97-AF65-F5344CB8AC3E}">
+        <p14:creationId xmlns:p14="http://schemas.microsoft.com/office/powerpoint/2010/main" val="3122504427"/>
+      </p:ext>
+    </p:extLst>
+  </p:cSld>
+  <p:clrMapOvr>
+    <a:masterClrMapping/>
+  </p:clrMapOvr>
+</p:sld>
+</file>
+
+<file path=ppt/slides/slide13.xml><?xml version="1.0" encoding="utf-8"?>
+<p:sld xmlns:a="http://schemas.openxmlformats.org/drawingml/2006/main" xmlns:r="http://schemas.openxmlformats.org/officeDocument/2006/relationships" xmlns:p="http://schemas.openxmlformats.org/presentationml/2006/main">
+  <p:cSld>
+    <p:spTree>
+      <p:nvGrpSpPr>
+        <p:cNvPr id="1" name=""/>
+        <p:cNvGrpSpPr/>
+        <p:nvPr/>
+      </p:nvGrpSpPr>
+      <p:grpSpPr>
+        <a:xfrm>
+          <a:off x="0" y="0"/>
+          <a:ext cx="0" cy="0"/>
+          <a:chOff x="0" y="0"/>
+          <a:chExt cx="0" cy="0"/>
+        </a:xfrm>
+      </p:grpSpPr>
+      <p:sp>
+        <p:nvSpPr>
+          <p:cNvPr id="4" name="Retângulo 3">
+            <a:extLst>
+              <a:ext uri="{FF2B5EF4-FFF2-40B4-BE49-F238E27FC236}">
+                <a16:creationId xmlns:a16="http://schemas.microsoft.com/office/drawing/2014/main" id="{05CFC605-78C2-4782-82CA-7D8B351A2C7C}"/>
+              </a:ext>
+            </a:extLst>
+          </p:cNvPr>
+          <p:cNvSpPr/>
+          <p:nvPr/>
+        </p:nvSpPr>
+        <p:spPr>
+          <a:xfrm>
+            <a:off x="0" y="10632"/>
+            <a:ext cx="12192000" cy="914400"/>
+          </a:xfrm>
+          <a:prstGeom prst="rect">
+            <a:avLst/>
+          </a:prstGeom>
+        </p:spPr>
+        <p:style>
+          <a:lnRef idx="2">
+            <a:schemeClr val="accent1">
+              <a:shade val="50000"/>
+            </a:schemeClr>
+          </a:lnRef>
+          <a:fillRef idx="1">
+            <a:schemeClr val="accent1"/>
+          </a:fillRef>
+          <a:effectRef idx="0">
+            <a:schemeClr val="accent1"/>
+          </a:effectRef>
+          <a:fontRef idx="minor">
+            <a:schemeClr val="lt1"/>
+          </a:fontRef>
+        </p:style>
+        <p:txBody>
+          <a:bodyPr rtlCol="0" anchor="ctr"/>
+          <a:lstStyle/>
+          <a:p>
+            <a:pPr algn="ctr"/>
+            <a:r>
+              <a:rPr lang="en-US" sz="4800" b="1" dirty="0" err="1"/>
+              <a:t>Classe</a:t>
+            </a:r>
+            <a:r>
+              <a:rPr lang="en-US" sz="4800" b="1" dirty="0"/>
+              <a:t>: Database</a:t>
+            </a:r>
+          </a:p>
+        </p:txBody>
+      </p:sp>
+      <p:sp>
+        <p:nvSpPr>
+          <p:cNvPr id="8" name="Retângulo: Cantos Arredondados 7">
+            <a:extLst>
+              <a:ext uri="{FF2B5EF4-FFF2-40B4-BE49-F238E27FC236}">
+                <a16:creationId xmlns:a16="http://schemas.microsoft.com/office/drawing/2014/main" id="{66D3D3C5-85D6-4950-ACFE-15F8C0A7478E}"/>
+              </a:ext>
+            </a:extLst>
+          </p:cNvPr>
+          <p:cNvSpPr/>
+          <p:nvPr/>
+        </p:nvSpPr>
+        <p:spPr>
+          <a:xfrm>
+            <a:off x="3352800" y="1190845"/>
+            <a:ext cx="5486400" cy="5486400"/>
+          </a:xfrm>
+          <a:prstGeom prst="roundRect">
+            <a:avLst/>
+          </a:prstGeom>
+        </p:spPr>
+        <p:style>
+          <a:lnRef idx="2">
+            <a:schemeClr val="accent1">
+              <a:shade val="50000"/>
+            </a:schemeClr>
+          </a:lnRef>
+          <a:fillRef idx="1">
+            <a:schemeClr val="accent1"/>
+          </a:fillRef>
+          <a:effectRef idx="0">
+            <a:schemeClr val="accent1"/>
+          </a:effectRef>
+          <a:fontRef idx="minor">
+            <a:schemeClr val="lt1"/>
+          </a:fontRef>
+        </p:style>
+        <p:txBody>
+          <a:bodyPr rtlCol="0" anchor="ctr"/>
+          <a:lstStyle/>
+          <a:p>
+            <a:pPr algn="ctr"/>
+            <a:endParaRPr lang="en-US" dirty="0">
+              <a:solidFill>
+                <a:schemeClr val="bg1"/>
+              </a:solidFill>
+            </a:endParaRPr>
+          </a:p>
+        </p:txBody>
+      </p:sp>
+      <p:cxnSp>
+        <p:nvCxnSpPr>
+          <p:cNvPr id="13" name="Conector reto 12">
+            <a:extLst>
+              <a:ext uri="{FF2B5EF4-FFF2-40B4-BE49-F238E27FC236}">
+                <a16:creationId xmlns:a16="http://schemas.microsoft.com/office/drawing/2014/main" id="{295AA056-CE0A-476E-BB73-0EB04C2B2DE3}"/>
+              </a:ext>
+            </a:extLst>
+          </p:cNvPr>
+          <p:cNvCxnSpPr>
+            <a:cxnSpLocks/>
+          </p:cNvCxnSpPr>
+          <p:nvPr/>
+        </p:nvCxnSpPr>
+        <p:spPr>
+          <a:xfrm>
+            <a:off x="3352800" y="4710223"/>
+            <a:ext cx="5486400" cy="0"/>
+          </a:xfrm>
+          <a:prstGeom prst="line">
+            <a:avLst/>
+          </a:prstGeom>
+        </p:spPr>
+        <p:style>
+          <a:lnRef idx="1">
+            <a:schemeClr val="dk1"/>
+          </a:lnRef>
+          <a:fillRef idx="0">
+            <a:schemeClr val="dk1"/>
+          </a:fillRef>
+          <a:effectRef idx="0">
+            <a:schemeClr val="dk1"/>
+          </a:effectRef>
+          <a:fontRef idx="minor">
+            <a:schemeClr val="tx1"/>
+          </a:fontRef>
+        </p:style>
+      </p:cxnSp>
+      <p:sp>
+        <p:nvSpPr>
+          <p:cNvPr id="5" name="CaixaDeTexto 4">
+            <a:extLst>
+              <a:ext uri="{FF2B5EF4-FFF2-40B4-BE49-F238E27FC236}">
+                <a16:creationId xmlns:a16="http://schemas.microsoft.com/office/drawing/2014/main" id="{0212C14D-AC41-49EC-AE63-641DB9129437}"/>
+              </a:ext>
+            </a:extLst>
+          </p:cNvPr>
+          <p:cNvSpPr txBox="1"/>
+          <p:nvPr/>
+        </p:nvSpPr>
+        <p:spPr>
+          <a:xfrm>
+            <a:off x="3352800" y="1297172"/>
+            <a:ext cx="5486400" cy="707886"/>
+          </a:xfrm>
+          <a:prstGeom prst="rect">
+            <a:avLst/>
+          </a:prstGeom>
+          <a:noFill/>
+        </p:spPr>
+        <p:txBody>
+          <a:bodyPr wrap="square" rtlCol="0">
+            <a:spAutoFit/>
+          </a:bodyPr>
+          <a:lstStyle/>
+          <a:p>
+            <a:pPr algn="ctr"/>
+            <a:r>
+              <a:rPr lang="en-US" sz="4000" dirty="0">
+                <a:solidFill>
+                  <a:schemeClr val="bg1"/>
+                </a:solidFill>
+              </a:rPr>
+              <a:t>Database</a:t>
+            </a:r>
+          </a:p>
+        </p:txBody>
+      </p:sp>
+      <p:sp>
+        <p:nvSpPr>
+          <p:cNvPr id="6" name="CaixaDeTexto 5">
+            <a:extLst>
+              <a:ext uri="{FF2B5EF4-FFF2-40B4-BE49-F238E27FC236}">
+                <a16:creationId xmlns:a16="http://schemas.microsoft.com/office/drawing/2014/main" id="{AD57D7D4-D609-4B55-8AB1-0C33379D4373}"/>
+              </a:ext>
+            </a:extLst>
+          </p:cNvPr>
+          <p:cNvSpPr txBox="1"/>
+          <p:nvPr/>
+        </p:nvSpPr>
+        <p:spPr>
+          <a:xfrm>
+            <a:off x="3352800" y="2374427"/>
+            <a:ext cx="5486400" cy="2031325"/>
+          </a:xfrm>
+          <a:prstGeom prst="rect">
+            <a:avLst/>
+          </a:prstGeom>
+          <a:noFill/>
+        </p:spPr>
+        <p:txBody>
+          <a:bodyPr wrap="square" rtlCol="0">
+            <a:spAutoFit/>
+          </a:bodyPr>
+          <a:lstStyle/>
+          <a:p>
+            <a:pPr marL="285750" indent="-285750" algn="ctr">
+              <a:buFontTx/>
+              <a:buChar char="-"/>
+            </a:pPr>
+            <a:r>
+              <a:rPr lang="en-US" dirty="0">
+                <a:solidFill>
+                  <a:schemeClr val="bg1"/>
+                </a:solidFill>
+              </a:rPr>
+              <a:t>Porta</a:t>
+            </a:r>
+          </a:p>
+          <a:p>
+            <a:pPr marL="285750" indent="-285750" algn="ctr">
+              <a:buFontTx/>
+              <a:buChar char="-"/>
+            </a:pPr>
+            <a:r>
+              <a:rPr lang="en-US" dirty="0">
+                <a:solidFill>
+                  <a:schemeClr val="bg1"/>
+                </a:solidFill>
+              </a:rPr>
+              <a:t>Host</a:t>
+            </a:r>
+          </a:p>
+          <a:p>
+            <a:pPr marL="285750" indent="-285750" algn="ctr">
+              <a:buFontTx/>
+              <a:buChar char="-"/>
+            </a:pPr>
+            <a:r>
+              <a:rPr lang="en-US" dirty="0">
+                <a:solidFill>
+                  <a:schemeClr val="bg1"/>
+                </a:solidFill>
+              </a:rPr>
+              <a:t>User</a:t>
+            </a:r>
+          </a:p>
+          <a:p>
+            <a:pPr marL="285750" indent="-285750" algn="ctr">
+              <a:buFontTx/>
+              <a:buChar char="-"/>
+            </a:pPr>
+            <a:r>
+              <a:rPr lang="en-US" dirty="0">
+                <a:solidFill>
+                  <a:schemeClr val="bg1"/>
+                </a:solidFill>
+              </a:rPr>
+              <a:t>Name</a:t>
+            </a:r>
+          </a:p>
+          <a:p>
+            <a:pPr marL="285750" indent="-285750" algn="ctr">
+              <a:buFontTx/>
+              <a:buChar char="-"/>
+            </a:pPr>
+            <a:r>
+              <a:rPr lang="en-US" dirty="0">
+                <a:solidFill>
+                  <a:schemeClr val="bg1"/>
+                </a:solidFill>
+              </a:rPr>
+              <a:t>Database</a:t>
+            </a:r>
+          </a:p>
+          <a:p>
+            <a:pPr marL="285750" indent="-285750" algn="ctr">
+              <a:buFontTx/>
+              <a:buChar char="-"/>
+            </a:pPr>
+            <a:r>
+              <a:rPr lang="en-US" dirty="0" err="1">
+                <a:solidFill>
+                  <a:schemeClr val="bg1"/>
+                </a:solidFill>
+              </a:rPr>
+              <a:t>CursorClass</a:t>
+            </a:r>
+            <a:endParaRPr lang="en-US" dirty="0">
+              <a:solidFill>
+                <a:schemeClr val="bg1"/>
+              </a:solidFill>
+            </a:endParaRPr>
+          </a:p>
+          <a:p>
+            <a:pPr marL="285750" indent="-285750" algn="ctr">
+              <a:buFontTx/>
+              <a:buChar char="-"/>
+            </a:pPr>
+            <a:r>
+              <a:rPr lang="en-US" dirty="0">
+                <a:solidFill>
+                  <a:schemeClr val="bg1"/>
+                </a:solidFill>
+              </a:rPr>
+              <a:t>Charset</a:t>
+            </a:r>
+          </a:p>
+        </p:txBody>
+      </p:sp>
+      <p:sp>
+        <p:nvSpPr>
+          <p:cNvPr id="7" name="CaixaDeTexto 6">
+            <a:extLst>
+              <a:ext uri="{FF2B5EF4-FFF2-40B4-BE49-F238E27FC236}">
+                <a16:creationId xmlns:a16="http://schemas.microsoft.com/office/drawing/2014/main" id="{C1BAC4BC-0F1A-4C39-B300-767AD1F4D33B}"/>
+              </a:ext>
+            </a:extLst>
+          </p:cNvPr>
+          <p:cNvSpPr txBox="1"/>
+          <p:nvPr/>
+        </p:nvSpPr>
+        <p:spPr>
+          <a:xfrm>
+            <a:off x="3352800" y="5237662"/>
+            <a:ext cx="5486400" cy="646331"/>
+          </a:xfrm>
+          <a:prstGeom prst="rect">
+            <a:avLst/>
+          </a:prstGeom>
+          <a:noFill/>
+        </p:spPr>
+        <p:txBody>
+          <a:bodyPr wrap="square" rtlCol="0">
+            <a:spAutoFit/>
+          </a:bodyPr>
+          <a:lstStyle/>
+          <a:p>
+            <a:pPr marL="285750" indent="-285750" algn="ctr">
+              <a:buFontTx/>
+              <a:buChar char="-"/>
+            </a:pPr>
+            <a:r>
+              <a:rPr lang="en-US" dirty="0" err="1">
+                <a:solidFill>
+                  <a:schemeClr val="bg1"/>
+                </a:solidFill>
+              </a:rPr>
+              <a:t>BuscaRegistro</a:t>
+            </a:r>
+            <a:endParaRPr lang="en-US" dirty="0">
+              <a:solidFill>
+                <a:schemeClr val="bg1"/>
+              </a:solidFill>
+            </a:endParaRPr>
+          </a:p>
+          <a:p>
+            <a:pPr marL="285750" indent="-285750" algn="ctr">
+              <a:buFontTx/>
+              <a:buChar char="-"/>
+            </a:pPr>
+            <a:r>
+              <a:rPr lang="en-US" dirty="0" err="1">
+                <a:solidFill>
+                  <a:schemeClr val="bg1"/>
+                </a:solidFill>
+              </a:rPr>
+              <a:t>InsereRegistro</a:t>
+            </a:r>
+            <a:endParaRPr lang="en-US" dirty="0">
+              <a:solidFill>
+                <a:schemeClr val="bg1"/>
+              </a:solidFill>
+            </a:endParaRPr>
+          </a:p>
+        </p:txBody>
+      </p:sp>
+    </p:spTree>
+    <p:extLst>
+      <p:ext uri="{BB962C8B-B14F-4D97-AF65-F5344CB8AC3E}">
+        <p14:creationId xmlns:p14="http://schemas.microsoft.com/office/powerpoint/2010/main" val="140885640"/>
+      </p:ext>
+    </p:extLst>
+  </p:cSld>
+  <p:clrMapOvr>
+    <a:masterClrMapping/>
+  </p:clrMapOvr>
+</p:sld>
+</file>
+
+<file path=ppt/slides/slide14.xml><?xml version="1.0" encoding="utf-8"?>
+<p:sld xmlns:a="http://schemas.openxmlformats.org/drawingml/2006/main" xmlns:r="http://schemas.openxmlformats.org/officeDocument/2006/relationships" xmlns:p="http://schemas.openxmlformats.org/presentationml/2006/main">
+  <p:cSld>
+    <p:spTree>
+      <p:nvGrpSpPr>
+        <p:cNvPr id="1" name=""/>
+        <p:cNvGrpSpPr/>
+        <p:nvPr/>
+      </p:nvGrpSpPr>
+      <p:grpSpPr>
+        <a:xfrm>
+          <a:off x="0" y="0"/>
+          <a:ext cx="0" cy="0"/>
+          <a:chOff x="0" y="0"/>
+          <a:chExt cx="0" cy="0"/>
+        </a:xfrm>
+      </p:grpSpPr>
+      <p:sp>
+        <p:nvSpPr>
+          <p:cNvPr id="4" name="Retângulo 3">
+            <a:extLst>
+              <a:ext uri="{FF2B5EF4-FFF2-40B4-BE49-F238E27FC236}">
+                <a16:creationId xmlns:a16="http://schemas.microsoft.com/office/drawing/2014/main" id="{05CFC605-78C2-4782-82CA-7D8B351A2C7C}"/>
+              </a:ext>
+            </a:extLst>
+          </p:cNvPr>
+          <p:cNvSpPr/>
+          <p:nvPr/>
+        </p:nvSpPr>
+        <p:spPr>
+          <a:xfrm>
+            <a:off x="0" y="10632"/>
+            <a:ext cx="12192000" cy="680483"/>
+          </a:xfrm>
+          <a:prstGeom prst="rect">
+            <a:avLst/>
+          </a:prstGeom>
+        </p:spPr>
+        <p:style>
+          <a:lnRef idx="2">
+            <a:schemeClr val="accent1">
+              <a:shade val="50000"/>
+            </a:schemeClr>
+          </a:lnRef>
+          <a:fillRef idx="1">
+            <a:schemeClr val="accent1"/>
+          </a:fillRef>
+          <a:effectRef idx="0">
+            <a:schemeClr val="accent1"/>
+          </a:effectRef>
+          <a:fontRef idx="minor">
+            <a:schemeClr val="lt1"/>
+          </a:fontRef>
+        </p:style>
+        <p:txBody>
+          <a:bodyPr rtlCol="0" anchor="ctr"/>
+          <a:lstStyle/>
+          <a:p>
+            <a:pPr algn="ctr"/>
+            <a:r>
+              <a:rPr lang="en-US" sz="4800" b="1" dirty="0" err="1"/>
+              <a:t>Fluxograma</a:t>
+            </a:r>
+            <a:r>
+              <a:rPr lang="en-US" sz="4800" b="1" dirty="0"/>
+              <a:t> da </a:t>
+            </a:r>
+            <a:r>
+              <a:rPr lang="en-US" sz="4800" b="1" dirty="0" err="1"/>
+              <a:t>aplicação</a:t>
+            </a:r>
+            <a:endParaRPr lang="en-US" sz="4800" b="1" dirty="0"/>
+          </a:p>
+        </p:txBody>
+      </p:sp>
+      <p:sp>
+        <p:nvSpPr>
+          <p:cNvPr id="2" name="Retângulo: Cantos Arredondados 1">
+            <a:extLst>
+              <a:ext uri="{FF2B5EF4-FFF2-40B4-BE49-F238E27FC236}">
+                <a16:creationId xmlns:a16="http://schemas.microsoft.com/office/drawing/2014/main" id="{B1F12672-5CCE-481A-A319-F32C59E6C57D}"/>
+              </a:ext>
+            </a:extLst>
+          </p:cNvPr>
+          <p:cNvSpPr/>
+          <p:nvPr/>
+        </p:nvSpPr>
+        <p:spPr>
+          <a:xfrm>
+            <a:off x="350874" y="1233377"/>
+            <a:ext cx="733647" cy="446567"/>
+          </a:xfrm>
+          <a:prstGeom prst="roundRect">
+            <a:avLst/>
+          </a:prstGeom>
+        </p:spPr>
+        <p:style>
+          <a:lnRef idx="2">
+            <a:schemeClr val="accent1">
+              <a:shade val="50000"/>
+            </a:schemeClr>
+          </a:lnRef>
+          <a:fillRef idx="1">
+            <a:schemeClr val="accent1"/>
+          </a:fillRef>
+          <a:effectRef idx="0">
+            <a:schemeClr val="accent1"/>
+          </a:effectRef>
+          <a:fontRef idx="minor">
+            <a:schemeClr val="lt1"/>
+          </a:fontRef>
+        </p:style>
+        <p:txBody>
+          <a:bodyPr rtlCol="0" anchor="ctr"/>
+          <a:lstStyle/>
+          <a:p>
+            <a:pPr algn="ctr"/>
+            <a:r>
+              <a:rPr lang="en-US" sz="1200" dirty="0" err="1"/>
+              <a:t>Início</a:t>
+            </a:r>
+            <a:endParaRPr lang="en-US" sz="1200" dirty="0"/>
+          </a:p>
+        </p:txBody>
+      </p:sp>
+      <p:sp>
+        <p:nvSpPr>
+          <p:cNvPr id="5" name="Retângulo: Cantos Arredondados 4">
+            <a:extLst>
+              <a:ext uri="{FF2B5EF4-FFF2-40B4-BE49-F238E27FC236}">
+                <a16:creationId xmlns:a16="http://schemas.microsoft.com/office/drawing/2014/main" id="{A36E68B7-FE40-41B6-9907-7B6A8AEA3F95}"/>
+              </a:ext>
+            </a:extLst>
+          </p:cNvPr>
+          <p:cNvSpPr/>
+          <p:nvPr/>
+        </p:nvSpPr>
+        <p:spPr>
+          <a:xfrm>
+            <a:off x="11302408" y="6220047"/>
+            <a:ext cx="733647" cy="446567"/>
+          </a:xfrm>
+          <a:prstGeom prst="roundRect">
+            <a:avLst/>
+          </a:prstGeom>
+        </p:spPr>
+        <p:style>
+          <a:lnRef idx="2">
+            <a:schemeClr val="accent1">
+              <a:shade val="50000"/>
+            </a:schemeClr>
+          </a:lnRef>
+          <a:fillRef idx="1">
+            <a:schemeClr val="accent1"/>
+          </a:fillRef>
+          <a:effectRef idx="0">
+            <a:schemeClr val="accent1"/>
+          </a:effectRef>
+          <a:fontRef idx="minor">
+            <a:schemeClr val="lt1"/>
+          </a:fontRef>
+        </p:style>
+        <p:txBody>
+          <a:bodyPr rtlCol="0" anchor="ctr"/>
+          <a:lstStyle/>
+          <a:p>
+            <a:pPr algn="ctr"/>
+            <a:r>
+              <a:rPr lang="en-US" sz="1200" dirty="0" err="1"/>
+              <a:t>Fim</a:t>
+            </a:r>
+            <a:endParaRPr lang="en-US" sz="1200" dirty="0"/>
+          </a:p>
+        </p:txBody>
+      </p:sp>
+      <p:sp>
+        <p:nvSpPr>
+          <p:cNvPr id="3" name="Retângulo 2">
+            <a:extLst>
+              <a:ext uri="{FF2B5EF4-FFF2-40B4-BE49-F238E27FC236}">
+                <a16:creationId xmlns:a16="http://schemas.microsoft.com/office/drawing/2014/main" id="{8B46623C-060E-4017-A11E-E034A93ACEB0}"/>
+              </a:ext>
+            </a:extLst>
+          </p:cNvPr>
+          <p:cNvSpPr/>
+          <p:nvPr/>
+        </p:nvSpPr>
+        <p:spPr>
+          <a:xfrm>
+            <a:off x="1467293" y="1233377"/>
+            <a:ext cx="1754372" cy="446567"/>
+          </a:xfrm>
+          <a:prstGeom prst="rect">
+            <a:avLst/>
+          </a:prstGeom>
+        </p:spPr>
+        <p:style>
+          <a:lnRef idx="2">
+            <a:schemeClr val="accent1">
+              <a:shade val="50000"/>
+            </a:schemeClr>
+          </a:lnRef>
+          <a:fillRef idx="1">
+            <a:schemeClr val="accent1"/>
+          </a:fillRef>
+          <a:effectRef idx="0">
+            <a:schemeClr val="accent1"/>
+          </a:effectRef>
+          <a:fontRef idx="minor">
+            <a:schemeClr val="lt1"/>
+          </a:fontRef>
+        </p:style>
+        <p:txBody>
+          <a:bodyPr rtlCol="0" anchor="ctr"/>
+          <a:lstStyle/>
+          <a:p>
+            <a:pPr algn="ctr"/>
+            <a:r>
+              <a:rPr lang="en-US" sz="1200" dirty="0" err="1"/>
+              <a:t>Usuário</a:t>
+            </a:r>
+            <a:r>
+              <a:rPr lang="en-US" sz="1200" dirty="0"/>
+              <a:t> Informa </a:t>
+            </a:r>
+            <a:r>
+              <a:rPr lang="en-US" sz="1200" dirty="0" err="1"/>
+              <a:t>Filtros</a:t>
+            </a:r>
+            <a:endParaRPr lang="en-US" sz="1200" dirty="0"/>
+          </a:p>
+        </p:txBody>
+      </p:sp>
+      <p:sp>
+        <p:nvSpPr>
+          <p:cNvPr id="18" name="Elipse 17">
+            <a:extLst>
+              <a:ext uri="{FF2B5EF4-FFF2-40B4-BE49-F238E27FC236}">
+                <a16:creationId xmlns:a16="http://schemas.microsoft.com/office/drawing/2014/main" id="{FC462F30-440B-46E2-9459-75E242AF5A0C}"/>
+              </a:ext>
+            </a:extLst>
+          </p:cNvPr>
+          <p:cNvSpPr/>
+          <p:nvPr/>
+        </p:nvSpPr>
+        <p:spPr>
+          <a:xfrm>
+            <a:off x="1322153" y="2601942"/>
+            <a:ext cx="4497574" cy="3710762"/>
+          </a:xfrm>
+          <a:prstGeom prst="ellipse">
+            <a:avLst/>
+          </a:prstGeom>
+          <a:noFill/>
+          <a:ln>
+            <a:solidFill>
+              <a:schemeClr val="accent2"/>
+            </a:solidFill>
+          </a:ln>
+        </p:spPr>
+        <p:style>
+          <a:lnRef idx="2">
+            <a:schemeClr val="accent1">
+              <a:shade val="50000"/>
+            </a:schemeClr>
+          </a:lnRef>
+          <a:fillRef idx="1">
+            <a:schemeClr val="accent1"/>
+          </a:fillRef>
+          <a:effectRef idx="0">
+            <a:schemeClr val="accent1"/>
+          </a:effectRef>
+          <a:fontRef idx="minor">
+            <a:schemeClr val="lt1"/>
+          </a:fontRef>
+        </p:style>
+        <p:txBody>
+          <a:bodyPr rtlCol="0" anchor="ctr"/>
+          <a:lstStyle/>
+          <a:p>
+            <a:pPr algn="ctr"/>
+            <a:endParaRPr lang="en-US" dirty="0">
+              <a:noFill/>
+              <a:highlight>
+                <a:srgbClr val="FFFF00"/>
+              </a:highlight>
+            </a:endParaRPr>
+          </a:p>
+        </p:txBody>
+      </p:sp>
+      <p:sp>
+        <p:nvSpPr>
+          <p:cNvPr id="7" name="Fluxograma: Decisão 6">
+            <a:extLst>
+              <a:ext uri="{FF2B5EF4-FFF2-40B4-BE49-F238E27FC236}">
+                <a16:creationId xmlns:a16="http://schemas.microsoft.com/office/drawing/2014/main" id="{AFBF22B7-335C-4048-81DE-D18E11FC919E}"/>
+              </a:ext>
+            </a:extLst>
+          </p:cNvPr>
+          <p:cNvSpPr/>
+          <p:nvPr/>
+        </p:nvSpPr>
+        <p:spPr>
+          <a:xfrm>
+            <a:off x="3716080" y="1052624"/>
+            <a:ext cx="1754372" cy="850604"/>
+          </a:xfrm>
+          <a:prstGeom prst="flowChartDecision">
+            <a:avLst/>
+          </a:prstGeom>
+        </p:spPr>
+        <p:style>
+          <a:lnRef idx="2">
+            <a:schemeClr val="accent1">
+              <a:shade val="50000"/>
+            </a:schemeClr>
+          </a:lnRef>
+          <a:fillRef idx="1">
+            <a:schemeClr val="accent1"/>
+          </a:fillRef>
+          <a:effectRef idx="0">
+            <a:schemeClr val="accent1"/>
+          </a:effectRef>
+          <a:fontRef idx="minor">
+            <a:schemeClr val="lt1"/>
+          </a:fontRef>
+        </p:style>
+        <p:txBody>
+          <a:bodyPr rtlCol="0" anchor="ctr"/>
+          <a:lstStyle/>
+          <a:p>
+            <a:pPr algn="ctr"/>
+            <a:r>
+              <a:rPr lang="en-US" sz="1200" dirty="0"/>
+              <a:t>Dados </a:t>
+            </a:r>
+            <a:r>
+              <a:rPr lang="en-US" sz="1200" dirty="0" err="1"/>
+              <a:t>existem</a:t>
+            </a:r>
+            <a:r>
+              <a:rPr lang="en-US" sz="1200" dirty="0"/>
+              <a:t>?</a:t>
+            </a:r>
+          </a:p>
+        </p:txBody>
+      </p:sp>
+      <p:sp>
+        <p:nvSpPr>
+          <p:cNvPr id="8" name="Retângulo 7">
+            <a:extLst>
+              <a:ext uri="{FF2B5EF4-FFF2-40B4-BE49-F238E27FC236}">
+                <a16:creationId xmlns:a16="http://schemas.microsoft.com/office/drawing/2014/main" id="{A9289981-04AA-46F2-8DF2-09728EF174B6}"/>
+              </a:ext>
+            </a:extLst>
+          </p:cNvPr>
+          <p:cNvSpPr/>
+          <p:nvPr/>
+        </p:nvSpPr>
+        <p:spPr>
+          <a:xfrm>
+            <a:off x="10281683" y="5433237"/>
+            <a:ext cx="1754372" cy="446567"/>
+          </a:xfrm>
+          <a:prstGeom prst="rect">
+            <a:avLst/>
+          </a:prstGeom>
+        </p:spPr>
+        <p:style>
+          <a:lnRef idx="2">
+            <a:schemeClr val="accent1">
+              <a:shade val="50000"/>
+            </a:schemeClr>
+          </a:lnRef>
+          <a:fillRef idx="1">
+            <a:schemeClr val="accent1"/>
+          </a:fillRef>
+          <a:effectRef idx="0">
+            <a:schemeClr val="accent1"/>
+          </a:effectRef>
+          <a:fontRef idx="minor">
+            <a:schemeClr val="lt1"/>
+          </a:fontRef>
+        </p:style>
+        <p:txBody>
+          <a:bodyPr rtlCol="0" anchor="ctr"/>
+          <a:lstStyle/>
+          <a:p>
+            <a:pPr algn="ctr"/>
+            <a:r>
+              <a:rPr lang="en-US" sz="1200" dirty="0" err="1"/>
+              <a:t>Cancela</a:t>
+            </a:r>
+            <a:r>
+              <a:rPr lang="en-US" sz="1200" dirty="0"/>
+              <a:t> </a:t>
+            </a:r>
+            <a:r>
+              <a:rPr lang="en-US" sz="1200" dirty="0" err="1"/>
+              <a:t>operação</a:t>
+            </a:r>
+            <a:endParaRPr lang="en-US" sz="1200" dirty="0"/>
+          </a:p>
+        </p:txBody>
+      </p:sp>
+      <p:sp>
+        <p:nvSpPr>
+          <p:cNvPr id="9" name="Retângulo 8">
+            <a:extLst>
+              <a:ext uri="{FF2B5EF4-FFF2-40B4-BE49-F238E27FC236}">
+                <a16:creationId xmlns:a16="http://schemas.microsoft.com/office/drawing/2014/main" id="{FF7A60CD-D8FF-4D15-BD9C-9CB019B8D2F9}"/>
+              </a:ext>
+            </a:extLst>
+          </p:cNvPr>
+          <p:cNvSpPr/>
+          <p:nvPr/>
+        </p:nvSpPr>
+        <p:spPr>
+          <a:xfrm>
+            <a:off x="8091376" y="6220046"/>
+            <a:ext cx="1754372" cy="446567"/>
+          </a:xfrm>
+          <a:prstGeom prst="rect">
+            <a:avLst/>
+          </a:prstGeom>
+        </p:spPr>
+        <p:style>
+          <a:lnRef idx="2">
+            <a:schemeClr val="accent1">
+              <a:shade val="50000"/>
+            </a:schemeClr>
+          </a:lnRef>
+          <a:fillRef idx="1">
+            <a:schemeClr val="accent1"/>
+          </a:fillRef>
+          <a:effectRef idx="0">
+            <a:schemeClr val="accent1"/>
+          </a:effectRef>
+          <a:fontRef idx="minor">
+            <a:schemeClr val="lt1"/>
+          </a:fontRef>
+        </p:style>
+        <p:txBody>
+          <a:bodyPr rtlCol="0" anchor="ctr"/>
+          <a:lstStyle/>
+          <a:p>
+            <a:pPr algn="ctr"/>
+            <a:r>
+              <a:rPr lang="en-US" sz="1200" dirty="0" err="1"/>
+              <a:t>Printa</a:t>
+            </a:r>
+            <a:r>
+              <a:rPr lang="en-US" sz="1200" dirty="0"/>
+              <a:t> Log </a:t>
+            </a:r>
+            <a:r>
+              <a:rPr lang="en-US" sz="1200" dirty="0" err="1"/>
+              <a:t>Finalização</a:t>
+            </a:r>
+            <a:endParaRPr lang="en-US" sz="1200" dirty="0"/>
+          </a:p>
+        </p:txBody>
+      </p:sp>
+      <p:sp>
+        <p:nvSpPr>
+          <p:cNvPr id="10" name="Retângulo 9">
+            <a:extLst>
+              <a:ext uri="{FF2B5EF4-FFF2-40B4-BE49-F238E27FC236}">
+                <a16:creationId xmlns:a16="http://schemas.microsoft.com/office/drawing/2014/main" id="{AE15F7D8-2F2F-4DE4-9D6A-B9C298CFC09D}"/>
+              </a:ext>
+            </a:extLst>
+          </p:cNvPr>
+          <p:cNvSpPr/>
+          <p:nvPr/>
+        </p:nvSpPr>
+        <p:spPr>
+          <a:xfrm>
+            <a:off x="5947714" y="1251393"/>
+            <a:ext cx="1754372" cy="446567"/>
+          </a:xfrm>
+          <a:prstGeom prst="rect">
+            <a:avLst/>
+          </a:prstGeom>
+        </p:spPr>
+        <p:style>
+          <a:lnRef idx="2">
+            <a:schemeClr val="accent1">
+              <a:shade val="50000"/>
+            </a:schemeClr>
+          </a:lnRef>
+          <a:fillRef idx="1">
+            <a:schemeClr val="accent1"/>
+          </a:fillRef>
+          <a:effectRef idx="0">
+            <a:schemeClr val="accent1"/>
+          </a:effectRef>
+          <a:fontRef idx="minor">
+            <a:schemeClr val="lt1"/>
+          </a:fontRef>
+        </p:style>
+        <p:txBody>
+          <a:bodyPr rtlCol="0" anchor="ctr"/>
+          <a:lstStyle/>
+          <a:p>
+            <a:pPr algn="ctr"/>
+            <a:r>
+              <a:rPr lang="en-US" sz="1200" dirty="0" err="1"/>
+              <a:t>Pede</a:t>
+            </a:r>
+            <a:r>
+              <a:rPr lang="en-US" sz="1200" dirty="0"/>
+              <a:t> </a:t>
+            </a:r>
+            <a:r>
+              <a:rPr lang="en-US" sz="1200" dirty="0" err="1"/>
+              <a:t>confirmação</a:t>
+            </a:r>
+            <a:endParaRPr lang="en-US" sz="1200" dirty="0"/>
+          </a:p>
+        </p:txBody>
+      </p:sp>
+      <p:sp>
+        <p:nvSpPr>
+          <p:cNvPr id="11" name="Fluxograma: Decisão 10">
+            <a:extLst>
+              <a:ext uri="{FF2B5EF4-FFF2-40B4-BE49-F238E27FC236}">
+                <a16:creationId xmlns:a16="http://schemas.microsoft.com/office/drawing/2014/main" id="{0D2A25C7-11CE-46F9-9406-44144A4758EA}"/>
+              </a:ext>
+            </a:extLst>
+          </p:cNvPr>
+          <p:cNvSpPr/>
+          <p:nvPr/>
+        </p:nvSpPr>
+        <p:spPr>
+          <a:xfrm>
+            <a:off x="8091376" y="1031358"/>
+            <a:ext cx="1844746" cy="850604"/>
+          </a:xfrm>
+          <a:prstGeom prst="flowChartDecision">
+            <a:avLst/>
+          </a:prstGeom>
+        </p:spPr>
+        <p:style>
+          <a:lnRef idx="2">
+            <a:schemeClr val="accent1">
+              <a:shade val="50000"/>
+            </a:schemeClr>
+          </a:lnRef>
+          <a:fillRef idx="1">
+            <a:schemeClr val="accent1"/>
+          </a:fillRef>
+          <a:effectRef idx="0">
+            <a:schemeClr val="accent1"/>
+          </a:effectRef>
+          <a:fontRef idx="minor">
+            <a:schemeClr val="lt1"/>
+          </a:fontRef>
+        </p:style>
+        <p:txBody>
+          <a:bodyPr rtlCol="0" anchor="ctr"/>
+          <a:lstStyle/>
+          <a:p>
+            <a:pPr algn="ctr"/>
+            <a:r>
+              <a:rPr lang="en-US" sz="1200" dirty="0" err="1"/>
+              <a:t>Usuário</a:t>
+            </a:r>
+            <a:r>
+              <a:rPr lang="en-US" sz="1200" dirty="0"/>
+              <a:t> </a:t>
+            </a:r>
+            <a:r>
+              <a:rPr lang="en-US" sz="1200" dirty="0" err="1"/>
+              <a:t>confirmou</a:t>
+            </a:r>
+            <a:r>
+              <a:rPr lang="en-US" sz="1200" dirty="0"/>
+              <a:t>?</a:t>
+            </a:r>
+          </a:p>
+        </p:txBody>
+      </p:sp>
+      <p:sp>
+        <p:nvSpPr>
+          <p:cNvPr id="12" name="Retângulo 11">
+            <a:extLst>
+              <a:ext uri="{FF2B5EF4-FFF2-40B4-BE49-F238E27FC236}">
+                <a16:creationId xmlns:a16="http://schemas.microsoft.com/office/drawing/2014/main" id="{8D52AB92-6A61-4417-AE54-B92949AF0D6A}"/>
+              </a:ext>
+            </a:extLst>
+          </p:cNvPr>
+          <p:cNvSpPr/>
+          <p:nvPr/>
+        </p:nvSpPr>
+        <p:spPr>
+          <a:xfrm>
+            <a:off x="8136563" y="2523798"/>
+            <a:ext cx="1754372" cy="446567"/>
+          </a:xfrm>
+          <a:prstGeom prst="rect">
+            <a:avLst/>
+          </a:prstGeom>
+        </p:spPr>
+        <p:style>
+          <a:lnRef idx="2">
+            <a:schemeClr val="accent1">
+              <a:shade val="50000"/>
+            </a:schemeClr>
+          </a:lnRef>
+          <a:fillRef idx="1">
+            <a:schemeClr val="accent1"/>
+          </a:fillRef>
+          <a:effectRef idx="0">
+            <a:schemeClr val="accent1"/>
+          </a:effectRef>
+          <a:fontRef idx="minor">
+            <a:schemeClr val="lt1"/>
+          </a:fontRef>
+        </p:style>
+        <p:txBody>
+          <a:bodyPr rtlCol="0" anchor="ctr"/>
+          <a:lstStyle/>
+          <a:p>
+            <a:pPr algn="ctr"/>
+            <a:r>
+              <a:rPr lang="en-US" sz="1200" dirty="0" err="1"/>
+              <a:t>Busca</a:t>
+            </a:r>
+            <a:r>
+              <a:rPr lang="en-US" sz="1200" dirty="0"/>
+              <a:t> Dados</a:t>
+            </a:r>
+          </a:p>
+        </p:txBody>
+      </p:sp>
+      <p:sp>
+        <p:nvSpPr>
+          <p:cNvPr id="13" name="Retângulo 12">
+            <a:extLst>
+              <a:ext uri="{FF2B5EF4-FFF2-40B4-BE49-F238E27FC236}">
+                <a16:creationId xmlns:a16="http://schemas.microsoft.com/office/drawing/2014/main" id="{93A22ABE-904D-4BE1-9AE6-0DB31A792AEA}"/>
+              </a:ext>
+            </a:extLst>
+          </p:cNvPr>
+          <p:cNvSpPr/>
+          <p:nvPr/>
+        </p:nvSpPr>
+        <p:spPr>
+          <a:xfrm>
+            <a:off x="2695354" y="2509284"/>
+            <a:ext cx="1754372" cy="446567"/>
+          </a:xfrm>
+          <a:prstGeom prst="rect">
+            <a:avLst/>
+          </a:prstGeom>
+        </p:spPr>
+        <p:style>
+          <a:lnRef idx="2">
+            <a:schemeClr val="accent1">
+              <a:shade val="50000"/>
+            </a:schemeClr>
+          </a:lnRef>
+          <a:fillRef idx="1">
+            <a:schemeClr val="accent1"/>
+          </a:fillRef>
+          <a:effectRef idx="0">
+            <a:schemeClr val="accent1"/>
+          </a:effectRef>
+          <a:fontRef idx="minor">
+            <a:schemeClr val="lt1"/>
+          </a:fontRef>
+        </p:style>
+        <p:txBody>
+          <a:bodyPr rtlCol="0" anchor="ctr"/>
+          <a:lstStyle/>
+          <a:p>
+            <a:pPr algn="ctr"/>
+            <a:r>
+              <a:rPr lang="en-US" sz="1200" dirty="0" err="1"/>
+              <a:t>Printa</a:t>
+            </a:r>
+            <a:r>
+              <a:rPr lang="en-US" sz="1200" dirty="0"/>
+              <a:t> Log </a:t>
+            </a:r>
+            <a:r>
+              <a:rPr lang="en-US" sz="1200" dirty="0" err="1"/>
+              <a:t>Execução</a:t>
+            </a:r>
+            <a:endParaRPr lang="en-US" sz="1200" dirty="0"/>
+          </a:p>
+        </p:txBody>
+      </p:sp>
+      <p:sp>
+        <p:nvSpPr>
+          <p:cNvPr id="14" name="Retângulo 13">
+            <a:extLst>
+              <a:ext uri="{FF2B5EF4-FFF2-40B4-BE49-F238E27FC236}">
+                <a16:creationId xmlns:a16="http://schemas.microsoft.com/office/drawing/2014/main" id="{B2286AD8-EC10-4720-A2F8-F5946EE99547}"/>
+              </a:ext>
+            </a:extLst>
+          </p:cNvPr>
+          <p:cNvSpPr/>
+          <p:nvPr/>
+        </p:nvSpPr>
+        <p:spPr>
+          <a:xfrm>
+            <a:off x="4944141" y="3811772"/>
+            <a:ext cx="1754372" cy="446567"/>
+          </a:xfrm>
+          <a:prstGeom prst="rect">
+            <a:avLst/>
+          </a:prstGeom>
+        </p:spPr>
+        <p:style>
+          <a:lnRef idx="2">
+            <a:schemeClr val="accent1">
+              <a:shade val="50000"/>
+            </a:schemeClr>
+          </a:lnRef>
+          <a:fillRef idx="1">
+            <a:schemeClr val="accent1"/>
+          </a:fillRef>
+          <a:effectRef idx="0">
+            <a:schemeClr val="accent1"/>
+          </a:effectRef>
+          <a:fontRef idx="minor">
+            <a:schemeClr val="lt1"/>
+          </a:fontRef>
+        </p:style>
+        <p:txBody>
+          <a:bodyPr rtlCol="0" anchor="ctr"/>
+          <a:lstStyle/>
+          <a:p>
+            <a:pPr algn="ctr"/>
+            <a:r>
+              <a:rPr lang="en-US" sz="1200" dirty="0"/>
+              <a:t>Informa </a:t>
+            </a:r>
+            <a:r>
+              <a:rPr lang="en-US" sz="1200" dirty="0" err="1"/>
+              <a:t>parâmetros</a:t>
+            </a:r>
+            <a:endParaRPr lang="en-US" sz="1200" dirty="0"/>
+          </a:p>
+        </p:txBody>
+      </p:sp>
+      <p:sp>
+        <p:nvSpPr>
+          <p:cNvPr id="15" name="Retângulo 14">
+            <a:extLst>
+              <a:ext uri="{FF2B5EF4-FFF2-40B4-BE49-F238E27FC236}">
+                <a16:creationId xmlns:a16="http://schemas.microsoft.com/office/drawing/2014/main" id="{EBB87902-2A2B-46D3-B25C-D29D160A0612}"/>
+              </a:ext>
+            </a:extLst>
+          </p:cNvPr>
+          <p:cNvSpPr/>
+          <p:nvPr/>
+        </p:nvSpPr>
+        <p:spPr>
+          <a:xfrm>
+            <a:off x="4449726" y="5337543"/>
+            <a:ext cx="1754372" cy="446567"/>
+          </a:xfrm>
+          <a:prstGeom prst="rect">
+            <a:avLst/>
+          </a:prstGeom>
+        </p:spPr>
+        <p:style>
+          <a:lnRef idx="2">
+            <a:schemeClr val="accent1">
+              <a:shade val="50000"/>
+            </a:schemeClr>
+          </a:lnRef>
+          <a:fillRef idx="1">
+            <a:schemeClr val="accent1"/>
+          </a:fillRef>
+          <a:effectRef idx="0">
+            <a:schemeClr val="accent1"/>
+          </a:effectRef>
+          <a:fontRef idx="minor">
+            <a:schemeClr val="lt1"/>
+          </a:fontRef>
+        </p:style>
+        <p:txBody>
+          <a:bodyPr rtlCol="0" anchor="ctr"/>
+          <a:lstStyle/>
+          <a:p>
+            <a:pPr algn="ctr"/>
+            <a:r>
+              <a:rPr lang="en-US" sz="1200" dirty="0" err="1"/>
+              <a:t>Dispara</a:t>
+            </a:r>
+            <a:r>
+              <a:rPr lang="en-US" sz="1200" dirty="0"/>
+              <a:t> e-mail</a:t>
+            </a:r>
+          </a:p>
+        </p:txBody>
+      </p:sp>
+      <p:sp>
+        <p:nvSpPr>
+          <p:cNvPr id="16" name="Retângulo 15">
+            <a:extLst>
+              <a:ext uri="{FF2B5EF4-FFF2-40B4-BE49-F238E27FC236}">
+                <a16:creationId xmlns:a16="http://schemas.microsoft.com/office/drawing/2014/main" id="{C18F1AF0-4271-4BAE-9CC9-DB8F5488F2D8}"/>
+              </a:ext>
+            </a:extLst>
+          </p:cNvPr>
+          <p:cNvSpPr/>
+          <p:nvPr/>
+        </p:nvSpPr>
+        <p:spPr>
+          <a:xfrm>
+            <a:off x="1084522" y="5369441"/>
+            <a:ext cx="1754372" cy="446567"/>
+          </a:xfrm>
+          <a:prstGeom prst="rect">
+            <a:avLst/>
+          </a:prstGeom>
+        </p:spPr>
+        <p:style>
+          <a:lnRef idx="2">
+            <a:schemeClr val="accent1">
+              <a:shade val="50000"/>
+            </a:schemeClr>
+          </a:lnRef>
+          <a:fillRef idx="1">
+            <a:schemeClr val="accent1"/>
+          </a:fillRef>
+          <a:effectRef idx="0">
+            <a:schemeClr val="accent1"/>
+          </a:effectRef>
+          <a:fontRef idx="minor">
+            <a:schemeClr val="lt1"/>
+          </a:fontRef>
+        </p:style>
+        <p:txBody>
+          <a:bodyPr rtlCol="0" anchor="ctr"/>
+          <a:lstStyle/>
+          <a:p>
+            <a:pPr algn="ctr"/>
+            <a:r>
+              <a:rPr lang="en-US" sz="1200" dirty="0" err="1"/>
+              <a:t>Insere</a:t>
+            </a:r>
+            <a:r>
+              <a:rPr lang="en-US" sz="1200" dirty="0"/>
+              <a:t> Dados Log</a:t>
+            </a:r>
+          </a:p>
+        </p:txBody>
+      </p:sp>
+      <p:sp>
+        <p:nvSpPr>
+          <p:cNvPr id="17" name="Retângulo 16">
+            <a:extLst>
+              <a:ext uri="{FF2B5EF4-FFF2-40B4-BE49-F238E27FC236}">
+                <a16:creationId xmlns:a16="http://schemas.microsoft.com/office/drawing/2014/main" id="{92DCA9D7-B9DE-4BE4-908F-5AA3D4B679E9}"/>
+              </a:ext>
+            </a:extLst>
+          </p:cNvPr>
+          <p:cNvSpPr/>
+          <p:nvPr/>
+        </p:nvSpPr>
+        <p:spPr>
+          <a:xfrm>
+            <a:off x="574159" y="3822404"/>
+            <a:ext cx="1754372" cy="446567"/>
+          </a:xfrm>
+          <a:prstGeom prst="rect">
+            <a:avLst/>
+          </a:prstGeom>
+        </p:spPr>
+        <p:style>
+          <a:lnRef idx="2">
+            <a:schemeClr val="accent1">
+              <a:shade val="50000"/>
+            </a:schemeClr>
+          </a:lnRef>
+          <a:fillRef idx="1">
+            <a:schemeClr val="accent1"/>
+          </a:fillRef>
+          <a:effectRef idx="0">
+            <a:schemeClr val="accent1"/>
+          </a:effectRef>
+          <a:fontRef idx="minor">
+            <a:schemeClr val="lt1"/>
+          </a:fontRef>
+        </p:style>
+        <p:txBody>
+          <a:bodyPr rtlCol="0" anchor="ctr"/>
+          <a:lstStyle/>
+          <a:p>
+            <a:pPr algn="ctr"/>
+            <a:r>
+              <a:rPr lang="en-US" sz="1200" dirty="0" err="1"/>
+              <a:t>Printa</a:t>
+            </a:r>
+            <a:r>
+              <a:rPr lang="en-US" sz="1200" dirty="0"/>
+              <a:t> Log </a:t>
+            </a:r>
+            <a:r>
+              <a:rPr lang="en-US" sz="1200" dirty="0" err="1"/>
+              <a:t>Resultado</a:t>
+            </a:r>
+            <a:endParaRPr lang="en-US" sz="1200" dirty="0"/>
+          </a:p>
+        </p:txBody>
+      </p:sp>
+      <p:sp>
+        <p:nvSpPr>
+          <p:cNvPr id="19" name="CaixaDeTexto 18">
+            <a:extLst>
+              <a:ext uri="{FF2B5EF4-FFF2-40B4-BE49-F238E27FC236}">
+                <a16:creationId xmlns:a16="http://schemas.microsoft.com/office/drawing/2014/main" id="{4A3EE6A1-8E51-444D-A8BF-11C9CD927A03}"/>
+              </a:ext>
+            </a:extLst>
+          </p:cNvPr>
+          <p:cNvSpPr txBox="1"/>
+          <p:nvPr/>
+        </p:nvSpPr>
+        <p:spPr>
+          <a:xfrm>
+            <a:off x="2623368" y="2182481"/>
+            <a:ext cx="1996444" cy="369332"/>
+          </a:xfrm>
+          <a:prstGeom prst="rect">
+            <a:avLst/>
+          </a:prstGeom>
+          <a:noFill/>
+        </p:spPr>
+        <p:txBody>
+          <a:bodyPr wrap="none" rtlCol="0">
+            <a:spAutoFit/>
+          </a:bodyPr>
+          <a:lstStyle/>
+          <a:p>
+            <a:r>
+              <a:rPr lang="en-US" b="1" dirty="0">
+                <a:solidFill>
+                  <a:srgbClr val="00B0F0"/>
+                </a:solidFill>
+              </a:rPr>
+              <a:t>Looping de </a:t>
+            </a:r>
+            <a:r>
+              <a:rPr lang="en-US" b="1" dirty="0" err="1">
+                <a:solidFill>
+                  <a:srgbClr val="00B0F0"/>
+                </a:solidFill>
+              </a:rPr>
+              <a:t>disparo</a:t>
+            </a:r>
+            <a:endParaRPr lang="en-US" b="1" dirty="0">
+              <a:solidFill>
+                <a:srgbClr val="00B0F0"/>
+              </a:solidFill>
+            </a:endParaRPr>
+          </a:p>
+        </p:txBody>
+      </p:sp>
+      <p:sp>
+        <p:nvSpPr>
+          <p:cNvPr id="20" name="Retângulo 19">
+            <a:extLst>
+              <a:ext uri="{FF2B5EF4-FFF2-40B4-BE49-F238E27FC236}">
+                <a16:creationId xmlns:a16="http://schemas.microsoft.com/office/drawing/2014/main" id="{04FB6A7D-184B-4B2C-8B2E-9DD7C1508089}"/>
+              </a:ext>
+            </a:extLst>
+          </p:cNvPr>
+          <p:cNvSpPr/>
+          <p:nvPr/>
+        </p:nvSpPr>
+        <p:spPr>
+          <a:xfrm>
+            <a:off x="5964866" y="2522837"/>
+            <a:ext cx="1754372" cy="446567"/>
+          </a:xfrm>
+          <a:prstGeom prst="rect">
+            <a:avLst/>
+          </a:prstGeom>
+        </p:spPr>
+        <p:style>
+          <a:lnRef idx="2">
+            <a:schemeClr val="accent1">
+              <a:shade val="50000"/>
+            </a:schemeClr>
+          </a:lnRef>
+          <a:fillRef idx="1">
+            <a:schemeClr val="accent1"/>
+          </a:fillRef>
+          <a:effectRef idx="0">
+            <a:schemeClr val="accent1"/>
+          </a:effectRef>
+          <a:fontRef idx="minor">
+            <a:schemeClr val="lt1"/>
+          </a:fontRef>
+        </p:style>
+        <p:txBody>
+          <a:bodyPr rtlCol="0" anchor="ctr"/>
+          <a:lstStyle/>
+          <a:p>
+            <a:pPr algn="ctr"/>
+            <a:r>
+              <a:rPr lang="en-US" sz="1200" dirty="0" err="1"/>
+              <a:t>Inicia</a:t>
+            </a:r>
+            <a:r>
+              <a:rPr lang="en-US" sz="1200" dirty="0"/>
+              <a:t> Looping de </a:t>
+            </a:r>
+            <a:r>
+              <a:rPr lang="en-US" sz="1200" dirty="0" err="1"/>
+              <a:t>disparo</a:t>
+            </a:r>
+            <a:endParaRPr lang="en-US" sz="1200" dirty="0"/>
+          </a:p>
+        </p:txBody>
+      </p:sp>
+      <p:sp>
+        <p:nvSpPr>
+          <p:cNvPr id="21" name="Retângulo 20">
+            <a:extLst>
+              <a:ext uri="{FF2B5EF4-FFF2-40B4-BE49-F238E27FC236}">
+                <a16:creationId xmlns:a16="http://schemas.microsoft.com/office/drawing/2014/main" id="{85BDE15B-9967-4A18-888E-840F175DF528}"/>
+              </a:ext>
+            </a:extLst>
+          </p:cNvPr>
+          <p:cNvSpPr/>
+          <p:nvPr/>
+        </p:nvSpPr>
+        <p:spPr>
+          <a:xfrm>
+            <a:off x="5909045" y="6220046"/>
+            <a:ext cx="1754372" cy="446567"/>
+          </a:xfrm>
+          <a:prstGeom prst="rect">
+            <a:avLst/>
+          </a:prstGeom>
+        </p:spPr>
+        <p:style>
+          <a:lnRef idx="2">
+            <a:schemeClr val="accent1">
+              <a:shade val="50000"/>
+            </a:schemeClr>
+          </a:lnRef>
+          <a:fillRef idx="1">
+            <a:schemeClr val="accent1"/>
+          </a:fillRef>
+          <a:effectRef idx="0">
+            <a:schemeClr val="accent1"/>
+          </a:effectRef>
+          <a:fontRef idx="minor">
+            <a:schemeClr val="lt1"/>
+          </a:fontRef>
+        </p:style>
+        <p:txBody>
+          <a:bodyPr rtlCol="0" anchor="ctr"/>
+          <a:lstStyle/>
+          <a:p>
+            <a:pPr algn="ctr"/>
+            <a:r>
+              <a:rPr lang="en-US" sz="1200" dirty="0" err="1"/>
+              <a:t>Imprime</a:t>
+            </a:r>
+            <a:r>
+              <a:rPr lang="en-US" sz="1200" dirty="0"/>
+              <a:t> </a:t>
+            </a:r>
+            <a:r>
+              <a:rPr lang="en-US" sz="1200" dirty="0" err="1"/>
+              <a:t>relatório</a:t>
+            </a:r>
+            <a:r>
+              <a:rPr lang="en-US" sz="1200" dirty="0"/>
+              <a:t> de </a:t>
+            </a:r>
+            <a:r>
+              <a:rPr lang="en-US" sz="1200" dirty="0" err="1"/>
+              <a:t>disparo</a:t>
+            </a:r>
+            <a:endParaRPr lang="en-US" sz="1200" dirty="0"/>
+          </a:p>
+        </p:txBody>
+      </p:sp>
+      <p:cxnSp>
+        <p:nvCxnSpPr>
+          <p:cNvPr id="23" name="Conector de Seta Reta 22">
+            <a:extLst>
+              <a:ext uri="{FF2B5EF4-FFF2-40B4-BE49-F238E27FC236}">
+                <a16:creationId xmlns:a16="http://schemas.microsoft.com/office/drawing/2014/main" id="{AD04AE57-1D3A-41DF-9116-91B3CC59B927}"/>
+              </a:ext>
+            </a:extLst>
+          </p:cNvPr>
+          <p:cNvCxnSpPr>
+            <a:stCxn id="2" idx="3"/>
+            <a:endCxn id="3" idx="1"/>
+          </p:cNvCxnSpPr>
+          <p:nvPr/>
+        </p:nvCxnSpPr>
+        <p:spPr>
+          <a:xfrm>
+            <a:off x="1084521" y="1456661"/>
+            <a:ext cx="382772" cy="0"/>
+          </a:xfrm>
+          <a:prstGeom prst="straightConnector1">
+            <a:avLst/>
+          </a:prstGeom>
+          <a:ln>
+            <a:tailEnd type="triangle"/>
+          </a:ln>
+        </p:spPr>
+        <p:style>
+          <a:lnRef idx="1">
+            <a:schemeClr val="accent1"/>
+          </a:lnRef>
+          <a:fillRef idx="0">
+            <a:schemeClr val="accent1"/>
+          </a:fillRef>
+          <a:effectRef idx="0">
+            <a:schemeClr val="accent1"/>
+          </a:effectRef>
+          <a:fontRef idx="minor">
+            <a:schemeClr val="tx1"/>
+          </a:fontRef>
+        </p:style>
+      </p:cxnSp>
+      <p:cxnSp>
+        <p:nvCxnSpPr>
+          <p:cNvPr id="24" name="Conector de Seta Reta 23">
+            <a:extLst>
+              <a:ext uri="{FF2B5EF4-FFF2-40B4-BE49-F238E27FC236}">
+                <a16:creationId xmlns:a16="http://schemas.microsoft.com/office/drawing/2014/main" id="{4E2616D9-4ED2-4B86-B764-C62F4D094978}"/>
+              </a:ext>
+            </a:extLst>
+          </p:cNvPr>
+          <p:cNvCxnSpPr>
+            <a:cxnSpLocks/>
+            <a:endCxn id="7" idx="1"/>
+          </p:cNvCxnSpPr>
+          <p:nvPr/>
+        </p:nvCxnSpPr>
+        <p:spPr>
+          <a:xfrm>
+            <a:off x="3238818" y="1477926"/>
+            <a:ext cx="477262" cy="0"/>
+          </a:xfrm>
+          <a:prstGeom prst="straightConnector1">
+            <a:avLst/>
+          </a:prstGeom>
+          <a:ln>
+            <a:tailEnd type="triangle"/>
+          </a:ln>
+        </p:spPr>
+        <p:style>
+          <a:lnRef idx="1">
+            <a:schemeClr val="accent1"/>
+          </a:lnRef>
+          <a:fillRef idx="0">
+            <a:schemeClr val="accent1"/>
+          </a:fillRef>
+          <a:effectRef idx="0">
+            <a:schemeClr val="accent1"/>
+          </a:effectRef>
+          <a:fontRef idx="minor">
+            <a:schemeClr val="tx1"/>
+          </a:fontRef>
+        </p:style>
+      </p:cxnSp>
+      <p:cxnSp>
+        <p:nvCxnSpPr>
+          <p:cNvPr id="27" name="Conector de Seta Reta 26">
+            <a:extLst>
+              <a:ext uri="{FF2B5EF4-FFF2-40B4-BE49-F238E27FC236}">
+                <a16:creationId xmlns:a16="http://schemas.microsoft.com/office/drawing/2014/main" id="{0863B554-9F69-43EB-9F60-A1FF3C58E82D}"/>
+              </a:ext>
+            </a:extLst>
+          </p:cNvPr>
+          <p:cNvCxnSpPr>
+            <a:stCxn id="7" idx="3"/>
+            <a:endCxn id="10" idx="1"/>
+          </p:cNvCxnSpPr>
+          <p:nvPr/>
+        </p:nvCxnSpPr>
+        <p:spPr>
+          <a:xfrm flipV="1">
+            <a:off x="5470452" y="1474677"/>
+            <a:ext cx="477262" cy="3249"/>
+          </a:xfrm>
+          <a:prstGeom prst="straightConnector1">
+            <a:avLst/>
+          </a:prstGeom>
+          <a:ln>
+            <a:tailEnd type="triangle"/>
+          </a:ln>
+        </p:spPr>
+        <p:style>
+          <a:lnRef idx="1">
+            <a:schemeClr val="accent1"/>
+          </a:lnRef>
+          <a:fillRef idx="0">
+            <a:schemeClr val="accent1"/>
+          </a:fillRef>
+          <a:effectRef idx="0">
+            <a:schemeClr val="accent1"/>
+          </a:effectRef>
+          <a:fontRef idx="minor">
+            <a:schemeClr val="tx1"/>
+          </a:fontRef>
+        </p:style>
+      </p:cxnSp>
+      <p:cxnSp>
+        <p:nvCxnSpPr>
+          <p:cNvPr id="30" name="Conector de Seta Reta 29">
+            <a:extLst>
+              <a:ext uri="{FF2B5EF4-FFF2-40B4-BE49-F238E27FC236}">
+                <a16:creationId xmlns:a16="http://schemas.microsoft.com/office/drawing/2014/main" id="{D22EAF63-765A-4787-8BBA-4C9198A30596}"/>
+              </a:ext>
+            </a:extLst>
+          </p:cNvPr>
+          <p:cNvCxnSpPr>
+            <a:stCxn id="10" idx="3"/>
+            <a:endCxn id="11" idx="1"/>
+          </p:cNvCxnSpPr>
+          <p:nvPr/>
+        </p:nvCxnSpPr>
+        <p:spPr>
+          <a:xfrm flipV="1">
+            <a:off x="7702086" y="1456660"/>
+            <a:ext cx="389290" cy="18017"/>
+          </a:xfrm>
+          <a:prstGeom prst="straightConnector1">
+            <a:avLst/>
+          </a:prstGeom>
+          <a:ln>
+            <a:tailEnd type="triangle"/>
+          </a:ln>
+        </p:spPr>
+        <p:style>
+          <a:lnRef idx="1">
+            <a:schemeClr val="accent1"/>
+          </a:lnRef>
+          <a:fillRef idx="0">
+            <a:schemeClr val="accent1"/>
+          </a:fillRef>
+          <a:effectRef idx="0">
+            <a:schemeClr val="accent1"/>
+          </a:effectRef>
+          <a:fontRef idx="minor">
+            <a:schemeClr val="tx1"/>
+          </a:fontRef>
+        </p:style>
+      </p:cxnSp>
+      <p:cxnSp>
+        <p:nvCxnSpPr>
+          <p:cNvPr id="33" name="Conector de Seta Reta 32">
+            <a:extLst>
+              <a:ext uri="{FF2B5EF4-FFF2-40B4-BE49-F238E27FC236}">
+                <a16:creationId xmlns:a16="http://schemas.microsoft.com/office/drawing/2014/main" id="{D74E8AD0-C518-48E8-91A5-20842C45DBE4}"/>
+              </a:ext>
+            </a:extLst>
+          </p:cNvPr>
+          <p:cNvCxnSpPr>
+            <a:cxnSpLocks/>
+            <a:stCxn id="11" idx="3"/>
+            <a:endCxn id="8" idx="0"/>
+          </p:cNvCxnSpPr>
+          <p:nvPr/>
+        </p:nvCxnSpPr>
+        <p:spPr>
+          <a:xfrm>
+            <a:off x="9936122" y="1456660"/>
+            <a:ext cx="1222747" cy="3976577"/>
+          </a:xfrm>
+          <a:prstGeom prst="bentConnector2">
+            <a:avLst/>
+          </a:prstGeom>
+          <a:ln>
+            <a:tailEnd type="triangle"/>
+          </a:ln>
+        </p:spPr>
+        <p:style>
+          <a:lnRef idx="1">
+            <a:schemeClr val="accent1"/>
+          </a:lnRef>
+          <a:fillRef idx="0">
+            <a:schemeClr val="accent1"/>
+          </a:fillRef>
+          <a:effectRef idx="0">
+            <a:schemeClr val="accent1"/>
+          </a:effectRef>
+          <a:fontRef idx="minor">
+            <a:schemeClr val="tx1"/>
+          </a:fontRef>
+        </p:style>
+      </p:cxnSp>
+      <p:cxnSp>
+        <p:nvCxnSpPr>
+          <p:cNvPr id="37" name="Conector de Seta Reta 36">
+            <a:extLst>
+              <a:ext uri="{FF2B5EF4-FFF2-40B4-BE49-F238E27FC236}">
+                <a16:creationId xmlns:a16="http://schemas.microsoft.com/office/drawing/2014/main" id="{49251F58-02B1-49F9-A7B6-99DEEE3C52C7}"/>
+              </a:ext>
+            </a:extLst>
+          </p:cNvPr>
+          <p:cNvCxnSpPr>
+            <a:stCxn id="8" idx="1"/>
+            <a:endCxn id="9" idx="0"/>
+          </p:cNvCxnSpPr>
+          <p:nvPr/>
+        </p:nvCxnSpPr>
+        <p:spPr>
+          <a:xfrm rot="10800000" flipV="1">
+            <a:off x="8968563" y="5656520"/>
+            <a:ext cx="1313121" cy="563525"/>
+          </a:xfrm>
+          <a:prstGeom prst="bentConnector2">
+            <a:avLst/>
+          </a:prstGeom>
+          <a:ln>
+            <a:tailEnd type="triangle"/>
+          </a:ln>
+        </p:spPr>
+        <p:style>
+          <a:lnRef idx="1">
+            <a:schemeClr val="accent1"/>
+          </a:lnRef>
+          <a:fillRef idx="0">
+            <a:schemeClr val="accent1"/>
+          </a:fillRef>
+          <a:effectRef idx="0">
+            <a:schemeClr val="accent1"/>
+          </a:effectRef>
+          <a:fontRef idx="minor">
+            <a:schemeClr val="tx1"/>
+          </a:fontRef>
+        </p:style>
+      </p:cxnSp>
+      <p:cxnSp>
+        <p:nvCxnSpPr>
+          <p:cNvPr id="39" name="Conector de Seta Reta 38">
+            <a:extLst>
+              <a:ext uri="{FF2B5EF4-FFF2-40B4-BE49-F238E27FC236}">
+                <a16:creationId xmlns:a16="http://schemas.microsoft.com/office/drawing/2014/main" id="{E08B25B1-60FD-485F-8B4F-BF4681D16F0C}"/>
+              </a:ext>
+            </a:extLst>
+          </p:cNvPr>
+          <p:cNvCxnSpPr>
+            <a:stCxn id="7" idx="0"/>
+            <a:endCxn id="8" idx="0"/>
+          </p:cNvCxnSpPr>
+          <p:nvPr/>
+        </p:nvCxnSpPr>
+        <p:spPr>
+          <a:xfrm rot="16200000" flipH="1">
+            <a:off x="5685760" y="-39871"/>
+            <a:ext cx="4380613" cy="6565603"/>
+          </a:xfrm>
+          <a:prstGeom prst="bentConnector3">
+            <a:avLst>
+              <a:gd name="adj1" fmla="val -5218"/>
+            </a:avLst>
+          </a:prstGeom>
+          <a:ln>
+            <a:tailEnd type="triangle"/>
+          </a:ln>
+        </p:spPr>
+        <p:style>
+          <a:lnRef idx="1">
+            <a:schemeClr val="accent1"/>
+          </a:lnRef>
+          <a:fillRef idx="0">
+            <a:schemeClr val="accent1"/>
+          </a:fillRef>
+          <a:effectRef idx="0">
+            <a:schemeClr val="accent1"/>
+          </a:effectRef>
+          <a:fontRef idx="minor">
+            <a:schemeClr val="tx1"/>
+          </a:fontRef>
+        </p:style>
+      </p:cxnSp>
+      <p:cxnSp>
+        <p:nvCxnSpPr>
+          <p:cNvPr id="41" name="Conector de Seta Reta 40">
+            <a:extLst>
+              <a:ext uri="{FF2B5EF4-FFF2-40B4-BE49-F238E27FC236}">
+                <a16:creationId xmlns:a16="http://schemas.microsoft.com/office/drawing/2014/main" id="{BFEA084F-4D19-49F3-BE8A-7D08F32E6640}"/>
+              </a:ext>
+            </a:extLst>
+          </p:cNvPr>
+          <p:cNvCxnSpPr>
+            <a:cxnSpLocks/>
+            <a:stCxn id="11" idx="2"/>
+            <a:endCxn id="12" idx="0"/>
+          </p:cNvCxnSpPr>
+          <p:nvPr/>
+        </p:nvCxnSpPr>
+        <p:spPr>
+          <a:xfrm>
+            <a:off x="9013749" y="1881962"/>
+            <a:ext cx="0" cy="641836"/>
+          </a:xfrm>
+          <a:prstGeom prst="straightConnector1">
+            <a:avLst/>
+          </a:prstGeom>
+          <a:ln>
+            <a:tailEnd type="triangle"/>
+          </a:ln>
+        </p:spPr>
+        <p:style>
+          <a:lnRef idx="1">
+            <a:schemeClr val="accent1"/>
+          </a:lnRef>
+          <a:fillRef idx="0">
+            <a:schemeClr val="accent1"/>
+          </a:fillRef>
+          <a:effectRef idx="0">
+            <a:schemeClr val="accent1"/>
+          </a:effectRef>
+          <a:fontRef idx="minor">
+            <a:schemeClr val="tx1"/>
+          </a:fontRef>
+        </p:style>
+      </p:cxnSp>
+      <p:cxnSp>
+        <p:nvCxnSpPr>
+          <p:cNvPr id="45" name="Conector de Seta Reta 44">
+            <a:extLst>
+              <a:ext uri="{FF2B5EF4-FFF2-40B4-BE49-F238E27FC236}">
+                <a16:creationId xmlns:a16="http://schemas.microsoft.com/office/drawing/2014/main" id="{17830D3F-DC8C-4EB7-9026-2CB5878D39A6}"/>
+              </a:ext>
+            </a:extLst>
+          </p:cNvPr>
+          <p:cNvCxnSpPr>
+            <a:stCxn id="12" idx="1"/>
+            <a:endCxn id="20" idx="3"/>
+          </p:cNvCxnSpPr>
+          <p:nvPr/>
+        </p:nvCxnSpPr>
+        <p:spPr>
+          <a:xfrm flipH="1" flipV="1">
+            <a:off x="7719238" y="2746121"/>
+            <a:ext cx="417325" cy="961"/>
+          </a:xfrm>
+          <a:prstGeom prst="straightConnector1">
+            <a:avLst/>
+          </a:prstGeom>
+          <a:ln>
+            <a:tailEnd type="triangle"/>
+          </a:ln>
+        </p:spPr>
+        <p:style>
+          <a:lnRef idx="1">
+            <a:schemeClr val="accent1"/>
+          </a:lnRef>
+          <a:fillRef idx="0">
+            <a:schemeClr val="accent1"/>
+          </a:fillRef>
+          <a:effectRef idx="0">
+            <a:schemeClr val="accent1"/>
+          </a:effectRef>
+          <a:fontRef idx="minor">
+            <a:schemeClr val="tx1"/>
+          </a:fontRef>
+        </p:style>
+      </p:cxnSp>
+      <p:cxnSp>
+        <p:nvCxnSpPr>
+          <p:cNvPr id="48" name="Conector de Seta Reta 47">
+            <a:extLst>
+              <a:ext uri="{FF2B5EF4-FFF2-40B4-BE49-F238E27FC236}">
+                <a16:creationId xmlns:a16="http://schemas.microsoft.com/office/drawing/2014/main" id="{FDDECF2A-1134-438D-8B03-B5ADFD4E9FE9}"/>
+              </a:ext>
+            </a:extLst>
+          </p:cNvPr>
+          <p:cNvCxnSpPr>
+            <a:cxnSpLocks/>
+            <a:stCxn id="20" idx="1"/>
+            <a:endCxn id="13" idx="3"/>
+          </p:cNvCxnSpPr>
+          <p:nvPr/>
+        </p:nvCxnSpPr>
+        <p:spPr>
+          <a:xfrm flipH="1" flipV="1">
+            <a:off x="4449726" y="2732568"/>
+            <a:ext cx="1515140" cy="13553"/>
+          </a:xfrm>
+          <a:prstGeom prst="straightConnector1">
+            <a:avLst/>
+          </a:prstGeom>
+          <a:ln>
+            <a:tailEnd type="triangle"/>
+          </a:ln>
+        </p:spPr>
+        <p:style>
+          <a:lnRef idx="1">
+            <a:schemeClr val="accent1"/>
+          </a:lnRef>
+          <a:fillRef idx="0">
+            <a:schemeClr val="accent1"/>
+          </a:fillRef>
+          <a:effectRef idx="0">
+            <a:schemeClr val="accent1"/>
+          </a:effectRef>
+          <a:fontRef idx="minor">
+            <a:schemeClr val="tx1"/>
+          </a:fontRef>
+        </p:style>
+      </p:cxnSp>
+      <p:cxnSp>
+        <p:nvCxnSpPr>
+          <p:cNvPr id="53" name="Conector de Seta Reta 52">
+            <a:extLst>
+              <a:ext uri="{FF2B5EF4-FFF2-40B4-BE49-F238E27FC236}">
+                <a16:creationId xmlns:a16="http://schemas.microsoft.com/office/drawing/2014/main" id="{D85C9E01-34AD-401D-9DF2-F480B18F5D69}"/>
+              </a:ext>
+            </a:extLst>
+          </p:cNvPr>
+          <p:cNvCxnSpPr>
+            <a:stCxn id="13" idx="3"/>
+          </p:cNvCxnSpPr>
+          <p:nvPr/>
+        </p:nvCxnSpPr>
+        <p:spPr>
+          <a:xfrm>
+            <a:off x="4449726" y="2732568"/>
+            <a:ext cx="1259357" cy="1079204"/>
+          </a:xfrm>
+          <a:prstGeom prst="straightConnector1">
+            <a:avLst/>
+          </a:prstGeom>
+          <a:ln>
+            <a:tailEnd type="triangle"/>
+          </a:ln>
+        </p:spPr>
+        <p:style>
+          <a:lnRef idx="1">
+            <a:schemeClr val="accent1"/>
+          </a:lnRef>
+          <a:fillRef idx="0">
+            <a:schemeClr val="accent1"/>
+          </a:fillRef>
+          <a:effectRef idx="0">
+            <a:schemeClr val="accent1"/>
+          </a:effectRef>
+          <a:fontRef idx="minor">
+            <a:schemeClr val="tx1"/>
+          </a:fontRef>
+        </p:style>
+      </p:cxnSp>
+      <p:cxnSp>
+        <p:nvCxnSpPr>
+          <p:cNvPr id="55" name="Conector de Seta Reta 54">
+            <a:extLst>
+              <a:ext uri="{FF2B5EF4-FFF2-40B4-BE49-F238E27FC236}">
+                <a16:creationId xmlns:a16="http://schemas.microsoft.com/office/drawing/2014/main" id="{4990E40C-8EC9-441C-B120-F40A99F550DA}"/>
+              </a:ext>
+            </a:extLst>
+          </p:cNvPr>
+          <p:cNvCxnSpPr>
+            <a:stCxn id="14" idx="2"/>
+            <a:endCxn id="15" idx="0"/>
+          </p:cNvCxnSpPr>
+          <p:nvPr/>
+        </p:nvCxnSpPr>
+        <p:spPr>
+          <a:xfrm flipH="1">
+            <a:off x="5326912" y="4258339"/>
+            <a:ext cx="494415" cy="1079204"/>
+          </a:xfrm>
+          <a:prstGeom prst="straightConnector1">
+            <a:avLst/>
+          </a:prstGeom>
+          <a:ln>
+            <a:tailEnd type="triangle"/>
+          </a:ln>
+        </p:spPr>
+        <p:style>
+          <a:lnRef idx="1">
+            <a:schemeClr val="accent1"/>
+          </a:lnRef>
+          <a:fillRef idx="0">
+            <a:schemeClr val="accent1"/>
+          </a:fillRef>
+          <a:effectRef idx="0">
+            <a:schemeClr val="accent1"/>
+          </a:effectRef>
+          <a:fontRef idx="minor">
+            <a:schemeClr val="tx1"/>
+          </a:fontRef>
+        </p:style>
+      </p:cxnSp>
+      <p:cxnSp>
+        <p:nvCxnSpPr>
+          <p:cNvPr id="57" name="Conector de Seta Reta 56">
+            <a:extLst>
+              <a:ext uri="{FF2B5EF4-FFF2-40B4-BE49-F238E27FC236}">
+                <a16:creationId xmlns:a16="http://schemas.microsoft.com/office/drawing/2014/main" id="{3C20C39B-3C2D-4B22-8126-765817F8C4D7}"/>
+              </a:ext>
+            </a:extLst>
+          </p:cNvPr>
+          <p:cNvCxnSpPr>
+            <a:stCxn id="15" idx="2"/>
+            <a:endCxn id="18" idx="3"/>
+          </p:cNvCxnSpPr>
+          <p:nvPr/>
+        </p:nvCxnSpPr>
+        <p:spPr>
+          <a:xfrm rot="5400000" flipH="1">
+            <a:off x="3646442" y="4103641"/>
+            <a:ext cx="14835" cy="3346105"/>
+          </a:xfrm>
+          <a:prstGeom prst="bentConnector3">
+            <a:avLst>
+              <a:gd name="adj1" fmla="val -5104105"/>
+            </a:avLst>
+          </a:prstGeom>
+          <a:ln>
+            <a:tailEnd type="triangle"/>
+          </a:ln>
+        </p:spPr>
+        <p:style>
+          <a:lnRef idx="1">
+            <a:schemeClr val="accent1"/>
+          </a:lnRef>
+          <a:fillRef idx="0">
+            <a:schemeClr val="accent1"/>
+          </a:fillRef>
+          <a:effectRef idx="0">
+            <a:schemeClr val="accent1"/>
+          </a:effectRef>
+          <a:fontRef idx="minor">
+            <a:schemeClr val="tx1"/>
+          </a:fontRef>
+        </p:style>
+      </p:cxnSp>
+      <p:cxnSp>
+        <p:nvCxnSpPr>
+          <p:cNvPr id="59" name="Conector de Seta Reta 58">
+            <a:extLst>
+              <a:ext uri="{FF2B5EF4-FFF2-40B4-BE49-F238E27FC236}">
+                <a16:creationId xmlns:a16="http://schemas.microsoft.com/office/drawing/2014/main" id="{CFB97373-EE43-441F-A435-682CC0EE819F}"/>
+              </a:ext>
+            </a:extLst>
+          </p:cNvPr>
+          <p:cNvCxnSpPr>
+            <a:stCxn id="16" idx="0"/>
+            <a:endCxn id="17" idx="2"/>
+          </p:cNvCxnSpPr>
+          <p:nvPr/>
+        </p:nvCxnSpPr>
+        <p:spPr>
+          <a:xfrm flipH="1" flipV="1">
+            <a:off x="1451345" y="4268971"/>
+            <a:ext cx="510363" cy="1100470"/>
+          </a:xfrm>
+          <a:prstGeom prst="straightConnector1">
+            <a:avLst/>
+          </a:prstGeom>
+          <a:ln>
+            <a:tailEnd type="triangle"/>
+          </a:ln>
+        </p:spPr>
+        <p:style>
+          <a:lnRef idx="1">
+            <a:schemeClr val="accent1"/>
+          </a:lnRef>
+          <a:fillRef idx="0">
+            <a:schemeClr val="accent1"/>
+          </a:fillRef>
+          <a:effectRef idx="0">
+            <a:schemeClr val="accent1"/>
+          </a:effectRef>
+          <a:fontRef idx="minor">
+            <a:schemeClr val="tx1"/>
+          </a:fontRef>
+        </p:style>
+      </p:cxnSp>
+      <p:cxnSp>
+        <p:nvCxnSpPr>
+          <p:cNvPr id="61" name="Conector de Seta Reta 60">
+            <a:extLst>
+              <a:ext uri="{FF2B5EF4-FFF2-40B4-BE49-F238E27FC236}">
+                <a16:creationId xmlns:a16="http://schemas.microsoft.com/office/drawing/2014/main" id="{14133730-F530-4CB0-B5EE-633675F96029}"/>
+              </a:ext>
+            </a:extLst>
+          </p:cNvPr>
+          <p:cNvCxnSpPr>
+            <a:stCxn id="17" idx="0"/>
+            <a:endCxn id="13" idx="1"/>
+          </p:cNvCxnSpPr>
+          <p:nvPr/>
+        </p:nvCxnSpPr>
+        <p:spPr>
+          <a:xfrm flipV="1">
+            <a:off x="1451345" y="2732568"/>
+            <a:ext cx="1244009" cy="1089836"/>
+          </a:xfrm>
+          <a:prstGeom prst="straightConnector1">
+            <a:avLst/>
+          </a:prstGeom>
+          <a:ln>
+            <a:tailEnd type="triangle"/>
+          </a:ln>
+        </p:spPr>
+        <p:style>
+          <a:lnRef idx="1">
+            <a:schemeClr val="accent1"/>
+          </a:lnRef>
+          <a:fillRef idx="0">
+            <a:schemeClr val="accent1"/>
+          </a:fillRef>
+          <a:effectRef idx="0">
+            <a:schemeClr val="accent1"/>
+          </a:effectRef>
+          <a:fontRef idx="minor">
+            <a:schemeClr val="tx1"/>
+          </a:fontRef>
+        </p:style>
+      </p:cxnSp>
+      <p:cxnSp>
+        <p:nvCxnSpPr>
+          <p:cNvPr id="63" name="Conector de Seta Reta 62">
+            <a:extLst>
+              <a:ext uri="{FF2B5EF4-FFF2-40B4-BE49-F238E27FC236}">
+                <a16:creationId xmlns:a16="http://schemas.microsoft.com/office/drawing/2014/main" id="{B9D2ABF7-691A-4ABB-BCE3-A7188C00CE84}"/>
+              </a:ext>
+            </a:extLst>
+          </p:cNvPr>
+          <p:cNvCxnSpPr>
+            <a:cxnSpLocks/>
+            <a:stCxn id="18" idx="4"/>
+            <a:endCxn id="21" idx="1"/>
+          </p:cNvCxnSpPr>
+          <p:nvPr/>
+        </p:nvCxnSpPr>
+        <p:spPr>
+          <a:xfrm rot="16200000" flipH="1">
+            <a:off x="4674679" y="5208964"/>
+            <a:ext cx="130626" cy="2338105"/>
+          </a:xfrm>
+          <a:prstGeom prst="bentConnector2">
+            <a:avLst/>
+          </a:prstGeom>
+          <a:ln>
+            <a:tailEnd type="triangle"/>
+          </a:ln>
+        </p:spPr>
+        <p:style>
+          <a:lnRef idx="1">
+            <a:schemeClr val="accent1"/>
+          </a:lnRef>
+          <a:fillRef idx="0">
+            <a:schemeClr val="accent1"/>
+          </a:fillRef>
+          <a:effectRef idx="0">
+            <a:schemeClr val="accent1"/>
+          </a:effectRef>
+          <a:fontRef idx="minor">
+            <a:schemeClr val="tx1"/>
+          </a:fontRef>
+        </p:style>
+      </p:cxnSp>
+      <p:cxnSp>
+        <p:nvCxnSpPr>
+          <p:cNvPr id="68" name="Conector de Seta Reta 67">
+            <a:extLst>
+              <a:ext uri="{FF2B5EF4-FFF2-40B4-BE49-F238E27FC236}">
+                <a16:creationId xmlns:a16="http://schemas.microsoft.com/office/drawing/2014/main" id="{7C555A84-9878-43DF-8029-A7B7053CF1F9}"/>
+              </a:ext>
+            </a:extLst>
+          </p:cNvPr>
+          <p:cNvCxnSpPr>
+            <a:cxnSpLocks/>
+            <a:stCxn id="21" idx="3"/>
+            <a:endCxn id="9" idx="1"/>
+          </p:cNvCxnSpPr>
+          <p:nvPr/>
+        </p:nvCxnSpPr>
+        <p:spPr>
+          <a:xfrm>
+            <a:off x="7663417" y="6443330"/>
+            <a:ext cx="427959" cy="0"/>
+          </a:xfrm>
+          <a:prstGeom prst="straightConnector1">
+            <a:avLst/>
+          </a:prstGeom>
+          <a:ln>
+            <a:tailEnd type="triangle"/>
+          </a:ln>
+        </p:spPr>
+        <p:style>
+          <a:lnRef idx="1">
+            <a:schemeClr val="accent1"/>
+          </a:lnRef>
+          <a:fillRef idx="0">
+            <a:schemeClr val="accent1"/>
+          </a:fillRef>
+          <a:effectRef idx="0">
+            <a:schemeClr val="accent1"/>
+          </a:effectRef>
+          <a:fontRef idx="minor">
+            <a:schemeClr val="tx1"/>
+          </a:fontRef>
+        </p:style>
+      </p:cxnSp>
+      <p:cxnSp>
+        <p:nvCxnSpPr>
+          <p:cNvPr id="69" name="Conector de Seta Reta 68">
+            <a:extLst>
+              <a:ext uri="{FF2B5EF4-FFF2-40B4-BE49-F238E27FC236}">
+                <a16:creationId xmlns:a16="http://schemas.microsoft.com/office/drawing/2014/main" id="{E1E027C8-EAE4-459C-A365-CF98120343A1}"/>
+              </a:ext>
+            </a:extLst>
+          </p:cNvPr>
+          <p:cNvCxnSpPr>
+            <a:cxnSpLocks/>
+            <a:stCxn id="9" idx="3"/>
+            <a:endCxn id="5" idx="1"/>
+          </p:cNvCxnSpPr>
+          <p:nvPr/>
+        </p:nvCxnSpPr>
+        <p:spPr>
+          <a:xfrm>
+            <a:off x="9845748" y="6443330"/>
+            <a:ext cx="1456660" cy="1"/>
+          </a:xfrm>
+          <a:prstGeom prst="straightConnector1">
+            <a:avLst/>
+          </a:prstGeom>
+          <a:ln>
+            <a:tailEnd type="triangle"/>
+          </a:ln>
+        </p:spPr>
+        <p:style>
+          <a:lnRef idx="1">
+            <a:schemeClr val="accent1"/>
+          </a:lnRef>
+          <a:fillRef idx="0">
+            <a:schemeClr val="accent1"/>
+          </a:fillRef>
+          <a:effectRef idx="0">
+            <a:schemeClr val="accent1"/>
+          </a:effectRef>
+          <a:fontRef idx="minor">
+            <a:schemeClr val="tx1"/>
+          </a:fontRef>
+        </p:style>
+      </p:cxnSp>
+    </p:spTree>
+    <p:extLst>
+      <p:ext uri="{BB962C8B-B14F-4D97-AF65-F5344CB8AC3E}">
+        <p14:creationId xmlns:p14="http://schemas.microsoft.com/office/powerpoint/2010/main" val="2347762253"/>
       </p:ext>
     </p:extLst>
   </p:cSld>
@@ -3594,435 +6915,236 @@
       </p:grpSpPr>
       <p:sp>
         <p:nvSpPr>
-          <p:cNvPr id="4" name="Retângulo 3">
-            <a:extLst>
-              <a:ext uri="{FF2B5EF4-FFF2-40B4-BE49-F238E27FC236}">
-                <a16:creationId xmlns:a16="http://schemas.microsoft.com/office/drawing/2014/main" id="{05CFC605-78C2-4782-82CA-7D8B351A2C7C}"/>
-              </a:ext>
-            </a:extLst>
-          </p:cNvPr>
-          <p:cNvSpPr/>
-          <p:nvPr/>
-        </p:nvSpPr>
-        <p:spPr>
-          <a:xfrm>
-            <a:off x="0" y="10632"/>
-            <a:ext cx="12192000" cy="914400"/>
-          </a:xfrm>
-          <a:prstGeom prst="rect">
-            <a:avLst/>
-          </a:prstGeom>
-        </p:spPr>
-        <p:style>
-          <a:lnRef idx="2">
-            <a:schemeClr val="accent1">
-              <a:shade val="50000"/>
-            </a:schemeClr>
-          </a:lnRef>
-          <a:fillRef idx="1">
-            <a:schemeClr val="accent1"/>
-          </a:fillRef>
-          <a:effectRef idx="0">
-            <a:schemeClr val="accent1"/>
-          </a:effectRef>
-          <a:fontRef idx="minor">
-            <a:schemeClr val="lt1"/>
-          </a:fontRef>
-        </p:style>
-        <p:txBody>
-          <a:bodyPr rtlCol="0" anchor="ctr"/>
-          <a:lstStyle/>
-          <a:p>
-            <a:pPr algn="ctr"/>
-            <a:r>
-              <a:rPr lang="en-US" sz="4800" b="1" dirty="0" err="1"/>
-              <a:t>Classe</a:t>
-            </a:r>
-            <a:r>
-              <a:rPr lang="en-US" sz="4800" b="1" dirty="0"/>
-              <a:t>: </a:t>
-            </a:r>
-            <a:r>
-              <a:rPr lang="en-US" sz="4800" b="1" dirty="0" err="1"/>
-              <a:t>Interessado</a:t>
-            </a:r>
-            <a:endParaRPr lang="en-US" sz="4800" b="1" dirty="0"/>
-          </a:p>
-        </p:txBody>
-      </p:sp>
-      <p:sp>
-        <p:nvSpPr>
-          <p:cNvPr id="8" name="Retângulo: Cantos Arredondados 7">
-            <a:extLst>
-              <a:ext uri="{FF2B5EF4-FFF2-40B4-BE49-F238E27FC236}">
-                <a16:creationId xmlns:a16="http://schemas.microsoft.com/office/drawing/2014/main" id="{66D3D3C5-85D6-4950-ACFE-15F8C0A7478E}"/>
-              </a:ext>
-            </a:extLst>
-          </p:cNvPr>
-          <p:cNvSpPr/>
-          <p:nvPr/>
-        </p:nvSpPr>
-        <p:spPr>
-          <a:xfrm>
-            <a:off x="3352800" y="1190845"/>
-            <a:ext cx="5486400" cy="5486400"/>
-          </a:xfrm>
-          <a:prstGeom prst="roundRect">
-            <a:avLst/>
-          </a:prstGeom>
-        </p:spPr>
-        <p:style>
-          <a:lnRef idx="2">
-            <a:schemeClr val="accent1">
-              <a:shade val="50000"/>
-            </a:schemeClr>
-          </a:lnRef>
-          <a:fillRef idx="1">
-            <a:schemeClr val="accent1"/>
-          </a:fillRef>
-          <a:effectRef idx="0">
-            <a:schemeClr val="accent1"/>
-          </a:effectRef>
-          <a:fontRef idx="minor">
-            <a:schemeClr val="lt1"/>
-          </a:fontRef>
-        </p:style>
-        <p:txBody>
-          <a:bodyPr rtlCol="0" anchor="ctr"/>
-          <a:lstStyle/>
-          <a:p>
-            <a:pPr algn="ctr"/>
-            <a:endParaRPr lang="en-US" dirty="0">
+          <p:cNvPr id="2" name="Título 1">
+            <a:extLst>
+              <a:ext uri="{FF2B5EF4-FFF2-40B4-BE49-F238E27FC236}">
+                <a16:creationId xmlns:a16="http://schemas.microsoft.com/office/drawing/2014/main" id="{DA29557B-AFEC-4BB3-B2C4-B0370A080A4B}"/>
+              </a:ext>
+            </a:extLst>
+          </p:cNvPr>
+          <p:cNvSpPr>
+            <a:spLocks noGrp="1"/>
+          </p:cNvSpPr>
+          <p:nvPr>
+            <p:ph type="title"/>
+          </p:nvPr>
+        </p:nvSpPr>
+        <p:spPr/>
+        <p:txBody>
+          <a:bodyPr>
+            <a:normAutofit/>
+          </a:bodyPr>
+          <a:lstStyle/>
+          <a:p>
+            <a:r>
+              <a:rPr lang="en-US" sz="7500" b="1" dirty="0" err="1">
+                <a:solidFill>
+                  <a:srgbClr val="0070C0"/>
+                </a:solidFill>
+                <a:latin typeface="+mn-lt"/>
+              </a:rPr>
+              <a:t>Projeto</a:t>
+            </a:r>
+            <a:endParaRPr lang="en-US" sz="7500" b="1" dirty="0">
               <a:solidFill>
-                <a:schemeClr val="bg1"/>
+                <a:srgbClr val="0070C0"/>
               </a:solidFill>
+              <a:latin typeface="+mn-lt"/>
             </a:endParaRPr>
           </a:p>
         </p:txBody>
       </p:sp>
       <p:sp>
         <p:nvSpPr>
-          <p:cNvPr id="10" name="CaixaDeTexto 9">
-            <a:extLst>
-              <a:ext uri="{FF2B5EF4-FFF2-40B4-BE49-F238E27FC236}">
-                <a16:creationId xmlns:a16="http://schemas.microsoft.com/office/drawing/2014/main" id="{60F46F5F-B352-41EE-B0A8-DAC157D4F50E}"/>
-              </a:ext>
-            </a:extLst>
-          </p:cNvPr>
-          <p:cNvSpPr txBox="1"/>
-          <p:nvPr/>
-        </p:nvSpPr>
-        <p:spPr>
-          <a:xfrm>
-            <a:off x="3352800" y="1297172"/>
-            <a:ext cx="5486400" cy="707886"/>
-          </a:xfrm>
-          <a:prstGeom prst="rect">
-            <a:avLst/>
-          </a:prstGeom>
-          <a:noFill/>
-        </p:spPr>
-        <p:txBody>
-          <a:bodyPr wrap="square" rtlCol="0">
-            <a:spAutoFit/>
-          </a:bodyPr>
-          <a:lstStyle/>
-          <a:p>
-            <a:pPr algn="ctr"/>
-            <a:r>
-              <a:rPr lang="en-US" sz="4000" dirty="0" err="1">
-                <a:solidFill>
-                  <a:schemeClr val="bg1"/>
-                </a:solidFill>
-              </a:rPr>
-              <a:t>Interessado</a:t>
-            </a:r>
-            <a:endParaRPr lang="en-US" sz="4000" dirty="0">
-              <a:solidFill>
-                <a:schemeClr val="bg1"/>
-              </a:solidFill>
+          <p:cNvPr id="3" name="Espaço Reservado para Conteúdo 2">
+            <a:extLst>
+              <a:ext uri="{FF2B5EF4-FFF2-40B4-BE49-F238E27FC236}">
+                <a16:creationId xmlns:a16="http://schemas.microsoft.com/office/drawing/2014/main" id="{F14A1042-343E-449F-AEFB-5B7F2BFF84BC}"/>
+              </a:ext>
+            </a:extLst>
+          </p:cNvPr>
+          <p:cNvSpPr>
+            <a:spLocks noGrp="1"/>
+          </p:cNvSpPr>
+          <p:nvPr>
+            <p:ph idx="1"/>
+          </p:nvPr>
+        </p:nvSpPr>
+        <p:spPr>
+          <a:xfrm>
+            <a:off x="838200" y="1825625"/>
+            <a:ext cx="10515600" cy="2223861"/>
+          </a:xfrm>
+        </p:spPr>
+        <p:txBody>
+          <a:bodyPr/>
+          <a:lstStyle/>
+          <a:p>
+            <a:r>
+              <a:rPr lang="en-US" i="1" dirty="0" err="1">
+                <a:latin typeface="+mj-lt"/>
+              </a:rPr>
+              <a:t>Disparo</a:t>
+            </a:r>
+            <a:r>
+              <a:rPr lang="en-US" i="1" dirty="0">
+                <a:latin typeface="+mj-lt"/>
+              </a:rPr>
+              <a:t> de e-mails </a:t>
+            </a:r>
+            <a:r>
+              <a:rPr lang="en-US" i="1" dirty="0" err="1">
+                <a:latin typeface="+mj-lt"/>
+              </a:rPr>
+              <a:t>em</a:t>
+            </a:r>
+            <a:r>
+              <a:rPr lang="en-US" i="1" dirty="0">
+                <a:latin typeface="+mj-lt"/>
+              </a:rPr>
+              <a:t> </a:t>
+            </a:r>
+            <a:r>
+              <a:rPr lang="en-US" i="1" dirty="0" err="1">
+                <a:latin typeface="+mj-lt"/>
+              </a:rPr>
+              <a:t>massa</a:t>
+            </a:r>
+            <a:endParaRPr lang="en-US" i="1" dirty="0">
+              <a:latin typeface="+mj-lt"/>
             </a:endParaRPr>
           </a:p>
-        </p:txBody>
-      </p:sp>
-      <p:sp>
-        <p:nvSpPr>
-          <p:cNvPr id="11" name="CaixaDeTexto 10">
-            <a:extLst>
-              <a:ext uri="{FF2B5EF4-FFF2-40B4-BE49-F238E27FC236}">
-                <a16:creationId xmlns:a16="http://schemas.microsoft.com/office/drawing/2014/main" id="{89C5151E-B34D-41D9-8753-52A3AF989A3D}"/>
-              </a:ext>
-            </a:extLst>
-          </p:cNvPr>
-          <p:cNvSpPr txBox="1"/>
-          <p:nvPr/>
-        </p:nvSpPr>
-        <p:spPr>
-          <a:xfrm>
-            <a:off x="3352800" y="2551837"/>
-            <a:ext cx="5486400" cy="1754326"/>
-          </a:xfrm>
-          <a:prstGeom prst="rect">
-            <a:avLst/>
-          </a:prstGeom>
-          <a:noFill/>
-        </p:spPr>
-        <p:txBody>
-          <a:bodyPr wrap="square" rtlCol="0">
-            <a:spAutoFit/>
-          </a:bodyPr>
-          <a:lstStyle/>
-          <a:p>
-            <a:pPr marL="285750" indent="-285750" algn="ctr">
-              <a:buFontTx/>
-              <a:buChar char="-"/>
+          <a:p>
+            <a:pPr marL="457200" lvl="1" indent="0">
+              <a:buNone/>
             </a:pPr>
             <a:r>
-              <a:rPr lang="en-US" dirty="0">
-                <a:solidFill>
-                  <a:schemeClr val="bg1"/>
-                </a:solidFill>
-              </a:rPr>
-              <a:t>Nome</a:t>
-            </a:r>
-          </a:p>
-          <a:p>
-            <a:pPr marL="285750" indent="-285750" algn="ctr">
-              <a:buFontTx/>
-              <a:buChar char="-"/>
-            </a:pPr>
-            <a:r>
-              <a:rPr lang="en-US" dirty="0" err="1">
-                <a:solidFill>
-                  <a:schemeClr val="bg1"/>
-                </a:solidFill>
-              </a:rPr>
-              <a:t>Sobrenome</a:t>
-            </a:r>
-            <a:endParaRPr lang="en-US" dirty="0">
-              <a:solidFill>
-                <a:schemeClr val="bg1"/>
-              </a:solidFill>
-            </a:endParaRPr>
-          </a:p>
-          <a:p>
-            <a:pPr marL="285750" indent="-285750" algn="ctr">
-              <a:buFontTx/>
-              <a:buChar char="-"/>
-            </a:pPr>
-            <a:r>
-              <a:rPr lang="en-US" dirty="0">
-                <a:solidFill>
-                  <a:schemeClr val="bg1"/>
-                </a:solidFill>
-              </a:rPr>
-              <a:t>Nome </a:t>
-            </a:r>
-            <a:r>
-              <a:rPr lang="en-US" dirty="0" err="1">
-                <a:solidFill>
-                  <a:schemeClr val="bg1"/>
-                </a:solidFill>
-              </a:rPr>
-              <a:t>Completo</a:t>
-            </a:r>
-            <a:endParaRPr lang="en-US" dirty="0">
-              <a:solidFill>
-                <a:schemeClr val="bg1"/>
-              </a:solidFill>
-            </a:endParaRPr>
-          </a:p>
-          <a:p>
-            <a:pPr marL="285750" indent="-285750" algn="ctr">
-              <a:buFontTx/>
-              <a:buChar char="-"/>
-            </a:pPr>
-            <a:r>
-              <a:rPr lang="en-US" dirty="0">
-                <a:solidFill>
-                  <a:schemeClr val="bg1"/>
-                </a:solidFill>
-              </a:rPr>
-              <a:t>Email</a:t>
-            </a:r>
-          </a:p>
-          <a:p>
-            <a:pPr marL="285750" indent="-285750" algn="ctr">
-              <a:buFontTx/>
-              <a:buChar char="-"/>
-            </a:pPr>
-            <a:r>
-              <a:rPr lang="en-US" dirty="0">
-                <a:solidFill>
-                  <a:schemeClr val="bg1"/>
-                </a:solidFill>
-              </a:rPr>
-              <a:t>Data de Nascimento</a:t>
-            </a:r>
-          </a:p>
-          <a:p>
-            <a:pPr marL="285750" indent="-285750" algn="ctr">
-              <a:buFontTx/>
-              <a:buChar char="-"/>
-            </a:pPr>
-            <a:r>
-              <a:rPr lang="en-US" dirty="0">
-                <a:solidFill>
-                  <a:schemeClr val="bg1"/>
-                </a:solidFill>
-              </a:rPr>
-              <a:t>ID</a:t>
-            </a:r>
-          </a:p>
-        </p:txBody>
-      </p:sp>
-      <p:cxnSp>
-        <p:nvCxnSpPr>
-          <p:cNvPr id="13" name="Conector reto 12">
-            <a:extLst>
-              <a:ext uri="{FF2B5EF4-FFF2-40B4-BE49-F238E27FC236}">
-                <a16:creationId xmlns:a16="http://schemas.microsoft.com/office/drawing/2014/main" id="{295AA056-CE0A-476E-BB73-0EB04C2B2DE3}"/>
-              </a:ext>
-            </a:extLst>
-          </p:cNvPr>
-          <p:cNvCxnSpPr>
-            <a:cxnSpLocks/>
-          </p:cNvCxnSpPr>
-          <p:nvPr/>
-        </p:nvCxnSpPr>
-        <p:spPr>
-          <a:xfrm>
-            <a:off x="3352800" y="4380612"/>
-            <a:ext cx="5486400" cy="0"/>
-          </a:xfrm>
-          <a:prstGeom prst="line">
-            <a:avLst/>
-          </a:prstGeom>
-        </p:spPr>
-        <p:style>
-          <a:lnRef idx="1">
-            <a:schemeClr val="dk1"/>
-          </a:lnRef>
-          <a:fillRef idx="0">
-            <a:schemeClr val="dk1"/>
-          </a:fillRef>
-          <a:effectRef idx="0">
-            <a:schemeClr val="dk1"/>
-          </a:effectRef>
-          <a:fontRef idx="minor">
-            <a:schemeClr val="tx1"/>
-          </a:fontRef>
-        </p:style>
-      </p:cxnSp>
-      <p:sp>
-        <p:nvSpPr>
-          <p:cNvPr id="14" name="CaixaDeTexto 13">
-            <a:extLst>
-              <a:ext uri="{FF2B5EF4-FFF2-40B4-BE49-F238E27FC236}">
-                <a16:creationId xmlns:a16="http://schemas.microsoft.com/office/drawing/2014/main" id="{76B49115-2485-40F7-939A-7D6B5D80A84E}"/>
-              </a:ext>
-            </a:extLst>
-          </p:cNvPr>
-          <p:cNvSpPr txBox="1"/>
-          <p:nvPr/>
-        </p:nvSpPr>
-        <p:spPr>
-          <a:xfrm>
-            <a:off x="3352800" y="4623818"/>
-            <a:ext cx="5486400" cy="1200329"/>
-          </a:xfrm>
-          <a:prstGeom prst="rect">
-            <a:avLst/>
-          </a:prstGeom>
-          <a:noFill/>
-        </p:spPr>
-        <p:txBody>
-          <a:bodyPr wrap="square" rtlCol="0">
-            <a:spAutoFit/>
-          </a:bodyPr>
-          <a:lstStyle/>
-          <a:p>
-            <a:pPr marL="285750" indent="-285750" algn="ctr">
-              <a:buFontTx/>
-              <a:buChar char="-"/>
-            </a:pPr>
-            <a:r>
-              <a:rPr lang="en-US" dirty="0" err="1">
-                <a:solidFill>
-                  <a:schemeClr val="bg1"/>
-                </a:solidFill>
-              </a:rPr>
-              <a:t>TrataNome</a:t>
-            </a:r>
-            <a:endParaRPr lang="en-US" dirty="0">
-              <a:solidFill>
-                <a:schemeClr val="bg1"/>
-              </a:solidFill>
-            </a:endParaRPr>
-          </a:p>
-          <a:p>
-            <a:pPr marL="285750" indent="-285750" algn="ctr">
-              <a:buFontTx/>
-              <a:buChar char="-"/>
-            </a:pPr>
-            <a:r>
-              <a:rPr lang="en-US" dirty="0" err="1">
-                <a:solidFill>
-                  <a:schemeClr val="bg1"/>
-                </a:solidFill>
-              </a:rPr>
-              <a:t>TrataSobrenome</a:t>
-            </a:r>
-            <a:endParaRPr lang="en-US" dirty="0">
-              <a:solidFill>
-                <a:schemeClr val="bg1"/>
-              </a:solidFill>
-            </a:endParaRPr>
-          </a:p>
-          <a:p>
-            <a:pPr marL="285750" indent="-285750" algn="ctr">
-              <a:buFontTx/>
-              <a:buChar char="-"/>
-            </a:pPr>
-            <a:r>
-              <a:rPr lang="en-US" dirty="0" err="1">
-                <a:solidFill>
-                  <a:schemeClr val="bg1"/>
-                </a:solidFill>
-              </a:rPr>
-              <a:t>TrataNomeCompleto</a:t>
-            </a:r>
-            <a:endParaRPr lang="en-US" dirty="0">
-              <a:solidFill>
-                <a:schemeClr val="bg1"/>
-              </a:solidFill>
-            </a:endParaRPr>
-          </a:p>
-          <a:p>
-            <a:pPr marL="285750" indent="-285750" algn="ctr">
-              <a:buFontTx/>
-              <a:buChar char="-"/>
-            </a:pPr>
-            <a:r>
-              <a:rPr lang="en-US" dirty="0" err="1">
-                <a:solidFill>
-                  <a:schemeClr val="bg1"/>
-                </a:solidFill>
-              </a:rPr>
-              <a:t>ValidaDataNascimento</a:t>
-            </a:r>
-            <a:endParaRPr lang="en-US" dirty="0">
-              <a:solidFill>
-                <a:schemeClr val="bg1"/>
-              </a:solidFill>
-            </a:endParaRPr>
+              <a:rPr lang="en-US" i="1" dirty="0" err="1">
+                <a:latin typeface="+mj-lt"/>
+              </a:rPr>
+              <a:t>Desenvolvido</a:t>
+            </a:r>
+            <a:r>
+              <a:rPr lang="en-US" i="1" dirty="0">
+                <a:latin typeface="+mj-lt"/>
+              </a:rPr>
+              <a:t> com o intuit de </a:t>
+            </a:r>
+            <a:r>
+              <a:rPr lang="en-US" i="1" dirty="0" err="1">
+                <a:latin typeface="+mj-lt"/>
+              </a:rPr>
+              <a:t>facilitar</a:t>
+            </a:r>
+            <a:r>
+              <a:rPr lang="en-US" i="1" dirty="0">
+                <a:latin typeface="+mj-lt"/>
+              </a:rPr>
+              <a:t> o </a:t>
+            </a:r>
+            <a:r>
+              <a:rPr lang="en-US" i="1" dirty="0" err="1">
+                <a:latin typeface="+mj-lt"/>
+              </a:rPr>
+              <a:t>disparo</a:t>
+            </a:r>
+            <a:r>
+              <a:rPr lang="en-US" i="1" dirty="0">
+                <a:latin typeface="+mj-lt"/>
+              </a:rPr>
+              <a:t> de e-mails para </a:t>
+            </a:r>
+            <a:r>
+              <a:rPr lang="en-US" i="1" dirty="0" err="1">
+                <a:latin typeface="+mj-lt"/>
+              </a:rPr>
+              <a:t>diversos</a:t>
+            </a:r>
+            <a:r>
+              <a:rPr lang="en-US" i="1" dirty="0">
+                <a:latin typeface="+mj-lt"/>
+              </a:rPr>
+              <a:t> </a:t>
+            </a:r>
+            <a:r>
+              <a:rPr lang="en-US" i="1" dirty="0" err="1">
+                <a:latin typeface="+mj-lt"/>
+              </a:rPr>
+              <a:t>clientes</a:t>
+            </a:r>
+            <a:r>
+              <a:rPr lang="en-US" i="1" dirty="0">
+                <a:latin typeface="+mj-lt"/>
+              </a:rPr>
+              <a:t>, </a:t>
+            </a:r>
+            <a:r>
+              <a:rPr lang="en-US" i="1" dirty="0" err="1">
+                <a:latin typeface="+mj-lt"/>
+              </a:rPr>
+              <a:t>empregados</a:t>
+            </a:r>
+            <a:r>
+              <a:rPr lang="en-US" i="1" dirty="0">
+                <a:latin typeface="+mj-lt"/>
+              </a:rPr>
+              <a:t>, </a:t>
+            </a:r>
+            <a:r>
+              <a:rPr lang="en-US" i="1" dirty="0" err="1">
+                <a:latin typeface="+mj-lt"/>
+              </a:rPr>
+              <a:t>interessados</a:t>
+            </a:r>
+            <a:r>
+              <a:rPr lang="en-US" i="1" dirty="0">
+                <a:latin typeface="+mj-lt"/>
+              </a:rPr>
+              <a:t>, </a:t>
+            </a:r>
+            <a:r>
+              <a:rPr lang="en-US" i="1" dirty="0" err="1">
+                <a:latin typeface="+mj-lt"/>
+              </a:rPr>
+              <a:t>etc</a:t>
+            </a:r>
+            <a:r>
+              <a:rPr lang="en-US" i="1" dirty="0">
+                <a:latin typeface="+mj-lt"/>
+              </a:rPr>
+              <a:t> e democratizer o </a:t>
+            </a:r>
+            <a:r>
+              <a:rPr lang="en-US" i="1" dirty="0" err="1">
+                <a:latin typeface="+mj-lt"/>
+              </a:rPr>
+              <a:t>acesso</a:t>
+            </a:r>
+            <a:r>
+              <a:rPr lang="en-US" i="1" dirty="0">
+                <a:latin typeface="+mj-lt"/>
+              </a:rPr>
+              <a:t> a scripts de </a:t>
+            </a:r>
+            <a:r>
+              <a:rPr lang="en-US" i="1" dirty="0" err="1">
+                <a:latin typeface="+mj-lt"/>
+              </a:rPr>
+              <a:t>alta</a:t>
+            </a:r>
+            <a:r>
+              <a:rPr lang="en-US" i="1" dirty="0">
+                <a:latin typeface="+mj-lt"/>
+              </a:rPr>
+              <a:t> performance.</a:t>
+            </a:r>
           </a:p>
         </p:txBody>
       </p:sp>
     </p:spTree>
     <p:extLst>
       <p:ext uri="{BB962C8B-B14F-4D97-AF65-F5344CB8AC3E}">
-        <p14:creationId xmlns:p14="http://schemas.microsoft.com/office/powerpoint/2010/main" val="3642839669"/>
+        <p14:creationId xmlns:p14="http://schemas.microsoft.com/office/powerpoint/2010/main" val="815800101"/>
       </p:ext>
     </p:extLst>
   </p:cSld>
@@ -4051,419 +7173,126 @@
       </p:grpSpPr>
       <p:sp>
         <p:nvSpPr>
-          <p:cNvPr id="4" name="Retângulo 3">
-            <a:extLst>
-              <a:ext uri="{FF2B5EF4-FFF2-40B4-BE49-F238E27FC236}">
-                <a16:creationId xmlns:a16="http://schemas.microsoft.com/office/drawing/2014/main" id="{05CFC605-78C2-4782-82CA-7D8B351A2C7C}"/>
-              </a:ext>
-            </a:extLst>
-          </p:cNvPr>
-          <p:cNvSpPr/>
-          <p:nvPr/>
-        </p:nvSpPr>
-        <p:spPr>
-          <a:xfrm>
-            <a:off x="0" y="-1"/>
-            <a:ext cx="12192000" cy="914400"/>
-          </a:xfrm>
-          <a:prstGeom prst="rect">
-            <a:avLst/>
-          </a:prstGeom>
-        </p:spPr>
-        <p:style>
-          <a:lnRef idx="2">
-            <a:schemeClr val="accent1">
-              <a:shade val="50000"/>
-            </a:schemeClr>
-          </a:lnRef>
-          <a:fillRef idx="1">
-            <a:schemeClr val="accent1"/>
-          </a:fillRef>
-          <a:effectRef idx="0">
-            <a:schemeClr val="accent1"/>
-          </a:effectRef>
-          <a:fontRef idx="minor">
-            <a:schemeClr val="lt1"/>
-          </a:fontRef>
-        </p:style>
-        <p:txBody>
-          <a:bodyPr rtlCol="0" anchor="ctr"/>
-          <a:lstStyle/>
-          <a:p>
-            <a:pPr algn="ctr"/>
-            <a:r>
-              <a:rPr lang="en-US" sz="4800" b="1" dirty="0" err="1"/>
-              <a:t>Classe</a:t>
-            </a:r>
-            <a:r>
-              <a:rPr lang="en-US" sz="4800" b="1" dirty="0"/>
-              <a:t>: Email</a:t>
-            </a:r>
-          </a:p>
-        </p:txBody>
-      </p:sp>
-      <p:sp>
-        <p:nvSpPr>
-          <p:cNvPr id="8" name="Retângulo: Cantos Arredondados 7">
-            <a:extLst>
-              <a:ext uri="{FF2B5EF4-FFF2-40B4-BE49-F238E27FC236}">
-                <a16:creationId xmlns:a16="http://schemas.microsoft.com/office/drawing/2014/main" id="{66D3D3C5-85D6-4950-ACFE-15F8C0A7478E}"/>
-              </a:ext>
-            </a:extLst>
-          </p:cNvPr>
-          <p:cNvSpPr/>
-          <p:nvPr/>
-        </p:nvSpPr>
-        <p:spPr>
-          <a:xfrm>
-            <a:off x="3352800" y="1190845"/>
-            <a:ext cx="5486400" cy="5486400"/>
-          </a:xfrm>
-          <a:prstGeom prst="roundRect">
-            <a:avLst/>
-          </a:prstGeom>
-        </p:spPr>
-        <p:style>
-          <a:lnRef idx="2">
-            <a:schemeClr val="accent1">
-              <a:shade val="50000"/>
-            </a:schemeClr>
-          </a:lnRef>
-          <a:fillRef idx="1">
-            <a:schemeClr val="accent1"/>
-          </a:fillRef>
-          <a:effectRef idx="0">
-            <a:schemeClr val="accent1"/>
-          </a:effectRef>
-          <a:fontRef idx="minor">
-            <a:schemeClr val="lt1"/>
-          </a:fontRef>
-        </p:style>
-        <p:txBody>
-          <a:bodyPr rtlCol="0" anchor="ctr"/>
-          <a:lstStyle/>
-          <a:p>
-            <a:pPr algn="ctr"/>
-            <a:endParaRPr lang="en-US" dirty="0">
+          <p:cNvPr id="2" name="Título 1">
+            <a:extLst>
+              <a:ext uri="{FF2B5EF4-FFF2-40B4-BE49-F238E27FC236}">
+                <a16:creationId xmlns:a16="http://schemas.microsoft.com/office/drawing/2014/main" id="{DA29557B-AFEC-4BB3-B2C4-B0370A080A4B}"/>
+              </a:ext>
+            </a:extLst>
+          </p:cNvPr>
+          <p:cNvSpPr>
+            <a:spLocks noGrp="1"/>
+          </p:cNvSpPr>
+          <p:nvPr>
+            <p:ph type="title"/>
+          </p:nvPr>
+        </p:nvSpPr>
+        <p:spPr/>
+        <p:txBody>
+          <a:bodyPr>
+            <a:normAutofit/>
+          </a:bodyPr>
+          <a:lstStyle/>
+          <a:p>
+            <a:r>
+              <a:rPr lang="en-US" sz="6600" b="1" dirty="0" err="1">
+                <a:solidFill>
+                  <a:srgbClr val="0070C0"/>
+                </a:solidFill>
+                <a:latin typeface="+mn-lt"/>
+              </a:rPr>
+              <a:t>Participantes</a:t>
+            </a:r>
+            <a:endParaRPr lang="en-US" sz="6600" b="1" dirty="0">
               <a:solidFill>
-                <a:schemeClr val="bg1"/>
+                <a:srgbClr val="0070C0"/>
               </a:solidFill>
+              <a:latin typeface="+mn-lt"/>
             </a:endParaRPr>
           </a:p>
         </p:txBody>
       </p:sp>
       <p:sp>
         <p:nvSpPr>
-          <p:cNvPr id="10" name="CaixaDeTexto 9">
-            <a:extLst>
-              <a:ext uri="{FF2B5EF4-FFF2-40B4-BE49-F238E27FC236}">
-                <a16:creationId xmlns:a16="http://schemas.microsoft.com/office/drawing/2014/main" id="{60F46F5F-B352-41EE-B0A8-DAC157D4F50E}"/>
-              </a:ext>
-            </a:extLst>
-          </p:cNvPr>
-          <p:cNvSpPr txBox="1"/>
-          <p:nvPr/>
-        </p:nvSpPr>
-        <p:spPr>
-          <a:xfrm>
-            <a:off x="3352800" y="1297172"/>
-            <a:ext cx="5486400" cy="707886"/>
-          </a:xfrm>
-          <a:prstGeom prst="rect">
-            <a:avLst/>
-          </a:prstGeom>
-          <a:noFill/>
-        </p:spPr>
-        <p:txBody>
-          <a:bodyPr wrap="square" rtlCol="0">
-            <a:spAutoFit/>
+          <p:cNvPr id="3" name="Espaço Reservado para Conteúdo 2">
+            <a:extLst>
+              <a:ext uri="{FF2B5EF4-FFF2-40B4-BE49-F238E27FC236}">
+                <a16:creationId xmlns:a16="http://schemas.microsoft.com/office/drawing/2014/main" id="{F14A1042-343E-449F-AEFB-5B7F2BFF84BC}"/>
+              </a:ext>
+            </a:extLst>
+          </p:cNvPr>
+          <p:cNvSpPr>
+            <a:spLocks noGrp="1"/>
+          </p:cNvSpPr>
+          <p:nvPr>
+            <p:ph idx="1"/>
+          </p:nvPr>
+        </p:nvSpPr>
+        <p:spPr>
+          <a:xfrm>
+            <a:off x="838200" y="1825625"/>
+            <a:ext cx="10515600" cy="4667250"/>
+          </a:xfrm>
+        </p:spPr>
+        <p:txBody>
+          <a:bodyPr>
+            <a:normAutofit/>
           </a:bodyPr>
           <a:lstStyle/>
           <a:p>
-            <a:pPr algn="ctr"/>
-            <a:r>
-              <a:rPr lang="en-US" sz="4000" dirty="0">
-                <a:solidFill>
-                  <a:schemeClr val="bg1"/>
-                </a:solidFill>
-              </a:rPr>
-              <a:t>Email</a:t>
-            </a:r>
-          </a:p>
-        </p:txBody>
-      </p:sp>
-      <p:sp>
-        <p:nvSpPr>
-          <p:cNvPr id="11" name="CaixaDeTexto 10">
-            <a:extLst>
-              <a:ext uri="{FF2B5EF4-FFF2-40B4-BE49-F238E27FC236}">
-                <a16:creationId xmlns:a16="http://schemas.microsoft.com/office/drawing/2014/main" id="{89C5151E-B34D-41D9-8753-52A3AF989A3D}"/>
-              </a:ext>
-            </a:extLst>
-          </p:cNvPr>
-          <p:cNvSpPr txBox="1"/>
-          <p:nvPr/>
-        </p:nvSpPr>
-        <p:spPr>
-          <a:xfrm>
-            <a:off x="3352800" y="2562446"/>
-            <a:ext cx="5486400" cy="923330"/>
-          </a:xfrm>
-          <a:prstGeom prst="rect">
-            <a:avLst/>
-          </a:prstGeom>
-          <a:noFill/>
-        </p:spPr>
-        <p:txBody>
-          <a:bodyPr wrap="square" rtlCol="0">
-            <a:spAutoFit/>
-          </a:bodyPr>
-          <a:lstStyle/>
-          <a:p>
-            <a:pPr marL="285750" indent="-285750" algn="ctr">
-              <a:buFontTx/>
-              <a:buChar char="-"/>
+            <a:r>
+              <a:rPr lang="en-US" i="1" dirty="0">
+                <a:latin typeface="+mj-lt"/>
+              </a:rPr>
+              <a:t>João Gabriel </a:t>
+            </a:r>
+            <a:r>
+              <a:rPr lang="en-US" i="1" dirty="0" err="1">
+                <a:latin typeface="+mj-lt"/>
+              </a:rPr>
+              <a:t>Maciel</a:t>
+            </a:r>
+            <a:endParaRPr lang="en-US" i="1" dirty="0">
+              <a:latin typeface="+mj-lt"/>
+            </a:endParaRPr>
+          </a:p>
+          <a:p>
+            <a:pPr marL="457200" lvl="1" indent="0">
+              <a:buNone/>
             </a:pPr>
             <a:r>
-              <a:rPr lang="en-US" dirty="0" err="1">
-                <a:solidFill>
-                  <a:schemeClr val="bg1"/>
-                </a:solidFill>
-              </a:rPr>
-              <a:t>PreArroba</a:t>
-            </a:r>
-            <a:endParaRPr lang="en-US" dirty="0">
-              <a:solidFill>
-                <a:schemeClr val="bg1"/>
-              </a:solidFill>
-            </a:endParaRPr>
-          </a:p>
-          <a:p>
-            <a:pPr marL="285750" indent="-285750" algn="ctr">
-              <a:buFontTx/>
-              <a:buChar char="-"/>
+              <a:rPr lang="en-US" i="1" dirty="0" err="1">
+                <a:latin typeface="+mj-lt"/>
+              </a:rPr>
+              <a:t>Linkedin</a:t>
+            </a:r>
+            <a:r>
+              <a:rPr lang="en-US" i="1" dirty="0">
+                <a:latin typeface="+mj-lt"/>
+              </a:rPr>
+              <a:t>: https://www.linkedin.com/in/jo%C3%A3o-gabriel-maciel-288637163/</a:t>
+            </a:r>
+          </a:p>
+          <a:p>
+            <a:pPr marL="457200" lvl="1" indent="0">
+              <a:buNone/>
             </a:pPr>
             <a:r>
-              <a:rPr lang="en-US" dirty="0" err="1">
-                <a:solidFill>
-                  <a:schemeClr val="bg1"/>
-                </a:solidFill>
-              </a:rPr>
-              <a:t>PosArroba</a:t>
-            </a:r>
-            <a:endParaRPr lang="en-US" dirty="0">
-              <a:solidFill>
-                <a:schemeClr val="bg1"/>
-              </a:solidFill>
-            </a:endParaRPr>
-          </a:p>
-          <a:p>
-            <a:pPr marL="285750" indent="-285750" algn="ctr">
-              <a:buFontTx/>
-              <a:buChar char="-"/>
-            </a:pPr>
-            <a:r>
-              <a:rPr lang="en-US" dirty="0" err="1">
-                <a:solidFill>
-                  <a:schemeClr val="bg1"/>
-                </a:solidFill>
-              </a:rPr>
-              <a:t>Plataforma</a:t>
-            </a:r>
-            <a:endParaRPr lang="en-US" dirty="0">
-              <a:solidFill>
-                <a:schemeClr val="bg1"/>
-              </a:solidFill>
-            </a:endParaRPr>
-          </a:p>
-        </p:txBody>
-      </p:sp>
-      <p:cxnSp>
-        <p:nvCxnSpPr>
-          <p:cNvPr id="13" name="Conector reto 12">
-            <a:extLst>
-              <a:ext uri="{FF2B5EF4-FFF2-40B4-BE49-F238E27FC236}">
-                <a16:creationId xmlns:a16="http://schemas.microsoft.com/office/drawing/2014/main" id="{295AA056-CE0A-476E-BB73-0EB04C2B2DE3}"/>
-              </a:ext>
-            </a:extLst>
-          </p:cNvPr>
-          <p:cNvCxnSpPr>
-            <a:stCxn id="8" idx="1"/>
-            <a:endCxn id="8" idx="3"/>
-          </p:cNvCxnSpPr>
-          <p:nvPr/>
-        </p:nvCxnSpPr>
-        <p:spPr>
-          <a:xfrm>
-            <a:off x="3352800" y="3934045"/>
-            <a:ext cx="5486400" cy="0"/>
-          </a:xfrm>
-          <a:prstGeom prst="line">
-            <a:avLst/>
-          </a:prstGeom>
-        </p:spPr>
-        <p:style>
-          <a:lnRef idx="1">
-            <a:schemeClr val="dk1"/>
-          </a:lnRef>
-          <a:fillRef idx="0">
-            <a:schemeClr val="dk1"/>
-          </a:fillRef>
-          <a:effectRef idx="0">
-            <a:schemeClr val="dk1"/>
-          </a:effectRef>
-          <a:fontRef idx="minor">
-            <a:schemeClr val="tx1"/>
-          </a:fontRef>
-        </p:style>
-      </p:cxnSp>
-      <p:sp>
-        <p:nvSpPr>
-          <p:cNvPr id="7" name="CaixaDeTexto 6">
-            <a:extLst>
-              <a:ext uri="{FF2B5EF4-FFF2-40B4-BE49-F238E27FC236}">
-                <a16:creationId xmlns:a16="http://schemas.microsoft.com/office/drawing/2014/main" id="{A82CFC14-25F5-4E8C-B495-FB6FA69864DE}"/>
-              </a:ext>
-            </a:extLst>
-          </p:cNvPr>
-          <p:cNvSpPr txBox="1"/>
-          <p:nvPr/>
-        </p:nvSpPr>
-        <p:spPr>
-          <a:xfrm>
-            <a:off x="3352800" y="4382315"/>
-            <a:ext cx="5486400" cy="1754326"/>
-          </a:xfrm>
-          <a:prstGeom prst="rect">
-            <a:avLst/>
-          </a:prstGeom>
-          <a:noFill/>
-        </p:spPr>
-        <p:txBody>
-          <a:bodyPr wrap="square" rtlCol="0">
-            <a:spAutoFit/>
-          </a:bodyPr>
-          <a:lstStyle/>
-          <a:p>
-            <a:pPr marL="285750" indent="-285750" algn="ctr">
-              <a:buFontTx/>
-              <a:buChar char="-"/>
-            </a:pPr>
-            <a:r>
-              <a:rPr lang="en-US" dirty="0" err="1">
-                <a:solidFill>
-                  <a:schemeClr val="bg1"/>
-                </a:solidFill>
-              </a:rPr>
-              <a:t>TrataPreArroba</a:t>
-            </a:r>
-            <a:endParaRPr lang="en-US" dirty="0">
-              <a:solidFill>
-                <a:schemeClr val="bg1"/>
-              </a:solidFill>
-            </a:endParaRPr>
-          </a:p>
-          <a:p>
-            <a:pPr marL="285750" indent="-285750" algn="ctr">
-              <a:buFontTx/>
-              <a:buChar char="-"/>
-            </a:pPr>
-            <a:r>
-              <a:rPr lang="en-US" dirty="0" err="1">
-                <a:solidFill>
-                  <a:schemeClr val="bg1"/>
-                </a:solidFill>
-              </a:rPr>
-              <a:t>ValidaPreArroba</a:t>
-            </a:r>
-            <a:endParaRPr lang="en-US" dirty="0">
-              <a:solidFill>
-                <a:schemeClr val="bg1"/>
-              </a:solidFill>
-            </a:endParaRPr>
-          </a:p>
-          <a:p>
-            <a:pPr marL="285750" indent="-285750" algn="ctr">
-              <a:buFontTx/>
-              <a:buChar char="-"/>
-            </a:pPr>
-            <a:r>
-              <a:rPr lang="en-US" dirty="0" err="1">
-                <a:solidFill>
-                  <a:schemeClr val="bg1"/>
-                </a:solidFill>
-              </a:rPr>
-              <a:t>TrataPosArroba</a:t>
-            </a:r>
-            <a:endParaRPr lang="en-US" dirty="0">
-              <a:solidFill>
-                <a:schemeClr val="bg1"/>
-              </a:solidFill>
-            </a:endParaRPr>
-          </a:p>
-          <a:p>
-            <a:pPr marL="285750" indent="-285750" algn="ctr">
-              <a:buFontTx/>
-              <a:buChar char="-"/>
-            </a:pPr>
-            <a:r>
-              <a:rPr lang="en-US" dirty="0" err="1">
-                <a:solidFill>
-                  <a:schemeClr val="bg1"/>
-                </a:solidFill>
-              </a:rPr>
-              <a:t>ValidaPosArroba</a:t>
-            </a:r>
-            <a:endParaRPr lang="en-US" dirty="0">
-              <a:solidFill>
-                <a:schemeClr val="bg1"/>
-              </a:solidFill>
-            </a:endParaRPr>
-          </a:p>
-          <a:p>
-            <a:pPr marL="285750" indent="-285750" algn="ctr">
-              <a:buFontTx/>
-              <a:buChar char="-"/>
-            </a:pPr>
-            <a:r>
-              <a:rPr lang="en-US" dirty="0" err="1">
-                <a:solidFill>
-                  <a:schemeClr val="bg1"/>
-                </a:solidFill>
-              </a:rPr>
-              <a:t>Plataforma</a:t>
-            </a:r>
-            <a:endParaRPr lang="en-US" dirty="0">
-              <a:solidFill>
-                <a:schemeClr val="bg1"/>
-              </a:solidFill>
-            </a:endParaRPr>
-          </a:p>
-          <a:p>
-            <a:pPr marL="285750" indent="-285750" algn="ctr">
-              <a:buFontTx/>
-              <a:buChar char="-"/>
-            </a:pPr>
-            <a:r>
-              <a:rPr lang="en-US" dirty="0" err="1">
-                <a:solidFill>
-                  <a:schemeClr val="bg1"/>
-                </a:solidFill>
-              </a:rPr>
-              <a:t>ValidaPlataforma</a:t>
-            </a:r>
-            <a:endParaRPr lang="en-US" dirty="0">
-              <a:solidFill>
-                <a:schemeClr val="bg1"/>
-              </a:solidFill>
-            </a:endParaRPr>
+              <a:rPr lang="en-US" i="1" dirty="0">
+                <a:latin typeface="+mj-lt"/>
+              </a:rPr>
+              <a:t>Instagram: @devdragao</a:t>
+            </a:r>
+          </a:p>
+          <a:p>
+            <a:endParaRPr lang="en-US" i="1" dirty="0"/>
           </a:p>
         </p:txBody>
       </p:sp>
     </p:spTree>
     <p:extLst>
       <p:ext uri="{BB962C8B-B14F-4D97-AF65-F5344CB8AC3E}">
-        <p14:creationId xmlns:p14="http://schemas.microsoft.com/office/powerpoint/2010/main" val="253609099"/>
+        <p14:creationId xmlns:p14="http://schemas.microsoft.com/office/powerpoint/2010/main" val="3056012446"/>
       </p:ext>
     </p:extLst>
   </p:cSld>
@@ -4492,378 +7321,84 @@
       </p:grpSpPr>
       <p:sp>
         <p:nvSpPr>
-          <p:cNvPr id="4" name="Retângulo 3">
-            <a:extLst>
-              <a:ext uri="{FF2B5EF4-FFF2-40B4-BE49-F238E27FC236}">
-                <a16:creationId xmlns:a16="http://schemas.microsoft.com/office/drawing/2014/main" id="{05CFC605-78C2-4782-82CA-7D8B351A2C7C}"/>
-              </a:ext>
-            </a:extLst>
-          </p:cNvPr>
-          <p:cNvSpPr/>
-          <p:nvPr/>
-        </p:nvSpPr>
-        <p:spPr>
-          <a:xfrm>
-            <a:off x="0" y="10632"/>
-            <a:ext cx="12192000" cy="914400"/>
-          </a:xfrm>
-          <a:prstGeom prst="rect">
-            <a:avLst/>
-          </a:prstGeom>
-        </p:spPr>
-        <p:style>
-          <a:lnRef idx="2">
-            <a:schemeClr val="accent1">
-              <a:shade val="50000"/>
-            </a:schemeClr>
-          </a:lnRef>
-          <a:fillRef idx="1">
-            <a:schemeClr val="accent1"/>
-          </a:fillRef>
-          <a:effectRef idx="0">
-            <a:schemeClr val="accent1"/>
-          </a:effectRef>
-          <a:fontRef idx="minor">
-            <a:schemeClr val="lt1"/>
-          </a:fontRef>
-        </p:style>
-        <p:txBody>
-          <a:bodyPr rtlCol="0" anchor="ctr"/>
-          <a:lstStyle/>
-          <a:p>
-            <a:pPr algn="ctr"/>
-            <a:r>
-              <a:rPr lang="en-US" sz="4800" b="1" dirty="0" err="1"/>
-              <a:t>Classe</a:t>
-            </a:r>
-            <a:r>
-              <a:rPr lang="en-US" sz="4800" b="1" dirty="0"/>
-              <a:t>: </a:t>
-            </a:r>
-            <a:r>
-              <a:rPr lang="en-US" sz="4800" b="1" dirty="0" err="1"/>
-              <a:t>OutlookMail</a:t>
-            </a:r>
-            <a:endParaRPr lang="en-US" sz="4800" b="1" dirty="0"/>
-          </a:p>
-        </p:txBody>
-      </p:sp>
-      <p:sp>
-        <p:nvSpPr>
-          <p:cNvPr id="8" name="Retângulo: Cantos Arredondados 7">
-            <a:extLst>
-              <a:ext uri="{FF2B5EF4-FFF2-40B4-BE49-F238E27FC236}">
-                <a16:creationId xmlns:a16="http://schemas.microsoft.com/office/drawing/2014/main" id="{66D3D3C5-85D6-4950-ACFE-15F8C0A7478E}"/>
-              </a:ext>
-            </a:extLst>
-          </p:cNvPr>
-          <p:cNvSpPr/>
-          <p:nvPr/>
-        </p:nvSpPr>
-        <p:spPr>
-          <a:xfrm>
-            <a:off x="3352800" y="1190845"/>
-            <a:ext cx="5486400" cy="5486400"/>
-          </a:xfrm>
-          <a:prstGeom prst="roundRect">
-            <a:avLst/>
-          </a:prstGeom>
-        </p:spPr>
-        <p:style>
-          <a:lnRef idx="2">
-            <a:schemeClr val="accent1">
-              <a:shade val="50000"/>
-            </a:schemeClr>
-          </a:lnRef>
-          <a:fillRef idx="1">
-            <a:schemeClr val="accent1"/>
-          </a:fillRef>
-          <a:effectRef idx="0">
-            <a:schemeClr val="accent1"/>
-          </a:effectRef>
-          <a:fontRef idx="minor">
-            <a:schemeClr val="lt1"/>
-          </a:fontRef>
-        </p:style>
-        <p:txBody>
-          <a:bodyPr rtlCol="0" anchor="ctr"/>
-          <a:lstStyle/>
-          <a:p>
-            <a:pPr algn="ctr"/>
-            <a:endParaRPr lang="en-US" dirty="0">
+          <p:cNvPr id="2" name="Título 1">
+            <a:extLst>
+              <a:ext uri="{FF2B5EF4-FFF2-40B4-BE49-F238E27FC236}">
+                <a16:creationId xmlns:a16="http://schemas.microsoft.com/office/drawing/2014/main" id="{DA29557B-AFEC-4BB3-B2C4-B0370A080A4B}"/>
+              </a:ext>
+            </a:extLst>
+          </p:cNvPr>
+          <p:cNvSpPr>
+            <a:spLocks noGrp="1"/>
+          </p:cNvSpPr>
+          <p:nvPr>
+            <p:ph type="title"/>
+          </p:nvPr>
+        </p:nvSpPr>
+        <p:spPr/>
+        <p:txBody>
+          <a:bodyPr>
+            <a:normAutofit/>
+          </a:bodyPr>
+          <a:lstStyle/>
+          <a:p>
+            <a:r>
+              <a:rPr lang="en-US" sz="7500" b="1" dirty="0" err="1">
+                <a:solidFill>
+                  <a:srgbClr val="0070C0"/>
+                </a:solidFill>
+                <a:latin typeface="+mn-lt"/>
+              </a:rPr>
+              <a:t>Tecnologias</a:t>
+            </a:r>
+            <a:endParaRPr lang="en-US" sz="7500" b="1" dirty="0">
               <a:solidFill>
-                <a:schemeClr val="bg1"/>
+                <a:srgbClr val="0070C0"/>
               </a:solidFill>
+              <a:latin typeface="+mn-lt"/>
             </a:endParaRPr>
           </a:p>
         </p:txBody>
       </p:sp>
-      <p:cxnSp>
-        <p:nvCxnSpPr>
-          <p:cNvPr id="13" name="Conector reto 12">
-            <a:extLst>
-              <a:ext uri="{FF2B5EF4-FFF2-40B4-BE49-F238E27FC236}">
-                <a16:creationId xmlns:a16="http://schemas.microsoft.com/office/drawing/2014/main" id="{295AA056-CE0A-476E-BB73-0EB04C2B2DE3}"/>
-              </a:ext>
-            </a:extLst>
-          </p:cNvPr>
-          <p:cNvCxnSpPr>
-            <a:cxnSpLocks/>
-          </p:cNvCxnSpPr>
-          <p:nvPr/>
-        </p:nvCxnSpPr>
-        <p:spPr>
-          <a:xfrm>
-            <a:off x="3352800" y="4880343"/>
-            <a:ext cx="5486400" cy="0"/>
-          </a:xfrm>
-          <a:prstGeom prst="line">
-            <a:avLst/>
-          </a:prstGeom>
-        </p:spPr>
-        <p:style>
-          <a:lnRef idx="1">
-            <a:schemeClr val="dk1"/>
-          </a:lnRef>
-          <a:fillRef idx="0">
-            <a:schemeClr val="dk1"/>
-          </a:fillRef>
-          <a:effectRef idx="0">
-            <a:schemeClr val="dk1"/>
-          </a:effectRef>
-          <a:fontRef idx="minor">
-            <a:schemeClr val="tx1"/>
-          </a:fontRef>
-        </p:style>
-      </p:cxnSp>
-      <p:sp>
-        <p:nvSpPr>
-          <p:cNvPr id="5" name="CaixaDeTexto 4">
-            <a:extLst>
-              <a:ext uri="{FF2B5EF4-FFF2-40B4-BE49-F238E27FC236}">
-                <a16:creationId xmlns:a16="http://schemas.microsoft.com/office/drawing/2014/main" id="{0212C14D-AC41-49EC-AE63-641DB9129437}"/>
-              </a:ext>
-            </a:extLst>
-          </p:cNvPr>
-          <p:cNvSpPr txBox="1"/>
-          <p:nvPr/>
-        </p:nvSpPr>
-        <p:spPr>
-          <a:xfrm>
-            <a:off x="3352800" y="1297172"/>
-            <a:ext cx="5486400" cy="707886"/>
-          </a:xfrm>
-          <a:prstGeom prst="rect">
-            <a:avLst/>
-          </a:prstGeom>
-          <a:noFill/>
-        </p:spPr>
-        <p:txBody>
-          <a:bodyPr wrap="square" rtlCol="0">
-            <a:spAutoFit/>
-          </a:bodyPr>
-          <a:lstStyle/>
-          <a:p>
-            <a:pPr algn="ctr"/>
-            <a:r>
-              <a:rPr lang="en-US" sz="4000" dirty="0">
-                <a:solidFill>
-                  <a:schemeClr val="bg1"/>
-                </a:solidFill>
-              </a:rPr>
-              <a:t>Email</a:t>
-            </a:r>
-          </a:p>
-        </p:txBody>
-      </p:sp>
-      <p:sp>
-        <p:nvSpPr>
-          <p:cNvPr id="6" name="CaixaDeTexto 5">
-            <a:extLst>
-              <a:ext uri="{FF2B5EF4-FFF2-40B4-BE49-F238E27FC236}">
-                <a16:creationId xmlns:a16="http://schemas.microsoft.com/office/drawing/2014/main" id="{AD57D7D4-D609-4B55-8AB1-0C33379D4373}"/>
-              </a:ext>
-            </a:extLst>
-          </p:cNvPr>
-          <p:cNvSpPr txBox="1"/>
-          <p:nvPr/>
-        </p:nvSpPr>
-        <p:spPr>
-          <a:xfrm>
-            <a:off x="3352800" y="2772379"/>
-            <a:ext cx="5486400" cy="1477328"/>
-          </a:xfrm>
-          <a:prstGeom prst="rect">
-            <a:avLst/>
-          </a:prstGeom>
-          <a:noFill/>
-        </p:spPr>
-        <p:txBody>
-          <a:bodyPr wrap="square" rtlCol="0">
-            <a:spAutoFit/>
-          </a:bodyPr>
-          <a:lstStyle/>
-          <a:p>
-            <a:pPr marL="285750" indent="-285750" algn="ctr">
-              <a:buFontTx/>
-              <a:buChar char="-"/>
-            </a:pPr>
-            <a:r>
-              <a:rPr lang="en-US" dirty="0" err="1">
-                <a:solidFill>
-                  <a:schemeClr val="bg1"/>
-                </a:solidFill>
-              </a:rPr>
-              <a:t>Assunto</a:t>
-            </a:r>
-            <a:endParaRPr lang="en-US" dirty="0">
-              <a:solidFill>
-                <a:schemeClr val="bg1"/>
-              </a:solidFill>
-            </a:endParaRPr>
-          </a:p>
-          <a:p>
-            <a:pPr marL="285750" indent="-285750" algn="ctr">
-              <a:buFontTx/>
-              <a:buChar char="-"/>
-            </a:pPr>
-            <a:r>
-              <a:rPr lang="en-US" dirty="0" err="1">
-                <a:solidFill>
-                  <a:schemeClr val="bg1"/>
-                </a:solidFill>
-              </a:rPr>
-              <a:t>Origem</a:t>
-            </a:r>
-            <a:endParaRPr lang="en-US" dirty="0">
-              <a:solidFill>
-                <a:schemeClr val="bg1"/>
-              </a:solidFill>
-            </a:endParaRPr>
-          </a:p>
-          <a:p>
-            <a:pPr marL="285750" indent="-285750" algn="ctr">
-              <a:buFontTx/>
-              <a:buChar char="-"/>
-            </a:pPr>
-            <a:r>
-              <a:rPr lang="en-US" dirty="0" err="1">
-                <a:solidFill>
-                  <a:schemeClr val="bg1"/>
-                </a:solidFill>
-              </a:rPr>
-              <a:t>Destinatário</a:t>
-            </a:r>
-            <a:endParaRPr lang="en-US" dirty="0">
-              <a:solidFill>
-                <a:schemeClr val="bg1"/>
-              </a:solidFill>
-            </a:endParaRPr>
-          </a:p>
-          <a:p>
-            <a:pPr marL="285750" indent="-285750" algn="ctr">
-              <a:buFontTx/>
-              <a:buChar char="-"/>
-            </a:pPr>
-            <a:r>
-              <a:rPr lang="en-US" dirty="0" err="1">
-                <a:solidFill>
-                  <a:schemeClr val="bg1"/>
-                </a:solidFill>
-              </a:rPr>
-              <a:t>Corpo</a:t>
-            </a:r>
-            <a:endParaRPr lang="en-US" dirty="0">
-              <a:solidFill>
-                <a:schemeClr val="bg1"/>
-              </a:solidFill>
-            </a:endParaRPr>
-          </a:p>
-          <a:p>
-            <a:pPr marL="285750" indent="-285750" algn="ctr">
-              <a:buFontTx/>
-              <a:buChar char="-"/>
-            </a:pPr>
-            <a:r>
-              <a:rPr lang="en-US" dirty="0">
-                <a:solidFill>
-                  <a:schemeClr val="bg1"/>
-                </a:solidFill>
-              </a:rPr>
-              <a:t>SMPT Server</a:t>
-            </a:r>
-          </a:p>
-        </p:txBody>
-      </p:sp>
-      <p:sp>
-        <p:nvSpPr>
-          <p:cNvPr id="7" name="CaixaDeTexto 6">
-            <a:extLst>
-              <a:ext uri="{FF2B5EF4-FFF2-40B4-BE49-F238E27FC236}">
-                <a16:creationId xmlns:a16="http://schemas.microsoft.com/office/drawing/2014/main" id="{D94CC84C-1387-400A-9A5E-54007618BFFB}"/>
-              </a:ext>
-            </a:extLst>
-          </p:cNvPr>
-          <p:cNvSpPr txBox="1"/>
-          <p:nvPr/>
-        </p:nvSpPr>
-        <p:spPr>
-          <a:xfrm>
-            <a:off x="3352800" y="5191496"/>
-            <a:ext cx="5486400" cy="646331"/>
-          </a:xfrm>
-          <a:prstGeom prst="rect">
-            <a:avLst/>
-          </a:prstGeom>
-          <a:noFill/>
-        </p:spPr>
-        <p:txBody>
-          <a:bodyPr wrap="square" rtlCol="0">
-            <a:spAutoFit/>
-          </a:bodyPr>
-          <a:lstStyle/>
-          <a:p>
-            <a:pPr marL="285750" indent="-285750" algn="ctr">
-              <a:buFontTx/>
-              <a:buChar char="-"/>
-            </a:pPr>
-            <a:r>
-              <a:rPr lang="en-US" dirty="0" err="1">
-                <a:solidFill>
-                  <a:schemeClr val="bg1"/>
-                </a:solidFill>
-              </a:rPr>
-              <a:t>Enviar</a:t>
-            </a:r>
-            <a:r>
-              <a:rPr lang="en-US" dirty="0">
-                <a:solidFill>
-                  <a:schemeClr val="bg1"/>
-                </a:solidFill>
-              </a:rPr>
-              <a:t> e-mail</a:t>
-            </a:r>
-          </a:p>
-          <a:p>
-            <a:pPr marL="285750" indent="-285750" algn="ctr">
-              <a:buFontTx/>
-              <a:buChar char="-"/>
-            </a:pPr>
-            <a:r>
-              <a:rPr lang="en-US" dirty="0" err="1">
-                <a:solidFill>
-                  <a:schemeClr val="bg1"/>
-                </a:solidFill>
-              </a:rPr>
-              <a:t>Retorna</a:t>
-            </a:r>
-            <a:r>
-              <a:rPr lang="en-US" dirty="0">
-                <a:solidFill>
-                  <a:schemeClr val="bg1"/>
-                </a:solidFill>
-              </a:rPr>
-              <a:t> Log</a:t>
+      <p:sp>
+        <p:nvSpPr>
+          <p:cNvPr id="3" name="Espaço Reservado para Conteúdo 2">
+            <a:extLst>
+              <a:ext uri="{FF2B5EF4-FFF2-40B4-BE49-F238E27FC236}">
+                <a16:creationId xmlns:a16="http://schemas.microsoft.com/office/drawing/2014/main" id="{F14A1042-343E-449F-AEFB-5B7F2BFF84BC}"/>
+              </a:ext>
+            </a:extLst>
+          </p:cNvPr>
+          <p:cNvSpPr>
+            <a:spLocks noGrp="1"/>
+          </p:cNvSpPr>
+          <p:nvPr>
+            <p:ph idx="1"/>
+          </p:nvPr>
+        </p:nvSpPr>
+        <p:spPr>
+          <a:xfrm>
+            <a:off x="838200" y="1825625"/>
+            <a:ext cx="10515600" cy="2223861"/>
+          </a:xfrm>
+        </p:spPr>
+        <p:txBody>
+          <a:bodyPr/>
+          <a:lstStyle/>
+          <a:p>
+            <a:r>
+              <a:rPr lang="en-US" i="1" dirty="0">
+                <a:latin typeface="+mj-lt"/>
+              </a:rPr>
+              <a:t>Python</a:t>
+            </a:r>
+          </a:p>
+          <a:p>
+            <a:r>
+              <a:rPr lang="en-US" i="1" dirty="0">
+                <a:latin typeface="+mj-lt"/>
+              </a:rPr>
+              <a:t>MySQL</a:t>
             </a:r>
           </a:p>
         </p:txBody>
@@ -4871,7 +7406,7 @@
     </p:spTree>
     <p:extLst>
       <p:ext uri="{BB962C8B-B14F-4D97-AF65-F5344CB8AC3E}">
-        <p14:creationId xmlns:p14="http://schemas.microsoft.com/office/powerpoint/2010/main" val="1260468192"/>
+        <p14:creationId xmlns:p14="http://schemas.microsoft.com/office/powerpoint/2010/main" val="1190001480"/>
       </p:ext>
     </p:extLst>
   </p:cSld>
@@ -4900,321 +7435,106 @@
       </p:grpSpPr>
       <p:sp>
         <p:nvSpPr>
-          <p:cNvPr id="4" name="Retângulo 3">
-            <a:extLst>
-              <a:ext uri="{FF2B5EF4-FFF2-40B4-BE49-F238E27FC236}">
-                <a16:creationId xmlns:a16="http://schemas.microsoft.com/office/drawing/2014/main" id="{05CFC605-78C2-4782-82CA-7D8B351A2C7C}"/>
-              </a:ext>
-            </a:extLst>
-          </p:cNvPr>
-          <p:cNvSpPr/>
-          <p:nvPr/>
-        </p:nvSpPr>
-        <p:spPr>
-          <a:xfrm>
-            <a:off x="0" y="10632"/>
-            <a:ext cx="12192000" cy="914400"/>
-          </a:xfrm>
-          <a:prstGeom prst="rect">
-            <a:avLst/>
-          </a:prstGeom>
-        </p:spPr>
-        <p:style>
-          <a:lnRef idx="2">
-            <a:schemeClr val="accent1">
-              <a:shade val="50000"/>
-            </a:schemeClr>
-          </a:lnRef>
-          <a:fillRef idx="1">
-            <a:schemeClr val="accent1"/>
-          </a:fillRef>
-          <a:effectRef idx="0">
-            <a:schemeClr val="accent1"/>
-          </a:effectRef>
-          <a:fontRef idx="minor">
-            <a:schemeClr val="lt1"/>
-          </a:fontRef>
-        </p:style>
-        <p:txBody>
-          <a:bodyPr rtlCol="0" anchor="ctr"/>
-          <a:lstStyle/>
-          <a:p>
-            <a:pPr algn="ctr"/>
-            <a:r>
-              <a:rPr lang="en-US" sz="4800" b="1" dirty="0" err="1"/>
-              <a:t>Classe</a:t>
-            </a:r>
-            <a:r>
-              <a:rPr lang="en-US" sz="4800" b="1" dirty="0"/>
-              <a:t>: Log</a:t>
-            </a:r>
-          </a:p>
-        </p:txBody>
-      </p:sp>
-      <p:sp>
-        <p:nvSpPr>
-          <p:cNvPr id="8" name="Retângulo: Cantos Arredondados 7">
-            <a:extLst>
-              <a:ext uri="{FF2B5EF4-FFF2-40B4-BE49-F238E27FC236}">
-                <a16:creationId xmlns:a16="http://schemas.microsoft.com/office/drawing/2014/main" id="{66D3D3C5-85D6-4950-ACFE-15F8C0A7478E}"/>
-              </a:ext>
-            </a:extLst>
-          </p:cNvPr>
-          <p:cNvSpPr/>
-          <p:nvPr/>
-        </p:nvSpPr>
-        <p:spPr>
-          <a:xfrm>
-            <a:off x="3352800" y="1190845"/>
-            <a:ext cx="5486400" cy="5486400"/>
-          </a:xfrm>
-          <a:prstGeom prst="roundRect">
-            <a:avLst/>
-          </a:prstGeom>
-        </p:spPr>
-        <p:style>
-          <a:lnRef idx="2">
-            <a:schemeClr val="accent1">
-              <a:shade val="50000"/>
-            </a:schemeClr>
-          </a:lnRef>
-          <a:fillRef idx="1">
-            <a:schemeClr val="accent1"/>
-          </a:fillRef>
-          <a:effectRef idx="0">
-            <a:schemeClr val="accent1"/>
-          </a:effectRef>
-          <a:fontRef idx="minor">
-            <a:schemeClr val="lt1"/>
-          </a:fontRef>
-        </p:style>
-        <p:txBody>
-          <a:bodyPr rtlCol="0" anchor="ctr"/>
-          <a:lstStyle/>
-          <a:p>
-            <a:pPr algn="ctr"/>
-            <a:endParaRPr lang="en-US" dirty="0">
+          <p:cNvPr id="2" name="Título 1">
+            <a:extLst>
+              <a:ext uri="{FF2B5EF4-FFF2-40B4-BE49-F238E27FC236}">
+                <a16:creationId xmlns:a16="http://schemas.microsoft.com/office/drawing/2014/main" id="{DA29557B-AFEC-4BB3-B2C4-B0370A080A4B}"/>
+              </a:ext>
+            </a:extLst>
+          </p:cNvPr>
+          <p:cNvSpPr>
+            <a:spLocks noGrp="1"/>
+          </p:cNvSpPr>
+          <p:nvPr>
+            <p:ph type="title"/>
+          </p:nvPr>
+        </p:nvSpPr>
+        <p:spPr/>
+        <p:txBody>
+          <a:bodyPr>
+            <a:normAutofit/>
+          </a:bodyPr>
+          <a:lstStyle/>
+          <a:p>
+            <a:r>
+              <a:rPr lang="en-US" sz="7500" b="1" dirty="0" err="1">
+                <a:solidFill>
+                  <a:srgbClr val="0070C0"/>
+                </a:solidFill>
+                <a:latin typeface="+mn-lt"/>
+              </a:rPr>
+              <a:t>Bibliotecas</a:t>
+            </a:r>
+            <a:endParaRPr lang="en-US" sz="7500" b="1" dirty="0">
               <a:solidFill>
-                <a:schemeClr val="bg1"/>
+                <a:srgbClr val="0070C0"/>
               </a:solidFill>
+              <a:latin typeface="+mn-lt"/>
             </a:endParaRPr>
           </a:p>
         </p:txBody>
       </p:sp>
-      <p:cxnSp>
-        <p:nvCxnSpPr>
-          <p:cNvPr id="13" name="Conector reto 12">
-            <a:extLst>
-              <a:ext uri="{FF2B5EF4-FFF2-40B4-BE49-F238E27FC236}">
-                <a16:creationId xmlns:a16="http://schemas.microsoft.com/office/drawing/2014/main" id="{295AA056-CE0A-476E-BB73-0EB04C2B2DE3}"/>
-              </a:ext>
-            </a:extLst>
-          </p:cNvPr>
-          <p:cNvCxnSpPr>
-            <a:cxnSpLocks/>
-          </p:cNvCxnSpPr>
-          <p:nvPr/>
-        </p:nvCxnSpPr>
-        <p:spPr>
-          <a:xfrm>
-            <a:off x="3352800" y="4880343"/>
-            <a:ext cx="5486400" cy="0"/>
-          </a:xfrm>
-          <a:prstGeom prst="line">
-            <a:avLst/>
-          </a:prstGeom>
-        </p:spPr>
-        <p:style>
-          <a:lnRef idx="1">
-            <a:schemeClr val="dk1"/>
-          </a:lnRef>
-          <a:fillRef idx="0">
-            <a:schemeClr val="dk1"/>
-          </a:fillRef>
-          <a:effectRef idx="0">
-            <a:schemeClr val="dk1"/>
-          </a:effectRef>
-          <a:fontRef idx="minor">
-            <a:schemeClr val="tx1"/>
-          </a:fontRef>
-        </p:style>
-      </p:cxnSp>
-      <p:sp>
-        <p:nvSpPr>
-          <p:cNvPr id="5" name="CaixaDeTexto 4">
-            <a:extLst>
-              <a:ext uri="{FF2B5EF4-FFF2-40B4-BE49-F238E27FC236}">
-                <a16:creationId xmlns:a16="http://schemas.microsoft.com/office/drawing/2014/main" id="{0212C14D-AC41-49EC-AE63-641DB9129437}"/>
-              </a:ext>
-            </a:extLst>
-          </p:cNvPr>
-          <p:cNvSpPr txBox="1"/>
-          <p:nvPr/>
-        </p:nvSpPr>
-        <p:spPr>
-          <a:xfrm>
-            <a:off x="3352800" y="1297172"/>
-            <a:ext cx="5486400" cy="707886"/>
-          </a:xfrm>
-          <a:prstGeom prst="rect">
-            <a:avLst/>
-          </a:prstGeom>
-          <a:noFill/>
-        </p:spPr>
-        <p:txBody>
-          <a:bodyPr wrap="square" rtlCol="0">
-            <a:spAutoFit/>
-          </a:bodyPr>
-          <a:lstStyle/>
-          <a:p>
-            <a:pPr algn="ctr"/>
-            <a:r>
-              <a:rPr lang="en-US" sz="4000" dirty="0">
-                <a:solidFill>
-                  <a:schemeClr val="bg1"/>
-                </a:solidFill>
-              </a:rPr>
-              <a:t>Log</a:t>
-            </a:r>
-          </a:p>
-        </p:txBody>
-      </p:sp>
-      <p:sp>
-        <p:nvSpPr>
-          <p:cNvPr id="6" name="CaixaDeTexto 5">
-            <a:extLst>
-              <a:ext uri="{FF2B5EF4-FFF2-40B4-BE49-F238E27FC236}">
-                <a16:creationId xmlns:a16="http://schemas.microsoft.com/office/drawing/2014/main" id="{AD57D7D4-D609-4B55-8AB1-0C33379D4373}"/>
-              </a:ext>
-            </a:extLst>
-          </p:cNvPr>
-          <p:cNvSpPr txBox="1"/>
-          <p:nvPr/>
-        </p:nvSpPr>
-        <p:spPr>
-          <a:xfrm>
-            <a:off x="3352800" y="3477151"/>
-            <a:ext cx="5486400" cy="646331"/>
-          </a:xfrm>
-          <a:prstGeom prst="rect">
-            <a:avLst/>
-          </a:prstGeom>
-          <a:noFill/>
-        </p:spPr>
-        <p:txBody>
-          <a:bodyPr wrap="square" rtlCol="0">
-            <a:spAutoFit/>
-          </a:bodyPr>
-          <a:lstStyle/>
-          <a:p>
-            <a:pPr marL="285750" indent="-285750" algn="ctr">
-              <a:buFontTx/>
-              <a:buChar char="-"/>
-            </a:pPr>
-            <a:r>
-              <a:rPr lang="en-US" dirty="0" err="1">
-                <a:solidFill>
-                  <a:schemeClr val="bg1"/>
-                </a:solidFill>
-              </a:rPr>
-              <a:t>Dispositivo</a:t>
-            </a:r>
-            <a:r>
-              <a:rPr lang="en-US" dirty="0">
-                <a:solidFill>
-                  <a:schemeClr val="bg1"/>
-                </a:solidFill>
-              </a:rPr>
-              <a:t> {}</a:t>
-            </a:r>
-          </a:p>
-          <a:p>
-            <a:pPr marL="285750" indent="-285750" algn="ctr">
-              <a:buFontTx/>
-              <a:buChar char="-"/>
-            </a:pPr>
-            <a:r>
-              <a:rPr lang="en-US" dirty="0" err="1">
-                <a:solidFill>
-                  <a:schemeClr val="bg1"/>
-                </a:solidFill>
-              </a:rPr>
-              <a:t>Ambiente</a:t>
-            </a:r>
-            <a:r>
-              <a:rPr lang="en-US" dirty="0">
-                <a:solidFill>
-                  <a:schemeClr val="bg1"/>
-                </a:solidFill>
-              </a:rPr>
-              <a:t> {}</a:t>
-            </a:r>
-          </a:p>
-        </p:txBody>
-      </p:sp>
-      <p:sp>
-        <p:nvSpPr>
-          <p:cNvPr id="7" name="CaixaDeTexto 6">
-            <a:extLst>
-              <a:ext uri="{FF2B5EF4-FFF2-40B4-BE49-F238E27FC236}">
-                <a16:creationId xmlns:a16="http://schemas.microsoft.com/office/drawing/2014/main" id="{D94CC84C-1387-400A-9A5E-54007618BFFB}"/>
-              </a:ext>
-            </a:extLst>
-          </p:cNvPr>
-          <p:cNvSpPr txBox="1"/>
-          <p:nvPr/>
-        </p:nvSpPr>
-        <p:spPr>
-          <a:xfrm>
-            <a:off x="3352800" y="5191496"/>
-            <a:ext cx="5486400" cy="646331"/>
-          </a:xfrm>
-          <a:prstGeom prst="rect">
-            <a:avLst/>
-          </a:prstGeom>
-          <a:noFill/>
-        </p:spPr>
-        <p:txBody>
-          <a:bodyPr wrap="square" rtlCol="0">
-            <a:spAutoFit/>
-          </a:bodyPr>
-          <a:lstStyle/>
-          <a:p>
-            <a:pPr marL="285750" indent="-285750" algn="ctr">
-              <a:buFontTx/>
-              <a:buChar char="-"/>
-            </a:pPr>
-            <a:r>
-              <a:rPr lang="en-US" dirty="0" err="1">
-                <a:solidFill>
-                  <a:schemeClr val="bg1"/>
-                </a:solidFill>
-              </a:rPr>
-              <a:t>RegitraLogTXT</a:t>
-            </a:r>
-            <a:endParaRPr lang="en-US" dirty="0">
-              <a:solidFill>
-                <a:schemeClr val="bg1"/>
-              </a:solidFill>
+      <p:sp>
+        <p:nvSpPr>
+          <p:cNvPr id="3" name="Espaço Reservado para Conteúdo 2">
+            <a:extLst>
+              <a:ext uri="{FF2B5EF4-FFF2-40B4-BE49-F238E27FC236}">
+                <a16:creationId xmlns:a16="http://schemas.microsoft.com/office/drawing/2014/main" id="{F14A1042-343E-449F-AEFB-5B7F2BFF84BC}"/>
+              </a:ext>
+            </a:extLst>
+          </p:cNvPr>
+          <p:cNvSpPr>
+            <a:spLocks noGrp="1"/>
+          </p:cNvSpPr>
+          <p:nvPr>
+            <p:ph idx="1"/>
+          </p:nvPr>
+        </p:nvSpPr>
+        <p:spPr>
+          <a:xfrm>
+            <a:off x="838200" y="1825625"/>
+            <a:ext cx="10515600" cy="2223861"/>
+          </a:xfrm>
+        </p:spPr>
+        <p:txBody>
+          <a:bodyPr/>
+          <a:lstStyle/>
+          <a:p>
+            <a:r>
+              <a:rPr lang="en-US" i="1" dirty="0" err="1">
+                <a:latin typeface="+mj-lt"/>
+              </a:rPr>
+              <a:t>os</a:t>
+            </a:r>
+            <a:endParaRPr lang="en-US" i="1" dirty="0">
+              <a:latin typeface="+mj-lt"/>
             </a:endParaRPr>
           </a:p>
           <a:p>
-            <a:pPr marL="285750" indent="-285750" algn="ctr">
-              <a:buFontTx/>
-              <a:buChar char="-"/>
-            </a:pPr>
-            <a:r>
-              <a:rPr lang="en-US" dirty="0" err="1">
-                <a:solidFill>
-                  <a:schemeClr val="bg1"/>
-                </a:solidFill>
-              </a:rPr>
-              <a:t>RegistraLogSQL</a:t>
-            </a:r>
-            <a:endParaRPr lang="en-US" dirty="0">
-              <a:solidFill>
-                <a:schemeClr val="bg1"/>
-              </a:solidFill>
+            <a:r>
+              <a:rPr lang="en-US" i="1" dirty="0">
+                <a:latin typeface="+mj-lt"/>
+              </a:rPr>
+              <a:t>platform</a:t>
+            </a:r>
+          </a:p>
+          <a:p>
+            <a:r>
+              <a:rPr lang="en-US" i="1" dirty="0">
+                <a:latin typeface="+mj-lt"/>
+              </a:rPr>
+              <a:t>datetime</a:t>
+            </a:r>
+          </a:p>
+          <a:p>
+            <a:r>
+              <a:rPr lang="en-US" i="1" dirty="0" err="1">
+                <a:latin typeface="+mj-lt"/>
+              </a:rPr>
+              <a:t>smtplib</a:t>
+            </a:r>
+            <a:endParaRPr lang="en-US" i="1" dirty="0">
+              <a:latin typeface="+mj-lt"/>
             </a:endParaRPr>
           </a:p>
         </p:txBody>
@@ -5222,7 +7542,7 @@
     </p:spTree>
     <p:extLst>
       <p:ext uri="{BB962C8B-B14F-4D97-AF65-F5344CB8AC3E}">
-        <p14:creationId xmlns:p14="http://schemas.microsoft.com/office/powerpoint/2010/main" val="817308073"/>
+        <p14:creationId xmlns:p14="http://schemas.microsoft.com/office/powerpoint/2010/main" val="1265509570"/>
       </p:ext>
     </p:extLst>
   </p:cSld>
@@ -5251,304 +7571,143 @@
       </p:grpSpPr>
       <p:sp>
         <p:nvSpPr>
-          <p:cNvPr id="4" name="Retângulo 3">
-            <a:extLst>
-              <a:ext uri="{FF2B5EF4-FFF2-40B4-BE49-F238E27FC236}">
-                <a16:creationId xmlns:a16="http://schemas.microsoft.com/office/drawing/2014/main" id="{05CFC605-78C2-4782-82CA-7D8B351A2C7C}"/>
-              </a:ext>
-            </a:extLst>
-          </p:cNvPr>
-          <p:cNvSpPr/>
-          <p:nvPr/>
-        </p:nvSpPr>
-        <p:spPr>
-          <a:xfrm>
-            <a:off x="0" y="10632"/>
-            <a:ext cx="12192000" cy="914400"/>
-          </a:xfrm>
-          <a:prstGeom prst="rect">
-            <a:avLst/>
-          </a:prstGeom>
-        </p:spPr>
-        <p:style>
-          <a:lnRef idx="2">
-            <a:schemeClr val="accent1">
-              <a:shade val="50000"/>
-            </a:schemeClr>
-          </a:lnRef>
-          <a:fillRef idx="1">
-            <a:schemeClr val="accent1"/>
-          </a:fillRef>
-          <a:effectRef idx="0">
-            <a:schemeClr val="accent1"/>
-          </a:effectRef>
-          <a:fontRef idx="minor">
-            <a:schemeClr val="lt1"/>
-          </a:fontRef>
-        </p:style>
-        <p:txBody>
-          <a:bodyPr rtlCol="0" anchor="ctr"/>
-          <a:lstStyle/>
-          <a:p>
-            <a:pPr algn="ctr"/>
-            <a:r>
-              <a:rPr lang="en-US" sz="4800" b="1" dirty="0" err="1"/>
-              <a:t>Classe</a:t>
-            </a:r>
-            <a:r>
-              <a:rPr lang="en-US" sz="4800" b="1" dirty="0"/>
-              <a:t>: </a:t>
-            </a:r>
-            <a:r>
-              <a:rPr lang="en-US" sz="4800" b="1" dirty="0" err="1"/>
-              <a:t>Dispositivo</a:t>
-            </a:r>
-            <a:endParaRPr lang="en-US" sz="4800" b="1" dirty="0"/>
-          </a:p>
-        </p:txBody>
-      </p:sp>
-      <p:sp>
-        <p:nvSpPr>
-          <p:cNvPr id="8" name="Retângulo: Cantos Arredondados 7">
-            <a:extLst>
-              <a:ext uri="{FF2B5EF4-FFF2-40B4-BE49-F238E27FC236}">
-                <a16:creationId xmlns:a16="http://schemas.microsoft.com/office/drawing/2014/main" id="{66D3D3C5-85D6-4950-ACFE-15F8C0A7478E}"/>
-              </a:ext>
-            </a:extLst>
-          </p:cNvPr>
-          <p:cNvSpPr/>
-          <p:nvPr/>
-        </p:nvSpPr>
-        <p:spPr>
-          <a:xfrm>
-            <a:off x="3352800" y="1190845"/>
-            <a:ext cx="5486400" cy="5486400"/>
-          </a:xfrm>
-          <a:prstGeom prst="roundRect">
-            <a:avLst/>
-          </a:prstGeom>
-        </p:spPr>
-        <p:style>
-          <a:lnRef idx="2">
-            <a:schemeClr val="accent1">
-              <a:shade val="50000"/>
-            </a:schemeClr>
-          </a:lnRef>
-          <a:fillRef idx="1">
-            <a:schemeClr val="accent1"/>
-          </a:fillRef>
-          <a:effectRef idx="0">
-            <a:schemeClr val="accent1"/>
-          </a:effectRef>
-          <a:fontRef idx="minor">
-            <a:schemeClr val="lt1"/>
-          </a:fontRef>
-        </p:style>
-        <p:txBody>
-          <a:bodyPr rtlCol="0" anchor="ctr"/>
-          <a:lstStyle/>
-          <a:p>
-            <a:pPr algn="ctr"/>
-            <a:endParaRPr lang="en-US" dirty="0">
-              <a:solidFill>
-                <a:schemeClr val="bg1"/>
-              </a:solidFill>
+          <p:cNvPr id="2" name="Título 1">
+            <a:extLst>
+              <a:ext uri="{FF2B5EF4-FFF2-40B4-BE49-F238E27FC236}">
+                <a16:creationId xmlns:a16="http://schemas.microsoft.com/office/drawing/2014/main" id="{DA29557B-AFEC-4BB3-B2C4-B0370A080A4B}"/>
+              </a:ext>
+            </a:extLst>
+          </p:cNvPr>
+          <p:cNvSpPr>
+            <a:spLocks noGrp="1"/>
+          </p:cNvSpPr>
+          <p:nvPr>
+            <p:ph type="title"/>
+          </p:nvPr>
+        </p:nvSpPr>
+        <p:spPr/>
+        <p:txBody>
+          <a:bodyPr>
+            <a:normAutofit/>
+          </a:bodyPr>
+          <a:lstStyle/>
+          <a:p>
+            <a:r>
+              <a:rPr lang="en-US" sz="6600" b="1" dirty="0">
+                <a:solidFill>
+                  <a:srgbClr val="0070C0"/>
+                </a:solidFill>
+                <a:latin typeface="+mn-lt"/>
+              </a:rPr>
+              <a:t>Classes</a:t>
+            </a:r>
+          </a:p>
+        </p:txBody>
+      </p:sp>
+      <p:sp>
+        <p:nvSpPr>
+          <p:cNvPr id="3" name="Espaço Reservado para Conteúdo 2">
+            <a:extLst>
+              <a:ext uri="{FF2B5EF4-FFF2-40B4-BE49-F238E27FC236}">
+                <a16:creationId xmlns:a16="http://schemas.microsoft.com/office/drawing/2014/main" id="{F14A1042-343E-449F-AEFB-5B7F2BFF84BC}"/>
+              </a:ext>
+            </a:extLst>
+          </p:cNvPr>
+          <p:cNvSpPr>
+            <a:spLocks noGrp="1"/>
+          </p:cNvSpPr>
+          <p:nvPr>
+            <p:ph idx="1"/>
+          </p:nvPr>
+        </p:nvSpPr>
+        <p:spPr>
+          <a:xfrm>
+            <a:off x="838200" y="1825625"/>
+            <a:ext cx="10515600" cy="4667250"/>
+          </a:xfrm>
+        </p:spPr>
+        <p:txBody>
+          <a:bodyPr>
+            <a:normAutofit/>
+          </a:bodyPr>
+          <a:lstStyle/>
+          <a:p>
+            <a:r>
+              <a:rPr lang="en-US" i="1" dirty="0" err="1">
+                <a:latin typeface="+mj-lt"/>
+              </a:rPr>
+              <a:t>interessado</a:t>
+            </a:r>
+            <a:endParaRPr lang="en-US" i="1" dirty="0">
+              <a:latin typeface="+mj-lt"/>
             </a:endParaRPr>
           </a:p>
-        </p:txBody>
-      </p:sp>
-      <p:cxnSp>
-        <p:nvCxnSpPr>
-          <p:cNvPr id="13" name="Conector reto 12">
-            <a:extLst>
-              <a:ext uri="{FF2B5EF4-FFF2-40B4-BE49-F238E27FC236}">
-                <a16:creationId xmlns:a16="http://schemas.microsoft.com/office/drawing/2014/main" id="{295AA056-CE0A-476E-BB73-0EB04C2B2DE3}"/>
-              </a:ext>
-            </a:extLst>
-          </p:cNvPr>
-          <p:cNvCxnSpPr>
-            <a:cxnSpLocks/>
-          </p:cNvCxnSpPr>
-          <p:nvPr/>
-        </p:nvCxnSpPr>
-        <p:spPr>
-          <a:xfrm>
-            <a:off x="3437861" y="4210492"/>
-            <a:ext cx="5486400" cy="0"/>
-          </a:xfrm>
-          <a:prstGeom prst="line">
-            <a:avLst/>
-          </a:prstGeom>
-        </p:spPr>
-        <p:style>
-          <a:lnRef idx="1">
-            <a:schemeClr val="dk1"/>
-          </a:lnRef>
-          <a:fillRef idx="0">
-            <a:schemeClr val="dk1"/>
-          </a:fillRef>
-          <a:effectRef idx="0">
-            <a:schemeClr val="dk1"/>
-          </a:effectRef>
-          <a:fontRef idx="minor">
-            <a:schemeClr val="tx1"/>
-          </a:fontRef>
-        </p:style>
-      </p:cxnSp>
-      <p:sp>
-        <p:nvSpPr>
-          <p:cNvPr id="5" name="CaixaDeTexto 4">
-            <a:extLst>
-              <a:ext uri="{FF2B5EF4-FFF2-40B4-BE49-F238E27FC236}">
-                <a16:creationId xmlns:a16="http://schemas.microsoft.com/office/drawing/2014/main" id="{0212C14D-AC41-49EC-AE63-641DB9129437}"/>
-              </a:ext>
-            </a:extLst>
-          </p:cNvPr>
-          <p:cNvSpPr txBox="1"/>
-          <p:nvPr/>
-        </p:nvSpPr>
-        <p:spPr>
-          <a:xfrm>
-            <a:off x="3352800" y="1297172"/>
-            <a:ext cx="5486400" cy="707886"/>
-          </a:xfrm>
-          <a:prstGeom prst="rect">
-            <a:avLst/>
-          </a:prstGeom>
-          <a:noFill/>
-        </p:spPr>
-        <p:txBody>
-          <a:bodyPr wrap="square" rtlCol="0">
-            <a:spAutoFit/>
-          </a:bodyPr>
-          <a:lstStyle/>
-          <a:p>
-            <a:pPr algn="ctr"/>
-            <a:r>
-              <a:rPr lang="en-US" sz="4000" dirty="0">
-                <a:solidFill>
-                  <a:schemeClr val="bg1"/>
-                </a:solidFill>
-              </a:rPr>
-              <a:t>Database</a:t>
-            </a:r>
-          </a:p>
-        </p:txBody>
-      </p:sp>
-      <p:sp>
-        <p:nvSpPr>
-          <p:cNvPr id="6" name="CaixaDeTexto 5">
-            <a:extLst>
-              <a:ext uri="{FF2B5EF4-FFF2-40B4-BE49-F238E27FC236}">
-                <a16:creationId xmlns:a16="http://schemas.microsoft.com/office/drawing/2014/main" id="{AD57D7D4-D609-4B55-8AB1-0C33379D4373}"/>
-              </a:ext>
-            </a:extLst>
-          </p:cNvPr>
-          <p:cNvSpPr txBox="1"/>
-          <p:nvPr/>
-        </p:nvSpPr>
-        <p:spPr>
-          <a:xfrm>
-            <a:off x="3352800" y="2570018"/>
-            <a:ext cx="5486400" cy="923330"/>
-          </a:xfrm>
-          <a:prstGeom prst="rect">
-            <a:avLst/>
-          </a:prstGeom>
-          <a:noFill/>
-        </p:spPr>
-        <p:txBody>
-          <a:bodyPr wrap="square" rtlCol="0">
-            <a:spAutoFit/>
-          </a:bodyPr>
-          <a:lstStyle/>
-          <a:p>
-            <a:pPr marL="285750" indent="-285750" algn="ctr">
-              <a:buFontTx/>
-              <a:buChar char="-"/>
-            </a:pPr>
-            <a:r>
-              <a:rPr lang="en-US" dirty="0">
-                <a:solidFill>
-                  <a:schemeClr val="bg1"/>
-                </a:solidFill>
-              </a:rPr>
-              <a:t>Login </a:t>
-            </a:r>
-            <a:r>
-              <a:rPr lang="en-US" dirty="0" err="1">
-                <a:solidFill>
-                  <a:schemeClr val="bg1"/>
-                </a:solidFill>
-              </a:rPr>
-              <a:t>Maquina</a:t>
-            </a:r>
-            <a:endParaRPr lang="en-US" dirty="0">
-              <a:solidFill>
-                <a:schemeClr val="bg1"/>
-              </a:solidFill>
+          <a:p>
+            <a:r>
+              <a:rPr lang="en-US" i="1" dirty="0">
+                <a:latin typeface="+mj-lt"/>
+              </a:rPr>
+              <a:t>email</a:t>
+            </a:r>
+          </a:p>
+          <a:p>
+            <a:r>
+              <a:rPr lang="en-US" i="1" dirty="0" err="1">
+                <a:latin typeface="+mj-lt"/>
+              </a:rPr>
+              <a:t>outlookMail</a:t>
+            </a:r>
+            <a:endParaRPr lang="en-US" i="1" dirty="0">
+              <a:latin typeface="+mj-lt"/>
             </a:endParaRPr>
           </a:p>
           <a:p>
-            <a:pPr marL="285750" indent="-285750" algn="ctr">
-              <a:buFontTx/>
-              <a:buChar char="-"/>
-            </a:pPr>
-            <a:r>
-              <a:rPr lang="en-US" dirty="0">
-                <a:solidFill>
-                  <a:schemeClr val="bg1"/>
-                </a:solidFill>
-              </a:rPr>
-              <a:t>Nome </a:t>
-            </a:r>
-            <a:r>
-              <a:rPr lang="en-US" dirty="0" err="1">
-                <a:solidFill>
-                  <a:schemeClr val="bg1"/>
-                </a:solidFill>
-              </a:rPr>
-              <a:t>Maquina</a:t>
-            </a:r>
-            <a:endParaRPr lang="en-US" dirty="0">
-              <a:solidFill>
-                <a:schemeClr val="bg1"/>
-              </a:solidFill>
+            <a:r>
+              <a:rPr lang="en-US" i="1" dirty="0">
+                <a:latin typeface="+mj-lt"/>
+              </a:rPr>
+              <a:t>log</a:t>
+            </a:r>
+          </a:p>
+          <a:p>
+            <a:r>
+              <a:rPr lang="en-US" i="1" dirty="0" err="1">
+                <a:latin typeface="+mj-lt"/>
+              </a:rPr>
+              <a:t>dispositivo</a:t>
+            </a:r>
+            <a:endParaRPr lang="en-US" i="1" dirty="0">
+              <a:latin typeface="+mj-lt"/>
             </a:endParaRPr>
           </a:p>
           <a:p>
-            <a:pPr marL="285750" indent="-285750" algn="ctr">
-              <a:buFontTx/>
-              <a:buChar char="-"/>
-            </a:pPr>
-            <a:r>
-              <a:rPr lang="en-US" dirty="0">
-                <a:solidFill>
-                  <a:schemeClr val="bg1"/>
-                </a:solidFill>
-              </a:rPr>
-              <a:t>Nome Sistema </a:t>
-            </a:r>
-            <a:r>
-              <a:rPr lang="en-US" dirty="0" err="1">
-                <a:solidFill>
-                  <a:schemeClr val="bg1"/>
-                </a:solidFill>
-              </a:rPr>
-              <a:t>Operacional</a:t>
-            </a:r>
-            <a:endParaRPr lang="en-US" dirty="0">
-              <a:solidFill>
-                <a:schemeClr val="bg1"/>
-              </a:solidFill>
+            <a:r>
+              <a:rPr lang="en-US" i="1" dirty="0" err="1">
+                <a:latin typeface="+mj-lt"/>
+              </a:rPr>
+              <a:t>ambiente</a:t>
+            </a:r>
+            <a:endParaRPr lang="en-US" i="1" dirty="0">
+              <a:latin typeface="+mj-lt"/>
             </a:endParaRPr>
+          </a:p>
+          <a:p>
+            <a:r>
+              <a:rPr lang="en-US" i="1" dirty="0">
+                <a:latin typeface="+mj-lt"/>
+              </a:rPr>
+              <a:t>database</a:t>
+            </a:r>
+          </a:p>
+          <a:p>
+            <a:endParaRPr lang="en-US" i="1" dirty="0"/>
           </a:p>
         </p:txBody>
       </p:sp>
     </p:spTree>
     <p:extLst>
       <p:ext uri="{BB962C8B-B14F-4D97-AF65-F5344CB8AC3E}">
-        <p14:creationId xmlns:p14="http://schemas.microsoft.com/office/powerpoint/2010/main" val="4108873175"/>
+        <p14:creationId xmlns:p14="http://schemas.microsoft.com/office/powerpoint/2010/main" val="3160752208"/>
       </p:ext>
     </p:extLst>
   </p:cSld>
@@ -5627,7 +7786,7 @@
             </a:r>
             <a:r>
               <a:rPr lang="en-US" sz="4800" b="1" dirty="0" err="1"/>
-              <a:t>Ambiente</a:t>
+              <a:t>Interessado</a:t>
             </a:r>
             <a:endParaRPr lang="en-US" sz="4800" b="1" dirty="0"/>
           </a:p>
@@ -5683,6 +7842,182 @@
           </a:p>
         </p:txBody>
       </p:sp>
+      <p:sp>
+        <p:nvSpPr>
+          <p:cNvPr id="10" name="CaixaDeTexto 9">
+            <a:extLst>
+              <a:ext uri="{FF2B5EF4-FFF2-40B4-BE49-F238E27FC236}">
+                <a16:creationId xmlns:a16="http://schemas.microsoft.com/office/drawing/2014/main" id="{60F46F5F-B352-41EE-B0A8-DAC157D4F50E}"/>
+              </a:ext>
+            </a:extLst>
+          </p:cNvPr>
+          <p:cNvSpPr txBox="1"/>
+          <p:nvPr/>
+        </p:nvSpPr>
+        <p:spPr>
+          <a:xfrm>
+            <a:off x="3352800" y="1297172"/>
+            <a:ext cx="5486400" cy="707886"/>
+          </a:xfrm>
+          <a:prstGeom prst="rect">
+            <a:avLst/>
+          </a:prstGeom>
+          <a:noFill/>
+        </p:spPr>
+        <p:txBody>
+          <a:bodyPr wrap="square" rtlCol="0">
+            <a:spAutoFit/>
+          </a:bodyPr>
+          <a:lstStyle/>
+          <a:p>
+            <a:pPr algn="ctr"/>
+            <a:r>
+              <a:rPr lang="en-US" sz="4000" dirty="0" err="1">
+                <a:solidFill>
+                  <a:schemeClr val="bg1"/>
+                </a:solidFill>
+              </a:rPr>
+              <a:t>Interessado</a:t>
+            </a:r>
+            <a:endParaRPr lang="en-US" sz="4000" dirty="0">
+              <a:solidFill>
+                <a:schemeClr val="bg1"/>
+              </a:solidFill>
+            </a:endParaRPr>
+          </a:p>
+        </p:txBody>
+      </p:sp>
+      <p:sp>
+        <p:nvSpPr>
+          <p:cNvPr id="11" name="CaixaDeTexto 10">
+            <a:extLst>
+              <a:ext uri="{FF2B5EF4-FFF2-40B4-BE49-F238E27FC236}">
+                <a16:creationId xmlns:a16="http://schemas.microsoft.com/office/drawing/2014/main" id="{89C5151E-B34D-41D9-8753-52A3AF989A3D}"/>
+              </a:ext>
+            </a:extLst>
+          </p:cNvPr>
+          <p:cNvSpPr txBox="1"/>
+          <p:nvPr/>
+        </p:nvSpPr>
+        <p:spPr>
+          <a:xfrm>
+            <a:off x="3352800" y="2551837"/>
+            <a:ext cx="5486400" cy="1754326"/>
+          </a:xfrm>
+          <a:prstGeom prst="rect">
+            <a:avLst/>
+          </a:prstGeom>
+          <a:noFill/>
+        </p:spPr>
+        <p:txBody>
+          <a:bodyPr wrap="square" rtlCol="0">
+            <a:spAutoFit/>
+          </a:bodyPr>
+          <a:lstStyle/>
+          <a:p>
+            <a:pPr marL="285750" indent="-285750" algn="ctr">
+              <a:buFontTx/>
+              <a:buChar char="-"/>
+            </a:pPr>
+            <a:r>
+              <a:rPr lang="en-US" dirty="0">
+                <a:solidFill>
+                  <a:schemeClr val="bg1"/>
+                </a:solidFill>
+              </a:rPr>
+              <a:t>Nome</a:t>
+            </a:r>
+          </a:p>
+          <a:p>
+            <a:pPr marL="285750" indent="-285750" algn="ctr">
+              <a:buFontTx/>
+              <a:buChar char="-"/>
+            </a:pPr>
+            <a:r>
+              <a:rPr lang="en-US" dirty="0" err="1">
+                <a:solidFill>
+                  <a:schemeClr val="bg1"/>
+                </a:solidFill>
+              </a:rPr>
+              <a:t>Sobrenome</a:t>
+            </a:r>
+            <a:endParaRPr lang="en-US" dirty="0">
+              <a:solidFill>
+                <a:schemeClr val="bg1"/>
+              </a:solidFill>
+            </a:endParaRPr>
+          </a:p>
+          <a:p>
+            <a:pPr marL="285750" indent="-285750" algn="ctr">
+              <a:buFontTx/>
+              <a:buChar char="-"/>
+            </a:pPr>
+            <a:r>
+              <a:rPr lang="en-US" dirty="0">
+                <a:solidFill>
+                  <a:schemeClr val="bg1"/>
+                </a:solidFill>
+              </a:rPr>
+              <a:t>Nome </a:t>
+            </a:r>
+            <a:r>
+              <a:rPr lang="en-US" dirty="0" err="1">
+                <a:solidFill>
+                  <a:schemeClr val="bg1"/>
+                </a:solidFill>
+              </a:rPr>
+              <a:t>Completo</a:t>
+            </a:r>
+            <a:endParaRPr lang="en-US" dirty="0">
+              <a:solidFill>
+                <a:schemeClr val="bg1"/>
+              </a:solidFill>
+            </a:endParaRPr>
+          </a:p>
+          <a:p>
+            <a:pPr marL="285750" indent="-285750" algn="ctr">
+              <a:buFontTx/>
+              <a:buChar char="-"/>
+            </a:pPr>
+            <a:r>
+              <a:rPr lang="en-US" dirty="0">
+                <a:solidFill>
+                  <a:schemeClr val="bg1"/>
+                </a:solidFill>
+              </a:rPr>
+              <a:t>Email</a:t>
+            </a:r>
+          </a:p>
+          <a:p>
+            <a:pPr marL="285750" indent="-285750" algn="ctr">
+              <a:buFontTx/>
+              <a:buChar char="-"/>
+            </a:pPr>
+            <a:r>
+              <a:rPr lang="en-US" dirty="0">
+                <a:solidFill>
+                  <a:schemeClr val="bg1"/>
+                </a:solidFill>
+              </a:rPr>
+              <a:t>Data de Nascimento</a:t>
+            </a:r>
+          </a:p>
+          <a:p>
+            <a:pPr marL="285750" indent="-285750" algn="ctr">
+              <a:buFontTx/>
+              <a:buChar char="-"/>
+            </a:pPr>
+            <a:r>
+              <a:rPr lang="en-US" dirty="0">
+                <a:solidFill>
+                  <a:schemeClr val="bg1"/>
+                </a:solidFill>
+              </a:rPr>
+              <a:t>ID</a:t>
+            </a:r>
+          </a:p>
+        </p:txBody>
+      </p:sp>
       <p:cxnSp>
         <p:nvCxnSpPr>
           <p:cNvPr id="13" name="Conector reto 12">
@@ -5699,7 +8034,7 @@
         </p:nvCxnSpPr>
         <p:spPr>
           <a:xfrm>
-            <a:off x="3352800" y="4221125"/>
+            <a:off x="3352800" y="4380612"/>
             <a:ext cx="5486400" cy="0"/>
           </a:xfrm>
           <a:prstGeom prst="line">
@@ -5723,10 +8058,10 @@
       </p:cxnSp>
       <p:sp>
         <p:nvSpPr>
-          <p:cNvPr id="5" name="CaixaDeTexto 4">
-            <a:extLst>
-              <a:ext uri="{FF2B5EF4-FFF2-40B4-BE49-F238E27FC236}">
-                <a16:creationId xmlns:a16="http://schemas.microsoft.com/office/drawing/2014/main" id="{0212C14D-AC41-49EC-AE63-641DB9129437}"/>
+          <p:cNvPr id="14" name="CaixaDeTexto 13">
+            <a:extLst>
+              <a:ext uri="{FF2B5EF4-FFF2-40B4-BE49-F238E27FC236}">
+                <a16:creationId xmlns:a16="http://schemas.microsoft.com/office/drawing/2014/main" id="{76B49115-2485-40F7-939A-7D6B5D80A84E}"/>
               </a:ext>
             </a:extLst>
           </p:cNvPr>
@@ -5735,8 +8070,8 @@
         </p:nvSpPr>
         <p:spPr>
           <a:xfrm>
-            <a:off x="3352800" y="1297172"/>
-            <a:ext cx="5486400" cy="707886"/>
+            <a:off x="3352800" y="4623818"/>
+            <a:ext cx="5486400" cy="1200329"/>
           </a:xfrm>
           <a:prstGeom prst="rect">
             <a:avLst/>
@@ -5749,76 +8084,17 @@
           </a:bodyPr>
           <a:lstStyle/>
           <a:p>
-            <a:pPr algn="ctr"/>
-            <a:r>
-              <a:rPr lang="en-US" sz="4000" dirty="0" err="1">
-                <a:solidFill>
-                  <a:schemeClr val="bg1"/>
-                </a:solidFill>
-              </a:rPr>
-              <a:t>Ambiente</a:t>
-            </a:r>
-            <a:endParaRPr lang="en-US" sz="4000" dirty="0">
-              <a:solidFill>
-                <a:schemeClr val="bg1"/>
-              </a:solidFill>
-            </a:endParaRPr>
-          </a:p>
-        </p:txBody>
-      </p:sp>
-      <p:sp>
-        <p:nvSpPr>
-          <p:cNvPr id="6" name="CaixaDeTexto 5">
-            <a:extLst>
-              <a:ext uri="{FF2B5EF4-FFF2-40B4-BE49-F238E27FC236}">
-                <a16:creationId xmlns:a16="http://schemas.microsoft.com/office/drawing/2014/main" id="{AD57D7D4-D609-4B55-8AB1-0C33379D4373}"/>
-              </a:ext>
-            </a:extLst>
-          </p:cNvPr>
-          <p:cNvSpPr txBox="1"/>
-          <p:nvPr/>
-        </p:nvSpPr>
-        <p:spPr>
-          <a:xfrm>
-            <a:off x="3352800" y="2782669"/>
-            <a:ext cx="5486400" cy="646331"/>
-          </a:xfrm>
-          <a:prstGeom prst="rect">
-            <a:avLst/>
-          </a:prstGeom>
-          <a:noFill/>
-        </p:spPr>
-        <p:txBody>
-          <a:bodyPr wrap="square" rtlCol="0">
-            <a:spAutoFit/>
-          </a:bodyPr>
-          <a:lstStyle/>
-          <a:p>
             <a:pPr marL="285750" indent="-285750" algn="ctr">
               <a:buFontTx/>
               <a:buChar char="-"/>
             </a:pPr>
             <a:r>
-              <a:rPr lang="en-US" dirty="0">
-                <a:solidFill>
-                  <a:schemeClr val="bg1"/>
-                </a:solidFill>
-              </a:rPr>
-              <a:t>Data</a:t>
-            </a:r>
-          </a:p>
-          <a:p>
-            <a:pPr marL="285750" indent="-285750" algn="ctr">
-              <a:buFontTx/>
-              <a:buChar char="-"/>
-            </a:pPr>
-            <a:r>
               <a:rPr lang="en-US" dirty="0" err="1">
                 <a:solidFill>
                   <a:schemeClr val="bg1"/>
                 </a:solidFill>
               </a:rPr>
-              <a:t>Horario</a:t>
+              <a:t>TrataNome</a:t>
             </a:r>
             <a:endParaRPr lang="en-US" dirty="0">
               <a:solidFill>
@@ -5826,12 +8102,69 @@
               </a:solidFill>
             </a:endParaRPr>
           </a:p>
+          <a:p>
+            <a:pPr marL="285750" indent="-285750" algn="ctr">
+              <a:buFontTx/>
+              <a:buChar char="-"/>
+            </a:pPr>
+            <a:r>
+              <a:rPr lang="en-US" dirty="0" err="1">
+                <a:solidFill>
+                  <a:schemeClr val="bg1"/>
+                </a:solidFill>
+              </a:rPr>
+              <a:t>TrataSobrenome</a:t>
+            </a:r>
+            <a:endParaRPr lang="en-US" dirty="0">
+              <a:solidFill>
+                <a:schemeClr val="bg1"/>
+              </a:solidFill>
+            </a:endParaRPr>
+          </a:p>
+          <a:p>
+            <a:pPr marL="285750" indent="-285750" algn="ctr">
+              <a:buFontTx/>
+              <a:buChar char="-"/>
+            </a:pPr>
+            <a:r>
+              <a:rPr lang="en-US" dirty="0" err="1">
+                <a:solidFill>
+                  <a:schemeClr val="bg1"/>
+                </a:solidFill>
+              </a:rPr>
+              <a:t>TrataNomeCompleto</a:t>
+            </a:r>
+            <a:endParaRPr lang="en-US" dirty="0">
+              <a:solidFill>
+                <a:schemeClr val="bg1"/>
+              </a:solidFill>
+            </a:endParaRPr>
+          </a:p>
+          <a:p>
+            <a:pPr marL="285750" indent="-285750" algn="ctr">
+              <a:buFontTx/>
+              <a:buChar char="-"/>
+            </a:pPr>
+            <a:r>
+              <a:rPr lang="en-US" dirty="0" err="1">
+                <a:solidFill>
+                  <a:schemeClr val="bg1"/>
+                </a:solidFill>
+              </a:rPr>
+              <a:t>ValidaDataNascimento</a:t>
+            </a:r>
+            <a:endParaRPr lang="en-US" dirty="0">
+              <a:solidFill>
+                <a:schemeClr val="bg1"/>
+              </a:solidFill>
+            </a:endParaRPr>
+          </a:p>
         </p:txBody>
       </p:sp>
     </p:spTree>
     <p:extLst>
       <p:ext uri="{BB962C8B-B14F-4D97-AF65-F5344CB8AC3E}">
-        <p14:creationId xmlns:p14="http://schemas.microsoft.com/office/powerpoint/2010/main" val="3122504427"/>
+        <p14:creationId xmlns:p14="http://schemas.microsoft.com/office/powerpoint/2010/main" val="3642839669"/>
       </p:ext>
     </p:extLst>
   </p:cSld>
@@ -5872,7 +8205,7 @@
         </p:nvSpPr>
         <p:spPr>
           <a:xfrm>
-            <a:off x="0" y="10632"/>
+            <a:off x="0" y="-1"/>
             <a:ext cx="12192000" cy="914400"/>
           </a:xfrm>
           <a:prstGeom prst="rect">
@@ -5906,7 +8239,7 @@
             </a:r>
             <a:r>
               <a:rPr lang="en-US" sz="4800" b="1" dirty="0"/>
-              <a:t>: Database</a:t>
+              <a:t>: Email</a:t>
             </a:r>
           </a:p>
         </p:txBody>
@@ -5961,6 +8294,132 @@
           </a:p>
         </p:txBody>
       </p:sp>
+      <p:sp>
+        <p:nvSpPr>
+          <p:cNvPr id="10" name="CaixaDeTexto 9">
+            <a:extLst>
+              <a:ext uri="{FF2B5EF4-FFF2-40B4-BE49-F238E27FC236}">
+                <a16:creationId xmlns:a16="http://schemas.microsoft.com/office/drawing/2014/main" id="{60F46F5F-B352-41EE-B0A8-DAC157D4F50E}"/>
+              </a:ext>
+            </a:extLst>
+          </p:cNvPr>
+          <p:cNvSpPr txBox="1"/>
+          <p:nvPr/>
+        </p:nvSpPr>
+        <p:spPr>
+          <a:xfrm>
+            <a:off x="3352800" y="1297172"/>
+            <a:ext cx="5486400" cy="707886"/>
+          </a:xfrm>
+          <a:prstGeom prst="rect">
+            <a:avLst/>
+          </a:prstGeom>
+          <a:noFill/>
+        </p:spPr>
+        <p:txBody>
+          <a:bodyPr wrap="square" rtlCol="0">
+            <a:spAutoFit/>
+          </a:bodyPr>
+          <a:lstStyle/>
+          <a:p>
+            <a:pPr algn="ctr"/>
+            <a:r>
+              <a:rPr lang="en-US" sz="4000" dirty="0">
+                <a:solidFill>
+                  <a:schemeClr val="bg1"/>
+                </a:solidFill>
+              </a:rPr>
+              <a:t>Email</a:t>
+            </a:r>
+          </a:p>
+        </p:txBody>
+      </p:sp>
+      <p:sp>
+        <p:nvSpPr>
+          <p:cNvPr id="11" name="CaixaDeTexto 10">
+            <a:extLst>
+              <a:ext uri="{FF2B5EF4-FFF2-40B4-BE49-F238E27FC236}">
+                <a16:creationId xmlns:a16="http://schemas.microsoft.com/office/drawing/2014/main" id="{89C5151E-B34D-41D9-8753-52A3AF989A3D}"/>
+              </a:ext>
+            </a:extLst>
+          </p:cNvPr>
+          <p:cNvSpPr txBox="1"/>
+          <p:nvPr/>
+        </p:nvSpPr>
+        <p:spPr>
+          <a:xfrm>
+            <a:off x="3352800" y="2562446"/>
+            <a:ext cx="5486400" cy="923330"/>
+          </a:xfrm>
+          <a:prstGeom prst="rect">
+            <a:avLst/>
+          </a:prstGeom>
+          <a:noFill/>
+        </p:spPr>
+        <p:txBody>
+          <a:bodyPr wrap="square" rtlCol="0">
+            <a:spAutoFit/>
+          </a:bodyPr>
+          <a:lstStyle/>
+          <a:p>
+            <a:pPr marL="285750" indent="-285750" algn="ctr">
+              <a:buFontTx/>
+              <a:buChar char="-"/>
+            </a:pPr>
+            <a:r>
+              <a:rPr lang="en-US" dirty="0" err="1">
+                <a:solidFill>
+                  <a:schemeClr val="bg1"/>
+                </a:solidFill>
+              </a:rPr>
+              <a:t>PreArroba</a:t>
+            </a:r>
+            <a:endParaRPr lang="en-US" dirty="0">
+              <a:solidFill>
+                <a:schemeClr val="bg1"/>
+              </a:solidFill>
+            </a:endParaRPr>
+          </a:p>
+          <a:p>
+            <a:pPr marL="285750" indent="-285750" algn="ctr">
+              <a:buFontTx/>
+              <a:buChar char="-"/>
+            </a:pPr>
+            <a:r>
+              <a:rPr lang="en-US" dirty="0" err="1">
+                <a:solidFill>
+                  <a:schemeClr val="bg1"/>
+                </a:solidFill>
+              </a:rPr>
+              <a:t>PosArroba</a:t>
+            </a:r>
+            <a:endParaRPr lang="en-US" dirty="0">
+              <a:solidFill>
+                <a:schemeClr val="bg1"/>
+              </a:solidFill>
+            </a:endParaRPr>
+          </a:p>
+          <a:p>
+            <a:pPr marL="285750" indent="-285750" algn="ctr">
+              <a:buFontTx/>
+              <a:buChar char="-"/>
+            </a:pPr>
+            <a:r>
+              <a:rPr lang="en-US" dirty="0" err="1">
+                <a:solidFill>
+                  <a:schemeClr val="bg1"/>
+                </a:solidFill>
+              </a:rPr>
+              <a:t>Plataforma</a:t>
+            </a:r>
+            <a:endParaRPr lang="en-US" dirty="0">
+              <a:solidFill>
+                <a:schemeClr val="bg1"/>
+              </a:solidFill>
+            </a:endParaRPr>
+          </a:p>
+        </p:txBody>
+      </p:sp>
       <p:cxnSp>
         <p:nvCxnSpPr>
           <p:cNvPr id="13" name="Conector reto 12">
@@ -5971,13 +8430,14 @@
             </a:extLst>
           </p:cNvPr>
           <p:cNvCxnSpPr>
-            <a:cxnSpLocks/>
+            <a:stCxn id="8" idx="1"/>
+            <a:endCxn id="8" idx="3"/>
           </p:cNvCxnSpPr>
           <p:nvPr/>
         </p:nvCxnSpPr>
         <p:spPr>
           <a:xfrm>
-            <a:off x="3352800" y="4710223"/>
+            <a:off x="3352800" y="3934045"/>
             <a:ext cx="5486400" cy="0"/>
           </a:xfrm>
           <a:prstGeom prst="line">
@@ -6001,10 +8461,10 @@
       </p:cxnSp>
       <p:sp>
         <p:nvSpPr>
-          <p:cNvPr id="5" name="CaixaDeTexto 4">
-            <a:extLst>
-              <a:ext uri="{FF2B5EF4-FFF2-40B4-BE49-F238E27FC236}">
-                <a16:creationId xmlns:a16="http://schemas.microsoft.com/office/drawing/2014/main" id="{0212C14D-AC41-49EC-AE63-641DB9129437}"/>
+          <p:cNvPr id="7" name="CaixaDeTexto 6">
+            <a:extLst>
+              <a:ext uri="{FF2B5EF4-FFF2-40B4-BE49-F238E27FC236}">
+                <a16:creationId xmlns:a16="http://schemas.microsoft.com/office/drawing/2014/main" id="{A82CFC14-25F5-4E8C-B495-FB6FA69864DE}"/>
               </a:ext>
             </a:extLst>
           </p:cNvPr>
@@ -6013,8 +8473,8 @@
         </p:nvSpPr>
         <p:spPr>
           <a:xfrm>
-            <a:off x="3352800" y="1297172"/>
-            <a:ext cx="5486400" cy="707886"/>
+            <a:off x="3352800" y="4382315"/>
+            <a:ext cx="5486400" cy="1754326"/>
           </a:xfrm>
           <a:prstGeom prst="rect">
             <a:avLst/>
@@ -6027,127 +8487,17 @@
           </a:bodyPr>
           <a:lstStyle/>
           <a:p>
-            <a:pPr algn="ctr"/>
-            <a:r>
-              <a:rPr lang="en-US" sz="4000" dirty="0">
-                <a:solidFill>
-                  <a:schemeClr val="bg1"/>
-                </a:solidFill>
-              </a:rPr>
-              <a:t>Database</a:t>
-            </a:r>
-          </a:p>
-        </p:txBody>
-      </p:sp>
-      <p:sp>
-        <p:nvSpPr>
-          <p:cNvPr id="6" name="CaixaDeTexto 5">
-            <a:extLst>
-              <a:ext uri="{FF2B5EF4-FFF2-40B4-BE49-F238E27FC236}">
-                <a16:creationId xmlns:a16="http://schemas.microsoft.com/office/drawing/2014/main" id="{AD57D7D4-D609-4B55-8AB1-0C33379D4373}"/>
-              </a:ext>
-            </a:extLst>
-          </p:cNvPr>
-          <p:cNvSpPr txBox="1"/>
-          <p:nvPr/>
-        </p:nvSpPr>
-        <p:spPr>
-          <a:xfrm>
-            <a:off x="3352800" y="2374427"/>
-            <a:ext cx="5486400" cy="2031325"/>
-          </a:xfrm>
-          <a:prstGeom prst="rect">
-            <a:avLst/>
-          </a:prstGeom>
-          <a:noFill/>
-        </p:spPr>
-        <p:txBody>
-          <a:bodyPr wrap="square" rtlCol="0">
-            <a:spAutoFit/>
-          </a:bodyPr>
-          <a:lstStyle/>
-          <a:p>
             <a:pPr marL="285750" indent="-285750" algn="ctr">
               <a:buFontTx/>
               <a:buChar char="-"/>
             </a:pPr>
             <a:r>
-              <a:rPr lang="en-US" dirty="0">
-                <a:solidFill>
-                  <a:schemeClr val="bg1"/>
-                </a:solidFill>
-              </a:rPr>
-              <a:t>Porta</a:t>
-            </a:r>
-          </a:p>
-          <a:p>
-            <a:pPr marL="285750" indent="-285750" algn="ctr">
-              <a:buFontTx/>
-              <a:buChar char="-"/>
-            </a:pPr>
-            <a:r>
-              <a:rPr lang="en-US" dirty="0">
-                <a:solidFill>
-                  <a:schemeClr val="bg1"/>
-                </a:solidFill>
-              </a:rPr>
-              <a:t>Host</a:t>
-            </a:r>
-          </a:p>
-          <a:p>
-            <a:pPr marL="285750" indent="-285750" algn="ctr">
-              <a:buFontTx/>
-              <a:buChar char="-"/>
-            </a:pPr>
-            <a:r>
-              <a:rPr lang="en-US" dirty="0">
-                <a:solidFill>
-                  <a:schemeClr val="bg1"/>
-                </a:solidFill>
-              </a:rPr>
-              <a:t>User</a:t>
-            </a:r>
-          </a:p>
-          <a:p>
-            <a:pPr marL="285750" indent="-285750" algn="ctr">
-              <a:buFontTx/>
-              <a:buChar char="-"/>
-            </a:pPr>
-            <a:r>
-              <a:rPr lang="en-US" dirty="0">
-                <a:solidFill>
-                  <a:schemeClr val="bg1"/>
-                </a:solidFill>
-              </a:rPr>
-              <a:t>Name</a:t>
-            </a:r>
-          </a:p>
-          <a:p>
-            <a:pPr marL="285750" indent="-285750" algn="ctr">
-              <a:buFontTx/>
-              <a:buChar char="-"/>
-            </a:pPr>
-            <a:r>
-              <a:rPr lang="en-US" dirty="0">
-                <a:solidFill>
-                  <a:schemeClr val="bg1"/>
-                </a:solidFill>
-              </a:rPr>
-              <a:t>Database</a:t>
-            </a:r>
-          </a:p>
-          <a:p>
-            <a:pPr marL="285750" indent="-285750" algn="ctr">
-              <a:buFontTx/>
-              <a:buChar char="-"/>
-            </a:pPr>
-            <a:r>
               <a:rPr lang="en-US" dirty="0" err="1">
                 <a:solidFill>
                   <a:schemeClr val="bg1"/>
                 </a:solidFill>
               </a:rPr>
-              <a:t>CursorClass</a:t>
+              <a:t>TrataPreArroba</a:t>
             </a:r>
             <a:endParaRPr lang="en-US" dirty="0">
               <a:solidFill>
@@ -6161,55 +8511,12 @@
               <a:buChar char="-"/>
             </a:pPr>
             <a:r>
-              <a:rPr lang="en-US" dirty="0">
-                <a:solidFill>
-                  <a:schemeClr val="bg1"/>
-                </a:solidFill>
-              </a:rPr>
-              <a:t>Charset</a:t>
-            </a:r>
-          </a:p>
-        </p:txBody>
-      </p:sp>
-      <p:sp>
-        <p:nvSpPr>
-          <p:cNvPr id="7" name="CaixaDeTexto 6">
-            <a:extLst>
-              <a:ext uri="{FF2B5EF4-FFF2-40B4-BE49-F238E27FC236}">
-                <a16:creationId xmlns:a16="http://schemas.microsoft.com/office/drawing/2014/main" id="{C1BAC4BC-0F1A-4C39-B300-767AD1F4D33B}"/>
-              </a:ext>
-            </a:extLst>
-          </p:cNvPr>
-          <p:cNvSpPr txBox="1"/>
-          <p:nvPr/>
-        </p:nvSpPr>
-        <p:spPr>
-          <a:xfrm>
-            <a:off x="3352800" y="5237662"/>
-            <a:ext cx="5486400" cy="646331"/>
-          </a:xfrm>
-          <a:prstGeom prst="rect">
-            <a:avLst/>
-          </a:prstGeom>
-          <a:noFill/>
-        </p:spPr>
-        <p:txBody>
-          <a:bodyPr wrap="square" rtlCol="0">
-            <a:spAutoFit/>
-          </a:bodyPr>
-          <a:lstStyle/>
-          <a:p>
-            <a:pPr marL="285750" indent="-285750" algn="ctr">
-              <a:buFontTx/>
-              <a:buChar char="-"/>
-            </a:pPr>
-            <a:r>
               <a:rPr lang="en-US" dirty="0" err="1">
                 <a:solidFill>
                   <a:schemeClr val="bg1"/>
                 </a:solidFill>
               </a:rPr>
-              <a:t>BuscaRegistro</a:t>
+              <a:t>ValidaPreArroba</a:t>
             </a:r>
             <a:endParaRPr lang="en-US" dirty="0">
               <a:solidFill>
@@ -6228,7 +8535,7 @@
                   <a:schemeClr val="bg1"/>
                 </a:solidFill>
               </a:rPr>
-              <a:t>InsereRegistro</a:t>
+              <a:t>TrataPosArroba</a:t>
             </a:r>
             <a:endParaRPr lang="en-US" dirty="0">
               <a:solidFill>
@@ -6236,12 +8543,69 @@
               </a:solidFill>
             </a:endParaRPr>
           </a:p>
+          <a:p>
+            <a:pPr marL="285750" indent="-285750" algn="ctr">
+              <a:buFontTx/>
+              <a:buChar char="-"/>
+            </a:pPr>
+            <a:r>
+              <a:rPr lang="en-US" dirty="0" err="1">
+                <a:solidFill>
+                  <a:schemeClr val="bg1"/>
+                </a:solidFill>
+              </a:rPr>
+              <a:t>ValidaPosArroba</a:t>
+            </a:r>
+            <a:endParaRPr lang="en-US" dirty="0">
+              <a:solidFill>
+                <a:schemeClr val="bg1"/>
+              </a:solidFill>
+            </a:endParaRPr>
+          </a:p>
+          <a:p>
+            <a:pPr marL="285750" indent="-285750" algn="ctr">
+              <a:buFontTx/>
+              <a:buChar char="-"/>
+            </a:pPr>
+            <a:r>
+              <a:rPr lang="en-US" dirty="0" err="1">
+                <a:solidFill>
+                  <a:schemeClr val="bg1"/>
+                </a:solidFill>
+              </a:rPr>
+              <a:t>Plataforma</a:t>
+            </a:r>
+            <a:endParaRPr lang="en-US" dirty="0">
+              <a:solidFill>
+                <a:schemeClr val="bg1"/>
+              </a:solidFill>
+            </a:endParaRPr>
+          </a:p>
+          <a:p>
+            <a:pPr marL="285750" indent="-285750" algn="ctr">
+              <a:buFontTx/>
+              <a:buChar char="-"/>
+            </a:pPr>
+            <a:r>
+              <a:rPr lang="en-US" dirty="0" err="1">
+                <a:solidFill>
+                  <a:schemeClr val="bg1"/>
+                </a:solidFill>
+              </a:rPr>
+              <a:t>ValidaPlataforma</a:t>
+            </a:r>
+            <a:endParaRPr lang="en-US" dirty="0">
+              <a:solidFill>
+                <a:schemeClr val="bg1"/>
+              </a:solidFill>
+            </a:endParaRPr>
+          </a:p>
         </p:txBody>
       </p:sp>
     </p:spTree>
     <p:extLst>
       <p:ext uri="{BB962C8B-B14F-4D97-AF65-F5344CB8AC3E}">
-        <p14:creationId xmlns:p14="http://schemas.microsoft.com/office/powerpoint/2010/main" val="140885640"/>
+        <p14:creationId xmlns:p14="http://schemas.microsoft.com/office/powerpoint/2010/main" val="253609099"/>
       </p:ext>
     </p:extLst>
   </p:cSld>
@@ -6312,24 +8676,344 @@
             <a:pPr algn="ctr"/>
             <a:r>
               <a:rPr lang="en-US" sz="4800" b="1" dirty="0" err="1"/>
-              <a:t>Fluxograma</a:t>
+              <a:t>Classe</a:t>
             </a:r>
             <a:r>
               <a:rPr lang="en-US" sz="4800" b="1" dirty="0"/>
-              <a:t> da </a:t>
+              <a:t>: </a:t>
             </a:r>
             <a:r>
               <a:rPr lang="en-US" sz="4800" b="1" dirty="0" err="1"/>
-              <a:t>aplicação</a:t>
+              <a:t>OutlookMail</a:t>
             </a:r>
             <a:endParaRPr lang="en-US" sz="4800" b="1" dirty="0"/>
+          </a:p>
+        </p:txBody>
+      </p:sp>
+      <p:sp>
+        <p:nvSpPr>
+          <p:cNvPr id="8" name="Retângulo: Cantos Arredondados 7">
+            <a:extLst>
+              <a:ext uri="{FF2B5EF4-FFF2-40B4-BE49-F238E27FC236}">
+                <a16:creationId xmlns:a16="http://schemas.microsoft.com/office/drawing/2014/main" id="{66D3D3C5-85D6-4950-ACFE-15F8C0A7478E}"/>
+              </a:ext>
+            </a:extLst>
+          </p:cNvPr>
+          <p:cNvSpPr/>
+          <p:nvPr/>
+        </p:nvSpPr>
+        <p:spPr>
+          <a:xfrm>
+            <a:off x="3352800" y="1190845"/>
+            <a:ext cx="5486400" cy="5486400"/>
+          </a:xfrm>
+          <a:prstGeom prst="roundRect">
+            <a:avLst/>
+          </a:prstGeom>
+        </p:spPr>
+        <p:style>
+          <a:lnRef idx="2">
+            <a:schemeClr val="accent1">
+              <a:shade val="50000"/>
+            </a:schemeClr>
+          </a:lnRef>
+          <a:fillRef idx="1">
+            <a:schemeClr val="accent1"/>
+          </a:fillRef>
+          <a:effectRef idx="0">
+            <a:schemeClr val="accent1"/>
+          </a:effectRef>
+          <a:fontRef idx="minor">
+            <a:schemeClr val="lt1"/>
+          </a:fontRef>
+        </p:style>
+        <p:txBody>
+          <a:bodyPr rtlCol="0" anchor="ctr"/>
+          <a:lstStyle/>
+          <a:p>
+            <a:pPr algn="ctr"/>
+            <a:endParaRPr lang="en-US" dirty="0">
+              <a:solidFill>
+                <a:schemeClr val="bg1"/>
+              </a:solidFill>
+            </a:endParaRPr>
+          </a:p>
+        </p:txBody>
+      </p:sp>
+      <p:cxnSp>
+        <p:nvCxnSpPr>
+          <p:cNvPr id="13" name="Conector reto 12">
+            <a:extLst>
+              <a:ext uri="{FF2B5EF4-FFF2-40B4-BE49-F238E27FC236}">
+                <a16:creationId xmlns:a16="http://schemas.microsoft.com/office/drawing/2014/main" id="{295AA056-CE0A-476E-BB73-0EB04C2B2DE3}"/>
+              </a:ext>
+            </a:extLst>
+          </p:cNvPr>
+          <p:cNvCxnSpPr>
+            <a:cxnSpLocks/>
+          </p:cNvCxnSpPr>
+          <p:nvPr/>
+        </p:nvCxnSpPr>
+        <p:spPr>
+          <a:xfrm>
+            <a:off x="3352800" y="4880343"/>
+            <a:ext cx="5486400" cy="0"/>
+          </a:xfrm>
+          <a:prstGeom prst="line">
+            <a:avLst/>
+          </a:prstGeom>
+        </p:spPr>
+        <p:style>
+          <a:lnRef idx="1">
+            <a:schemeClr val="dk1"/>
+          </a:lnRef>
+          <a:fillRef idx="0">
+            <a:schemeClr val="dk1"/>
+          </a:fillRef>
+          <a:effectRef idx="0">
+            <a:schemeClr val="dk1"/>
+          </a:effectRef>
+          <a:fontRef idx="minor">
+            <a:schemeClr val="tx1"/>
+          </a:fontRef>
+        </p:style>
+      </p:cxnSp>
+      <p:sp>
+        <p:nvSpPr>
+          <p:cNvPr id="5" name="CaixaDeTexto 4">
+            <a:extLst>
+              <a:ext uri="{FF2B5EF4-FFF2-40B4-BE49-F238E27FC236}">
+                <a16:creationId xmlns:a16="http://schemas.microsoft.com/office/drawing/2014/main" id="{0212C14D-AC41-49EC-AE63-641DB9129437}"/>
+              </a:ext>
+            </a:extLst>
+          </p:cNvPr>
+          <p:cNvSpPr txBox="1"/>
+          <p:nvPr/>
+        </p:nvSpPr>
+        <p:spPr>
+          <a:xfrm>
+            <a:off x="3352800" y="1297172"/>
+            <a:ext cx="5486400" cy="707886"/>
+          </a:xfrm>
+          <a:prstGeom prst="rect">
+            <a:avLst/>
+          </a:prstGeom>
+          <a:noFill/>
+        </p:spPr>
+        <p:txBody>
+          <a:bodyPr wrap="square" rtlCol="0">
+            <a:spAutoFit/>
+          </a:bodyPr>
+          <a:lstStyle/>
+          <a:p>
+            <a:pPr algn="ctr"/>
+            <a:r>
+              <a:rPr lang="en-US" sz="4000" dirty="0">
+                <a:solidFill>
+                  <a:schemeClr val="bg1"/>
+                </a:solidFill>
+              </a:rPr>
+              <a:t>Email</a:t>
+            </a:r>
+          </a:p>
+        </p:txBody>
+      </p:sp>
+      <p:sp>
+        <p:nvSpPr>
+          <p:cNvPr id="6" name="CaixaDeTexto 5">
+            <a:extLst>
+              <a:ext uri="{FF2B5EF4-FFF2-40B4-BE49-F238E27FC236}">
+                <a16:creationId xmlns:a16="http://schemas.microsoft.com/office/drawing/2014/main" id="{AD57D7D4-D609-4B55-8AB1-0C33379D4373}"/>
+              </a:ext>
+            </a:extLst>
+          </p:cNvPr>
+          <p:cNvSpPr txBox="1"/>
+          <p:nvPr/>
+        </p:nvSpPr>
+        <p:spPr>
+          <a:xfrm>
+            <a:off x="3352800" y="2772379"/>
+            <a:ext cx="5486400" cy="1477328"/>
+          </a:xfrm>
+          <a:prstGeom prst="rect">
+            <a:avLst/>
+          </a:prstGeom>
+          <a:noFill/>
+        </p:spPr>
+        <p:txBody>
+          <a:bodyPr wrap="square" rtlCol="0">
+            <a:spAutoFit/>
+          </a:bodyPr>
+          <a:lstStyle/>
+          <a:p>
+            <a:pPr marL="285750" indent="-285750" algn="ctr">
+              <a:buFontTx/>
+              <a:buChar char="-"/>
+            </a:pPr>
+            <a:r>
+              <a:rPr lang="en-US" dirty="0" err="1">
+                <a:solidFill>
+                  <a:schemeClr val="bg1"/>
+                </a:solidFill>
+              </a:rPr>
+              <a:t>Assunto</a:t>
+            </a:r>
+            <a:endParaRPr lang="en-US" dirty="0">
+              <a:solidFill>
+                <a:schemeClr val="bg1"/>
+              </a:solidFill>
+            </a:endParaRPr>
+          </a:p>
+          <a:p>
+            <a:pPr marL="285750" indent="-285750" algn="ctr">
+              <a:buFontTx/>
+              <a:buChar char="-"/>
+            </a:pPr>
+            <a:r>
+              <a:rPr lang="en-US" dirty="0" err="1">
+                <a:solidFill>
+                  <a:schemeClr val="bg1"/>
+                </a:solidFill>
+              </a:rPr>
+              <a:t>Origem</a:t>
+            </a:r>
+            <a:endParaRPr lang="en-US" dirty="0">
+              <a:solidFill>
+                <a:schemeClr val="bg1"/>
+              </a:solidFill>
+            </a:endParaRPr>
+          </a:p>
+          <a:p>
+            <a:pPr marL="285750" indent="-285750" algn="ctr">
+              <a:buFontTx/>
+              <a:buChar char="-"/>
+            </a:pPr>
+            <a:r>
+              <a:rPr lang="en-US" dirty="0" err="1">
+                <a:solidFill>
+                  <a:schemeClr val="bg1"/>
+                </a:solidFill>
+              </a:rPr>
+              <a:t>Destinatário</a:t>
+            </a:r>
+            <a:endParaRPr lang="en-US" dirty="0">
+              <a:solidFill>
+                <a:schemeClr val="bg1"/>
+              </a:solidFill>
+            </a:endParaRPr>
+          </a:p>
+          <a:p>
+            <a:pPr marL="285750" indent="-285750" algn="ctr">
+              <a:buFontTx/>
+              <a:buChar char="-"/>
+            </a:pPr>
+            <a:r>
+              <a:rPr lang="en-US" dirty="0" err="1">
+                <a:solidFill>
+                  <a:schemeClr val="bg1"/>
+                </a:solidFill>
+              </a:rPr>
+              <a:t>Corpo</a:t>
+            </a:r>
+            <a:endParaRPr lang="en-US" dirty="0">
+              <a:solidFill>
+                <a:schemeClr val="bg1"/>
+              </a:solidFill>
+            </a:endParaRPr>
+          </a:p>
+          <a:p>
+            <a:pPr marL="285750" indent="-285750" algn="ctr">
+              <a:buFontTx/>
+              <a:buChar char="-"/>
+            </a:pPr>
+            <a:r>
+              <a:rPr lang="en-US" dirty="0">
+                <a:solidFill>
+                  <a:schemeClr val="bg1"/>
+                </a:solidFill>
+              </a:rPr>
+              <a:t>SMPT Server</a:t>
+            </a:r>
+          </a:p>
+        </p:txBody>
+      </p:sp>
+      <p:sp>
+        <p:nvSpPr>
+          <p:cNvPr id="7" name="CaixaDeTexto 6">
+            <a:extLst>
+              <a:ext uri="{FF2B5EF4-FFF2-40B4-BE49-F238E27FC236}">
+                <a16:creationId xmlns:a16="http://schemas.microsoft.com/office/drawing/2014/main" id="{D94CC84C-1387-400A-9A5E-54007618BFFB}"/>
+              </a:ext>
+            </a:extLst>
+          </p:cNvPr>
+          <p:cNvSpPr txBox="1"/>
+          <p:nvPr/>
+        </p:nvSpPr>
+        <p:spPr>
+          <a:xfrm>
+            <a:off x="3352800" y="5191496"/>
+            <a:ext cx="5486400" cy="646331"/>
+          </a:xfrm>
+          <a:prstGeom prst="rect">
+            <a:avLst/>
+          </a:prstGeom>
+          <a:noFill/>
+        </p:spPr>
+        <p:txBody>
+          <a:bodyPr wrap="square" rtlCol="0">
+            <a:spAutoFit/>
+          </a:bodyPr>
+          <a:lstStyle/>
+          <a:p>
+            <a:pPr marL="285750" indent="-285750" algn="ctr">
+              <a:buFontTx/>
+              <a:buChar char="-"/>
+            </a:pPr>
+            <a:r>
+              <a:rPr lang="en-US" dirty="0" err="1">
+                <a:solidFill>
+                  <a:schemeClr val="bg1"/>
+                </a:solidFill>
+              </a:rPr>
+              <a:t>Enviar</a:t>
+            </a:r>
+            <a:r>
+              <a:rPr lang="en-US" dirty="0">
+                <a:solidFill>
+                  <a:schemeClr val="bg1"/>
+                </a:solidFill>
+              </a:rPr>
+              <a:t> e-mail</a:t>
+            </a:r>
+          </a:p>
+          <a:p>
+            <a:pPr marL="285750" indent="-285750" algn="ctr">
+              <a:buFontTx/>
+              <a:buChar char="-"/>
+            </a:pPr>
+            <a:r>
+              <a:rPr lang="en-US" dirty="0" err="1">
+                <a:solidFill>
+                  <a:schemeClr val="bg1"/>
+                </a:solidFill>
+              </a:rPr>
+              <a:t>Retorna</a:t>
+            </a:r>
+            <a:r>
+              <a:rPr lang="en-US" dirty="0">
+                <a:solidFill>
+                  <a:schemeClr val="bg1"/>
+                </a:solidFill>
+              </a:rPr>
+              <a:t> Log</a:t>
+            </a:r>
           </a:p>
         </p:txBody>
       </p:sp>
     </p:spTree>
     <p:extLst>
       <p:ext uri="{BB962C8B-B14F-4D97-AF65-F5344CB8AC3E}">
-        <p14:creationId xmlns:p14="http://schemas.microsoft.com/office/powerpoint/2010/main" val="2347762253"/>
+        <p14:creationId xmlns:p14="http://schemas.microsoft.com/office/powerpoint/2010/main" val="1260468192"/>
       </p:ext>
     </p:extLst>
   </p:cSld>
@@ -6635,6 +9319,21 @@
 </file>
 
 <file path=customXml/item1.xml><?xml version="1.0" encoding="utf-8"?>
+<p:properties xmlns:p="http://schemas.microsoft.com/office/2006/metadata/properties" xmlns:xsi="http://www.w3.org/2001/XMLSchema-instance" xmlns:pc="http://schemas.microsoft.com/office/infopath/2007/PartnerControls">
+  <documentManagement/>
+</p:properties>
+</file>
+
+<file path=customXml/item2.xml><?xml version="1.0" encoding="utf-8"?>
+<?mso-contentType ?>
+<FormTemplates xmlns="http://schemas.microsoft.com/sharepoint/v3/contenttype/forms">
+  <Display>DocumentLibraryForm</Display>
+  <Edit>DocumentLibraryForm</Edit>
+  <New>DocumentLibraryForm</New>
+</FormTemplates>
+</file>
+
+<file path=customXml/item3.xml><?xml version="1.0" encoding="utf-8"?>
 <ct:contentTypeSchema xmlns:ct="http://schemas.microsoft.com/office/2006/metadata/contentType" xmlns:ma="http://schemas.microsoft.com/office/2006/metadata/properties/metaAttributes" ct:_="" ma:_="" ma:contentTypeName="Document" ma:contentTypeID="0x010100C3F2F542F24BDE4A8BDD1F998CE000E0" ma:contentTypeVersion="0" ma:contentTypeDescription="Create a new document." ma:contentTypeScope="" ma:versionID="83c008e66cd718e5434bebb352930021">
   <xsd:schema xmlns:xsd="http://www.w3.org/2001/XMLSchema" xmlns:xs="http://www.w3.org/2001/XMLSchema" xmlns:p="http://schemas.microsoft.com/office/2006/metadata/properties" targetNamespace="http://schemas.microsoft.com/office/2006/metadata/properties" ma:root="true" ma:fieldsID="03894abc7ab974918b1bcad8e2aab8dc">
     <xsd:element name="properties">
@@ -6748,22 +9447,30 @@
 </ct:contentTypeSchema>
 </file>
 
-<file path=customXml/item2.xml><?xml version="1.0" encoding="utf-8"?>
-<?mso-contentType ?>
-<FormTemplates xmlns="http://schemas.microsoft.com/sharepoint/v3/contenttype/forms">
-  <Display>DocumentLibraryForm</Display>
-  <Edit>DocumentLibraryForm</Edit>
-  <New>DocumentLibraryForm</New>
-</FormTemplates>
+<file path=customXml/itemProps1.xml><?xml version="1.0" encoding="utf-8"?>
+<ds:datastoreItem xmlns:ds="http://schemas.openxmlformats.org/officeDocument/2006/customXml" ds:itemID="{D92A37AC-82B8-4757-B769-8788BA0CD134}">
+  <ds:schemaRefs>
+    <ds:schemaRef ds:uri="http://schemas.microsoft.com/office/2006/metadata/properties"/>
+    <ds:schemaRef ds:uri="http://purl.org/dc/elements/1.1/"/>
+    <ds:schemaRef ds:uri="http://schemas.microsoft.com/office/infopath/2007/PartnerControls"/>
+    <ds:schemaRef ds:uri="http://purl.org/dc/terms/"/>
+    <ds:schemaRef ds:uri="http://schemas.microsoft.com/office/2006/documentManagement/types"/>
+    <ds:schemaRef ds:uri="http://schemas.openxmlformats.org/package/2006/metadata/core-properties"/>
+    <ds:schemaRef ds:uri="http://www.w3.org/XML/1998/namespace"/>
+    <ds:schemaRef ds:uri="http://purl.org/dc/dcmitype/"/>
+  </ds:schemaRefs>
+</ds:datastoreItem>
 </file>
 
-<file path=customXml/item3.xml><?xml version="1.0" encoding="utf-8"?>
-<p:properties xmlns:p="http://schemas.microsoft.com/office/2006/metadata/properties" xmlns:xsi="http://www.w3.org/2001/XMLSchema-instance" xmlns:pc="http://schemas.microsoft.com/office/infopath/2007/PartnerControls">
-  <documentManagement/>
-</p:properties>
+<file path=customXml/itemProps2.xml><?xml version="1.0" encoding="utf-8"?>
+<ds:datastoreItem xmlns:ds="http://schemas.openxmlformats.org/officeDocument/2006/customXml" ds:itemID="{5C305631-AD9C-4BAB-B2EF-E6B08D4CD95A}">
+  <ds:schemaRefs>
+    <ds:schemaRef ds:uri="http://schemas.microsoft.com/sharepoint/v3/contenttype/forms"/>
+  </ds:schemaRefs>
+</ds:datastoreItem>
 </file>
 
-<file path=customXml/itemProps1.xml><?xml version="1.0" encoding="utf-8"?>
+<file path=customXml/itemProps3.xml><?xml version="1.0" encoding="utf-8"?>
 <ds:datastoreItem xmlns:ds="http://schemas.openxmlformats.org/officeDocument/2006/customXml" ds:itemID="{22369BFB-2BFA-4153-B86E-B451C23AA0DB}">
   <ds:schemaRefs>
     <ds:schemaRef ds:uri="http://schemas.microsoft.com/office/2006/metadata/contentType"/>
@@ -6777,27 +9484,4 @@
     <ds:schemaRef ds:uri="http://schemas.microsoft.com/office/infopath/2007/PartnerControls"/>
   </ds:schemaRefs>
 </ds:datastoreItem>
-</file>
-
-<file path=customXml/itemProps2.xml><?xml version="1.0" encoding="utf-8"?>
-<ds:datastoreItem xmlns:ds="http://schemas.openxmlformats.org/officeDocument/2006/customXml" ds:itemID="{5C305631-AD9C-4BAB-B2EF-E6B08D4CD95A}">
-  <ds:schemaRefs>
-    <ds:schemaRef ds:uri="http://schemas.microsoft.com/sharepoint/v3/contenttype/forms"/>
-  </ds:schemaRefs>
-</ds:datastoreItem>
-</file>
-
-<file path=customXml/itemProps3.xml><?xml version="1.0" encoding="utf-8"?>
-<ds:datastoreItem xmlns:ds="http://schemas.openxmlformats.org/officeDocument/2006/customXml" ds:itemID="{D92A37AC-82B8-4757-B769-8788BA0CD134}">
-  <ds:schemaRefs>
-    <ds:schemaRef ds:uri="http://schemas.microsoft.com/office/2006/metadata/properties"/>
-    <ds:schemaRef ds:uri="http://purl.org/dc/elements/1.1/"/>
-    <ds:schemaRef ds:uri="http://schemas.microsoft.com/office/infopath/2007/PartnerControls"/>
-    <ds:schemaRef ds:uri="http://purl.org/dc/terms/"/>
-    <ds:schemaRef ds:uri="http://schemas.microsoft.com/office/2006/documentManagement/types"/>
-    <ds:schemaRef ds:uri="http://schemas.openxmlformats.org/package/2006/metadata/core-properties"/>
-    <ds:schemaRef ds:uri="http://www.w3.org/XML/1998/namespace"/>
-    <ds:schemaRef ds:uri="http://purl.org/dc/dcmitype/"/>
-  </ds:schemaRefs>
-</ds:datastoreItem>
 </file>
--- a/project/Disparador de e-mails.pptx
+++ b/project/Disparador de e-mails.pptx
@@ -9325,15 +9325,6 @@
 </file>
 
 <file path=customXml/item2.xml><?xml version="1.0" encoding="utf-8"?>
-<?mso-contentType ?>
-<FormTemplates xmlns="http://schemas.microsoft.com/sharepoint/v3/contenttype/forms">
-  <Display>DocumentLibraryForm</Display>
-  <Edit>DocumentLibraryForm</Edit>
-  <New>DocumentLibraryForm</New>
-</FormTemplates>
-</file>
-
-<file path=customXml/item3.xml><?xml version="1.0" encoding="utf-8"?>
 <ct:contentTypeSchema xmlns:ct="http://schemas.microsoft.com/office/2006/metadata/contentType" xmlns:ma="http://schemas.microsoft.com/office/2006/metadata/properties/metaAttributes" ct:_="" ma:_="" ma:contentTypeName="Document" ma:contentTypeID="0x010100C3F2F542F24BDE4A8BDD1F998CE000E0" ma:contentTypeVersion="0" ma:contentTypeDescription="Create a new document." ma:contentTypeScope="" ma:versionID="83c008e66cd718e5434bebb352930021">
   <xsd:schema xmlns:xsd="http://www.w3.org/2001/XMLSchema" xmlns:xs="http://www.w3.org/2001/XMLSchema" xmlns:p="http://schemas.microsoft.com/office/2006/metadata/properties" targetNamespace="http://schemas.microsoft.com/office/2006/metadata/properties" ma:root="true" ma:fieldsID="03894abc7ab974918b1bcad8e2aab8dc">
     <xsd:element name="properties">
@@ -9447,6 +9438,15 @@
 </ct:contentTypeSchema>
 </file>
 
+<file path=customXml/item3.xml><?xml version="1.0" encoding="utf-8"?>
+<?mso-contentType ?>
+<FormTemplates xmlns="http://schemas.microsoft.com/sharepoint/v3/contenttype/forms">
+  <Display>DocumentLibraryForm</Display>
+  <Edit>DocumentLibraryForm</Edit>
+  <New>DocumentLibraryForm</New>
+</FormTemplates>
+</file>
+
 <file path=customXml/itemProps1.xml><?xml version="1.0" encoding="utf-8"?>
 <ds:datastoreItem xmlns:ds="http://schemas.openxmlformats.org/officeDocument/2006/customXml" ds:itemID="{D92A37AC-82B8-4757-B769-8788BA0CD134}">
   <ds:schemaRefs>
@@ -9463,14 +9463,6 @@
 </file>
 
 <file path=customXml/itemProps2.xml><?xml version="1.0" encoding="utf-8"?>
-<ds:datastoreItem xmlns:ds="http://schemas.openxmlformats.org/officeDocument/2006/customXml" ds:itemID="{5C305631-AD9C-4BAB-B2EF-E6B08D4CD95A}">
-  <ds:schemaRefs>
-    <ds:schemaRef ds:uri="http://schemas.microsoft.com/sharepoint/v3/contenttype/forms"/>
-  </ds:schemaRefs>
-</ds:datastoreItem>
-</file>
-
-<file path=customXml/itemProps3.xml><?xml version="1.0" encoding="utf-8"?>
 <ds:datastoreItem xmlns:ds="http://schemas.openxmlformats.org/officeDocument/2006/customXml" ds:itemID="{22369BFB-2BFA-4153-B86E-B451C23AA0DB}">
   <ds:schemaRefs>
     <ds:schemaRef ds:uri="http://schemas.microsoft.com/office/2006/metadata/contentType"/>
@@ -9484,4 +9476,12 @@
     <ds:schemaRef ds:uri="http://schemas.microsoft.com/office/infopath/2007/PartnerControls"/>
   </ds:schemaRefs>
 </ds:datastoreItem>
+</file>
+
+<file path=customXml/itemProps3.xml><?xml version="1.0" encoding="utf-8"?>
+<ds:datastoreItem xmlns:ds="http://schemas.openxmlformats.org/officeDocument/2006/customXml" ds:itemID="{5C305631-AD9C-4BAB-B2EF-E6B08D4CD95A}">
+  <ds:schemaRefs>
+    <ds:schemaRef ds:uri="http://schemas.microsoft.com/sharepoint/v3/contenttype/forms"/>
+  </ds:schemaRefs>
+</ds:datastoreItem>
 </file>
--- a/project/Disparador de e-mails.pptx
+++ b/project/Disparador de e-mails.pptx
@@ -274,7 +274,7 @@
           <a:p>
             <a:fld id="{B83CCE6F-1D0A-4071-99E3-A2D64F5A9666}" type="datetimeFigureOut">
               <a:rPr lang="en-US" smtClean="0"/>
-              <a:t>4/20/2020</a:t>
+              <a:t>4/21/2020</a:t>
             </a:fld>
             <a:endParaRPr lang="en-US"/>
           </a:p>
@@ -474,7 +474,7 @@
           <a:p>
             <a:fld id="{B83CCE6F-1D0A-4071-99E3-A2D64F5A9666}" type="datetimeFigureOut">
               <a:rPr lang="en-US" smtClean="0"/>
-              <a:t>4/20/2020</a:t>
+              <a:t>4/21/2020</a:t>
             </a:fld>
             <a:endParaRPr lang="en-US"/>
           </a:p>
@@ -684,7 +684,7 @@
           <a:p>
             <a:fld id="{B83CCE6F-1D0A-4071-99E3-A2D64F5A9666}" type="datetimeFigureOut">
               <a:rPr lang="en-US" smtClean="0"/>
-              <a:t>4/20/2020</a:t>
+              <a:t>4/21/2020</a:t>
             </a:fld>
             <a:endParaRPr lang="en-US"/>
           </a:p>
@@ -884,7 +884,7 @@
           <a:p>
             <a:fld id="{B83CCE6F-1D0A-4071-99E3-A2D64F5A9666}" type="datetimeFigureOut">
               <a:rPr lang="en-US" smtClean="0"/>
-              <a:t>4/20/2020</a:t>
+              <a:t>4/21/2020</a:t>
             </a:fld>
             <a:endParaRPr lang="en-US"/>
           </a:p>
@@ -1160,7 +1160,7 @@
           <a:p>
             <a:fld id="{B83CCE6F-1D0A-4071-99E3-A2D64F5A9666}" type="datetimeFigureOut">
               <a:rPr lang="en-US" smtClean="0"/>
-              <a:t>4/20/2020</a:t>
+              <a:t>4/21/2020</a:t>
             </a:fld>
             <a:endParaRPr lang="en-US"/>
           </a:p>
@@ -1428,7 +1428,7 @@
           <a:p>
             <a:fld id="{B83CCE6F-1D0A-4071-99E3-A2D64F5A9666}" type="datetimeFigureOut">
               <a:rPr lang="en-US" smtClean="0"/>
-              <a:t>4/20/2020</a:t>
+              <a:t>4/21/2020</a:t>
             </a:fld>
             <a:endParaRPr lang="en-US"/>
           </a:p>
@@ -1843,7 +1843,7 @@
           <a:p>
             <a:fld id="{B83CCE6F-1D0A-4071-99E3-A2D64F5A9666}" type="datetimeFigureOut">
               <a:rPr lang="en-US" smtClean="0"/>
-              <a:t>4/20/2020</a:t>
+              <a:t>4/21/2020</a:t>
             </a:fld>
             <a:endParaRPr lang="en-US"/>
           </a:p>
@@ -1985,7 +1985,7 @@
           <a:p>
             <a:fld id="{B83CCE6F-1D0A-4071-99E3-A2D64F5A9666}" type="datetimeFigureOut">
               <a:rPr lang="en-US" smtClean="0"/>
-              <a:t>4/20/2020</a:t>
+              <a:t>4/21/2020</a:t>
             </a:fld>
             <a:endParaRPr lang="en-US"/>
           </a:p>
@@ -2098,7 +2098,7 @@
           <a:p>
             <a:fld id="{B83CCE6F-1D0A-4071-99E3-A2D64F5A9666}" type="datetimeFigureOut">
               <a:rPr lang="en-US" smtClean="0"/>
-              <a:t>4/20/2020</a:t>
+              <a:t>4/21/2020</a:t>
             </a:fld>
             <a:endParaRPr lang="en-US"/>
           </a:p>
@@ -2411,7 +2411,7 @@
           <a:p>
             <a:fld id="{B83CCE6F-1D0A-4071-99E3-A2D64F5A9666}" type="datetimeFigureOut">
               <a:rPr lang="en-US" smtClean="0"/>
-              <a:t>4/20/2020</a:t>
+              <a:t>4/21/2020</a:t>
             </a:fld>
             <a:endParaRPr lang="en-US"/>
           </a:p>
@@ -2700,7 +2700,7 @@
           <a:p>
             <a:fld id="{B83CCE6F-1D0A-4071-99E3-A2D64F5A9666}" type="datetimeFigureOut">
               <a:rPr lang="en-US" smtClean="0"/>
-              <a:t>4/20/2020</a:t>
+              <a:t>4/21/2020</a:t>
             </a:fld>
             <a:endParaRPr lang="en-US"/>
           </a:p>
@@ -2943,7 +2943,7 @@
           <a:p>
             <a:fld id="{B83CCE6F-1D0A-4071-99E3-A2D64F5A9666}" type="datetimeFigureOut">
               <a:rPr lang="en-US" smtClean="0"/>
-              <a:t>4/20/2020</a:t>
+              <a:t>4/21/2020</a:t>
             </a:fld>
             <a:endParaRPr lang="en-US"/>
           </a:p>
@@ -8349,7 +8349,7 @@
         <p:spPr>
           <a:xfrm>
             <a:off x="3352800" y="2562446"/>
-            <a:ext cx="5486400" cy="923330"/>
+            <a:ext cx="5486400" cy="1200329"/>
           </a:xfrm>
           <a:prstGeom prst="rect">
             <a:avLst/>
@@ -8361,6 +8361,25 @@
             <a:spAutoFit/>
           </a:bodyPr>
           <a:lstStyle/>
+          <a:p>
+            <a:pPr marL="285750" indent="-285750" algn="ctr">
+              <a:buFontTx/>
+              <a:buChar char="-"/>
+            </a:pPr>
+            <a:r>
+              <a:rPr lang="en-US" dirty="0" err="1">
+                <a:solidFill>
+                  <a:schemeClr val="bg1"/>
+                </a:solidFill>
+              </a:rPr>
+              <a:t>EmailCompleto</a:t>
+            </a:r>
+            <a:endParaRPr lang="en-US" dirty="0">
+              <a:solidFill>
+                <a:schemeClr val="bg1"/>
+              </a:solidFill>
+            </a:endParaRPr>
+          </a:p>
           <a:p>
             <a:pPr marL="285750" indent="-285750" algn="ctr">
               <a:buFontTx/>
@@ -8474,7 +8493,7 @@
         <p:spPr>
           <a:xfrm>
             <a:off x="3352800" y="4382315"/>
-            <a:ext cx="5486400" cy="1754326"/>
+            <a:ext cx="5486400" cy="1200329"/>
           </a:xfrm>
           <a:prstGeom prst="rect">
             <a:avLst/>
@@ -8497,7 +8516,7 @@
                   <a:schemeClr val="bg1"/>
                 </a:solidFill>
               </a:rPr>
-              <a:t>TrataPreArroba</a:t>
+              <a:t>ValidaPreArroba</a:t>
             </a:r>
             <a:endParaRPr lang="en-US" dirty="0">
               <a:solidFill>
@@ -8516,7 +8535,7 @@
                   <a:schemeClr val="bg1"/>
                 </a:solidFill>
               </a:rPr>
-              <a:t>ValidaPreArroba</a:t>
+              <a:t>ValidaEmailCompleto</a:t>
             </a:r>
             <a:endParaRPr lang="en-US" dirty="0">
               <a:solidFill>
@@ -8535,45 +8554,7 @@
                   <a:schemeClr val="bg1"/>
                 </a:solidFill>
               </a:rPr>
-              <a:t>TrataPosArroba</a:t>
-            </a:r>
-            <a:endParaRPr lang="en-US" dirty="0">
-              <a:solidFill>
-                <a:schemeClr val="bg1"/>
-              </a:solidFill>
-            </a:endParaRPr>
-          </a:p>
-          <a:p>
-            <a:pPr marL="285750" indent="-285750" algn="ctr">
-              <a:buFontTx/>
-              <a:buChar char="-"/>
-            </a:pPr>
-            <a:r>
-              <a:rPr lang="en-US" dirty="0" err="1">
-                <a:solidFill>
-                  <a:schemeClr val="bg1"/>
-                </a:solidFill>
-              </a:rPr>
               <a:t>ValidaPosArroba</a:t>
-            </a:r>
-            <a:endParaRPr lang="en-US" dirty="0">
-              <a:solidFill>
-                <a:schemeClr val="bg1"/>
-              </a:solidFill>
-            </a:endParaRPr>
-          </a:p>
-          <a:p>
-            <a:pPr marL="285750" indent="-285750" algn="ctr">
-              <a:buFontTx/>
-              <a:buChar char="-"/>
-            </a:pPr>
-            <a:r>
-              <a:rPr lang="en-US" dirty="0" err="1">
-                <a:solidFill>
-                  <a:schemeClr val="bg1"/>
-                </a:solidFill>
-              </a:rPr>
-              <a:t>Plataforma</a:t>
             </a:r>
             <a:endParaRPr lang="en-US" dirty="0">
               <a:solidFill>
@@ -9325,6 +9306,15 @@
 </file>
 
 <file path=customXml/item2.xml><?xml version="1.0" encoding="utf-8"?>
+<?mso-contentType ?>
+<FormTemplates xmlns="http://schemas.microsoft.com/sharepoint/v3/contenttype/forms">
+  <Display>DocumentLibraryForm</Display>
+  <Edit>DocumentLibraryForm</Edit>
+  <New>DocumentLibraryForm</New>
+</FormTemplates>
+</file>
+
+<file path=customXml/item3.xml><?xml version="1.0" encoding="utf-8"?>
 <ct:contentTypeSchema xmlns:ct="http://schemas.microsoft.com/office/2006/metadata/contentType" xmlns:ma="http://schemas.microsoft.com/office/2006/metadata/properties/metaAttributes" ct:_="" ma:_="" ma:contentTypeName="Document" ma:contentTypeID="0x010100C3F2F542F24BDE4A8BDD1F998CE000E0" ma:contentTypeVersion="0" ma:contentTypeDescription="Create a new document." ma:contentTypeScope="" ma:versionID="83c008e66cd718e5434bebb352930021">
   <xsd:schema xmlns:xsd="http://www.w3.org/2001/XMLSchema" xmlns:xs="http://www.w3.org/2001/XMLSchema" xmlns:p="http://schemas.microsoft.com/office/2006/metadata/properties" targetNamespace="http://schemas.microsoft.com/office/2006/metadata/properties" ma:root="true" ma:fieldsID="03894abc7ab974918b1bcad8e2aab8dc">
     <xsd:element name="properties">
@@ -9438,15 +9428,6 @@
 </ct:contentTypeSchema>
 </file>
 
-<file path=customXml/item3.xml><?xml version="1.0" encoding="utf-8"?>
-<?mso-contentType ?>
-<FormTemplates xmlns="http://schemas.microsoft.com/sharepoint/v3/contenttype/forms">
-  <Display>DocumentLibraryForm</Display>
-  <Edit>DocumentLibraryForm</Edit>
-  <New>DocumentLibraryForm</New>
-</FormTemplates>
-</file>
-
 <file path=customXml/itemProps1.xml><?xml version="1.0" encoding="utf-8"?>
 <ds:datastoreItem xmlns:ds="http://schemas.openxmlformats.org/officeDocument/2006/customXml" ds:itemID="{D92A37AC-82B8-4757-B769-8788BA0CD134}">
   <ds:schemaRefs>
@@ -9463,6 +9444,14 @@
 </file>
 
 <file path=customXml/itemProps2.xml><?xml version="1.0" encoding="utf-8"?>
+<ds:datastoreItem xmlns:ds="http://schemas.openxmlformats.org/officeDocument/2006/customXml" ds:itemID="{5C305631-AD9C-4BAB-B2EF-E6B08D4CD95A}">
+  <ds:schemaRefs>
+    <ds:schemaRef ds:uri="http://schemas.microsoft.com/sharepoint/v3/contenttype/forms"/>
+  </ds:schemaRefs>
+</ds:datastoreItem>
+</file>
+
+<file path=customXml/itemProps3.xml><?xml version="1.0" encoding="utf-8"?>
 <ds:datastoreItem xmlns:ds="http://schemas.openxmlformats.org/officeDocument/2006/customXml" ds:itemID="{22369BFB-2BFA-4153-B86E-B451C23AA0DB}">
   <ds:schemaRefs>
     <ds:schemaRef ds:uri="http://schemas.microsoft.com/office/2006/metadata/contentType"/>
@@ -9476,12 +9465,4 @@
     <ds:schemaRef ds:uri="http://schemas.microsoft.com/office/infopath/2007/PartnerControls"/>
   </ds:schemaRefs>
 </ds:datastoreItem>
-</file>
-
-<file path=customXml/itemProps3.xml><?xml version="1.0" encoding="utf-8"?>
-<ds:datastoreItem xmlns:ds="http://schemas.openxmlformats.org/officeDocument/2006/customXml" ds:itemID="{5C305631-AD9C-4BAB-B2EF-E6B08D4CD95A}">
-  <ds:schemaRefs>
-    <ds:schemaRef ds:uri="http://schemas.microsoft.com/sharepoint/v3/contenttype/forms"/>
-  </ds:schemaRefs>
-</ds:datastoreItem>
 </file>
--- a/project/Disparador de e-mails.pptx
+++ b/project/Disparador de e-mails.pptx
@@ -8737,7 +8737,7 @@
         </p:nvCxnSpPr>
         <p:spPr>
           <a:xfrm>
-            <a:off x="3352800" y="4880343"/>
+            <a:off x="3352800" y="5305645"/>
             <a:ext cx="5486400" cy="0"/>
           </a:xfrm>
           <a:prstGeom prst="line">
@@ -8813,8 +8813,8 @@
         </p:nvSpPr>
         <p:spPr>
           <a:xfrm>
-            <a:off x="3352800" y="2772379"/>
-            <a:ext cx="5486400" cy="1477328"/>
+            <a:off x="3352800" y="2837534"/>
+            <a:ext cx="5486400" cy="1754326"/>
           </a:xfrm>
           <a:prstGeom prst="rect">
             <a:avLst/>
@@ -8913,7 +8913,21 @@
                   <a:schemeClr val="bg1"/>
                 </a:solidFill>
               </a:rPr>
-              <a:t>SMPT Server</a:t>
+              <a:t>SMP Server</a:t>
+            </a:r>
+          </a:p>
+          <a:p>
+            <a:pPr marL="285750" indent="-285750" algn="ctr">
+              <a:buFontTx/>
+              <a:buChar char="-"/>
+            </a:pPr>
+            <a:r>
+              <a:rPr lang="en-US" dirty="0">
+                <a:solidFill>
+                  <a:schemeClr val="bg1"/>
+                </a:solidFill>
+              </a:rPr>
+              <a:t>SMTP Port</a:t>
             </a:r>
           </a:p>
         </p:txBody>
@@ -8932,8 +8946,8 @@
         </p:nvSpPr>
         <p:spPr>
           <a:xfrm>
-            <a:off x="3352800" y="5191496"/>
-            <a:ext cx="5486400" cy="646331"/>
+            <a:off x="3352800" y="5594128"/>
+            <a:ext cx="5486400" cy="369332"/>
           </a:xfrm>
           <a:prstGeom prst="rect">
             <a:avLst/>
@@ -8965,28 +8979,6 @@
                 </a:solidFill>
               </a:rPr>
               <a:t> e-mail</a:t>
-            </a:r>
-          </a:p>
-          <a:p>
-            <a:pPr marL="285750" indent="-285750" algn="ctr">
-              <a:buFontTx/>
-              <a:buChar char="-"/>
-            </a:pPr>
-            <a:r>
-              <a:rPr lang="en-US" dirty="0" err="1">
-                <a:solidFill>
-                  <a:schemeClr val="bg1"/>
-                </a:solidFill>
-              </a:rPr>
-              <a:t>Retorna</a:t>
-            </a:r>
-            <a:r>
-              <a:rPr lang="en-US" dirty="0">
-                <a:solidFill>
-                  <a:schemeClr val="bg1"/>
-                </a:solidFill>
-              </a:rPr>
-              <a:t> Log</a:t>
             </a:r>
           </a:p>
         </p:txBody>
@@ -9306,15 +9298,6 @@
 </file>
 
 <file path=customXml/item2.xml><?xml version="1.0" encoding="utf-8"?>
-<?mso-contentType ?>
-<FormTemplates xmlns="http://schemas.microsoft.com/sharepoint/v3/contenttype/forms">
-  <Display>DocumentLibraryForm</Display>
-  <Edit>DocumentLibraryForm</Edit>
-  <New>DocumentLibraryForm</New>
-</FormTemplates>
-</file>
-
-<file path=customXml/item3.xml><?xml version="1.0" encoding="utf-8"?>
 <ct:contentTypeSchema xmlns:ct="http://schemas.microsoft.com/office/2006/metadata/contentType" xmlns:ma="http://schemas.microsoft.com/office/2006/metadata/properties/metaAttributes" ct:_="" ma:_="" ma:contentTypeName="Document" ma:contentTypeID="0x010100C3F2F542F24BDE4A8BDD1F998CE000E0" ma:contentTypeVersion="0" ma:contentTypeDescription="Create a new document." ma:contentTypeScope="" ma:versionID="83c008e66cd718e5434bebb352930021">
   <xsd:schema xmlns:xsd="http://www.w3.org/2001/XMLSchema" xmlns:xs="http://www.w3.org/2001/XMLSchema" xmlns:p="http://schemas.microsoft.com/office/2006/metadata/properties" targetNamespace="http://schemas.microsoft.com/office/2006/metadata/properties" ma:root="true" ma:fieldsID="03894abc7ab974918b1bcad8e2aab8dc">
     <xsd:element name="properties">
@@ -9428,6 +9411,15 @@
 </ct:contentTypeSchema>
 </file>
 
+<file path=customXml/item3.xml><?xml version="1.0" encoding="utf-8"?>
+<?mso-contentType ?>
+<FormTemplates xmlns="http://schemas.microsoft.com/sharepoint/v3/contenttype/forms">
+  <Display>DocumentLibraryForm</Display>
+  <Edit>DocumentLibraryForm</Edit>
+  <New>DocumentLibraryForm</New>
+</FormTemplates>
+</file>
+
 <file path=customXml/itemProps1.xml><?xml version="1.0" encoding="utf-8"?>
 <ds:datastoreItem xmlns:ds="http://schemas.openxmlformats.org/officeDocument/2006/customXml" ds:itemID="{D92A37AC-82B8-4757-B769-8788BA0CD134}">
   <ds:schemaRefs>
@@ -9444,14 +9436,6 @@
 </file>
 
 <file path=customXml/itemProps2.xml><?xml version="1.0" encoding="utf-8"?>
-<ds:datastoreItem xmlns:ds="http://schemas.openxmlformats.org/officeDocument/2006/customXml" ds:itemID="{5C305631-AD9C-4BAB-B2EF-E6B08D4CD95A}">
-  <ds:schemaRefs>
-    <ds:schemaRef ds:uri="http://schemas.microsoft.com/sharepoint/v3/contenttype/forms"/>
-  </ds:schemaRefs>
-</ds:datastoreItem>
-</file>
-
-<file path=customXml/itemProps3.xml><?xml version="1.0" encoding="utf-8"?>
 <ds:datastoreItem xmlns:ds="http://schemas.openxmlformats.org/officeDocument/2006/customXml" ds:itemID="{22369BFB-2BFA-4153-B86E-B451C23AA0DB}">
   <ds:schemaRefs>
     <ds:schemaRef ds:uri="http://schemas.microsoft.com/office/2006/metadata/contentType"/>
@@ -9465,4 +9449,12 @@
     <ds:schemaRef ds:uri="http://schemas.microsoft.com/office/infopath/2007/PartnerControls"/>
   </ds:schemaRefs>
 </ds:datastoreItem>
+</file>
+
+<file path=customXml/itemProps3.xml><?xml version="1.0" encoding="utf-8"?>
+<ds:datastoreItem xmlns:ds="http://schemas.openxmlformats.org/officeDocument/2006/customXml" ds:itemID="{5C305631-AD9C-4BAB-B2EF-E6B08D4CD95A}">
+  <ds:schemaRefs>
+    <ds:schemaRef ds:uri="http://schemas.microsoft.com/sharepoint/v3/contenttype/forms"/>
+  </ds:schemaRefs>
+</ds:datastoreItem>
 </file>
--- a/project/Disparador de e-mails.pptx
+++ b/project/Disparador de e-mails.pptx
@@ -274,7 +274,7 @@
           <a:p>
             <a:fld id="{B83CCE6F-1D0A-4071-99E3-A2D64F5A9666}" type="datetimeFigureOut">
               <a:rPr lang="en-US" smtClean="0"/>
-              <a:t>4/21/2020</a:t>
+              <a:t>4/22/2020</a:t>
             </a:fld>
             <a:endParaRPr lang="en-US"/>
           </a:p>
@@ -474,7 +474,7 @@
           <a:p>
             <a:fld id="{B83CCE6F-1D0A-4071-99E3-A2D64F5A9666}" type="datetimeFigureOut">
               <a:rPr lang="en-US" smtClean="0"/>
-              <a:t>4/21/2020</a:t>
+              <a:t>4/22/2020</a:t>
             </a:fld>
             <a:endParaRPr lang="en-US"/>
           </a:p>
@@ -684,7 +684,7 @@
           <a:p>
             <a:fld id="{B83CCE6F-1D0A-4071-99E3-A2D64F5A9666}" type="datetimeFigureOut">
               <a:rPr lang="en-US" smtClean="0"/>
-              <a:t>4/21/2020</a:t>
+              <a:t>4/22/2020</a:t>
             </a:fld>
             <a:endParaRPr lang="en-US"/>
           </a:p>
@@ -884,7 +884,7 @@
           <a:p>
             <a:fld id="{B83CCE6F-1D0A-4071-99E3-A2D64F5A9666}" type="datetimeFigureOut">
               <a:rPr lang="en-US" smtClean="0"/>
-              <a:t>4/21/2020</a:t>
+              <a:t>4/22/2020</a:t>
             </a:fld>
             <a:endParaRPr lang="en-US"/>
           </a:p>
@@ -1160,7 +1160,7 @@
           <a:p>
             <a:fld id="{B83CCE6F-1D0A-4071-99E3-A2D64F5A9666}" type="datetimeFigureOut">
               <a:rPr lang="en-US" smtClean="0"/>
-              <a:t>4/21/2020</a:t>
+              <a:t>4/22/2020</a:t>
             </a:fld>
             <a:endParaRPr lang="en-US"/>
           </a:p>
@@ -1428,7 +1428,7 @@
           <a:p>
             <a:fld id="{B83CCE6F-1D0A-4071-99E3-A2D64F5A9666}" type="datetimeFigureOut">
               <a:rPr lang="en-US" smtClean="0"/>
-              <a:t>4/21/2020</a:t>
+              <a:t>4/22/2020</a:t>
             </a:fld>
             <a:endParaRPr lang="en-US"/>
           </a:p>
@@ -1843,7 +1843,7 @@
           <a:p>
             <a:fld id="{B83CCE6F-1D0A-4071-99E3-A2D64F5A9666}" type="datetimeFigureOut">
               <a:rPr lang="en-US" smtClean="0"/>
-              <a:t>4/21/2020</a:t>
+              <a:t>4/22/2020</a:t>
             </a:fld>
             <a:endParaRPr lang="en-US"/>
           </a:p>
@@ -1985,7 +1985,7 @@
           <a:p>
             <a:fld id="{B83CCE6F-1D0A-4071-99E3-A2D64F5A9666}" type="datetimeFigureOut">
               <a:rPr lang="en-US" smtClean="0"/>
-              <a:t>4/21/2020</a:t>
+              <a:t>4/22/2020</a:t>
             </a:fld>
             <a:endParaRPr lang="en-US"/>
           </a:p>
@@ -2098,7 +2098,7 @@
           <a:p>
             <a:fld id="{B83CCE6F-1D0A-4071-99E3-A2D64F5A9666}" type="datetimeFigureOut">
               <a:rPr lang="en-US" smtClean="0"/>
-              <a:t>4/21/2020</a:t>
+              <a:t>4/22/2020</a:t>
             </a:fld>
             <a:endParaRPr lang="en-US"/>
           </a:p>
@@ -2411,7 +2411,7 @@
           <a:p>
             <a:fld id="{B83CCE6F-1D0A-4071-99E3-A2D64F5A9666}" type="datetimeFigureOut">
               <a:rPr lang="en-US" smtClean="0"/>
-              <a:t>4/21/2020</a:t>
+              <a:t>4/22/2020</a:t>
             </a:fld>
             <a:endParaRPr lang="en-US"/>
           </a:p>
@@ -2700,7 +2700,7 @@
           <a:p>
             <a:fld id="{B83CCE6F-1D0A-4071-99E3-A2D64F5A9666}" type="datetimeFigureOut">
               <a:rPr lang="en-US" smtClean="0"/>
-              <a:t>4/21/2020</a:t>
+              <a:t>4/22/2020</a:t>
             </a:fld>
             <a:endParaRPr lang="en-US"/>
           </a:p>
@@ -2943,7 +2943,7 @@
           <a:p>
             <a:fld id="{B83CCE6F-1D0A-4071-99E3-A2D64F5A9666}" type="datetimeFigureOut">
               <a:rPr lang="en-US" smtClean="0"/>
-              <a:t>4/21/2020</a:t>
+              <a:t>4/22/2020</a:t>
             </a:fld>
             <a:endParaRPr lang="en-US"/>
           </a:p>
@@ -4757,7 +4757,7 @@
         </p:nvCxnSpPr>
         <p:spPr>
           <a:xfrm>
-            <a:off x="3352800" y="4710223"/>
+            <a:off x="3352800" y="4405752"/>
             <a:ext cx="5486400" cy="0"/>
           </a:xfrm>
           <a:prstGeom prst="line">
@@ -4899,7 +4899,7 @@
                   <a:schemeClr val="bg1"/>
                 </a:solidFill>
               </a:rPr>
-              <a:t>Name</a:t>
+              <a:t>Password</a:t>
             </a:r>
           </a:p>
           <a:p>
@@ -4965,8 +4965,8 @@
         </p:nvSpPr>
         <p:spPr>
           <a:xfrm>
-            <a:off x="3352800" y="5237662"/>
-            <a:ext cx="5486400" cy="646331"/>
+            <a:off x="3352800" y="4683665"/>
+            <a:ext cx="5486400" cy="1754326"/>
           </a:xfrm>
           <a:prstGeom prst="rect">
             <a:avLst/>
@@ -4978,6 +4978,82 @@
             <a:spAutoFit/>
           </a:bodyPr>
           <a:lstStyle/>
+          <a:p>
+            <a:pPr marL="285750" indent="-285750" algn="ctr">
+              <a:buFontTx/>
+              <a:buChar char="-"/>
+            </a:pPr>
+            <a:r>
+              <a:rPr lang="en-US" dirty="0" err="1">
+                <a:solidFill>
+                  <a:schemeClr val="bg1"/>
+                </a:solidFill>
+              </a:rPr>
+              <a:t>ConectarBase</a:t>
+            </a:r>
+            <a:endParaRPr lang="en-US" dirty="0">
+              <a:solidFill>
+                <a:schemeClr val="bg1"/>
+              </a:solidFill>
+            </a:endParaRPr>
+          </a:p>
+          <a:p>
+            <a:pPr marL="285750" indent="-285750" algn="ctr">
+              <a:buFontTx/>
+              <a:buChar char="-"/>
+            </a:pPr>
+            <a:r>
+              <a:rPr lang="en-US" dirty="0" err="1">
+                <a:solidFill>
+                  <a:schemeClr val="bg1"/>
+                </a:solidFill>
+              </a:rPr>
+              <a:t>DesconectarBase</a:t>
+            </a:r>
+            <a:endParaRPr lang="en-US" dirty="0">
+              <a:solidFill>
+                <a:schemeClr val="bg1"/>
+              </a:solidFill>
+            </a:endParaRPr>
+          </a:p>
+          <a:p>
+            <a:pPr marL="285750" indent="-285750" algn="ctr">
+              <a:buFontTx/>
+              <a:buChar char="-"/>
+            </a:pPr>
+            <a:r>
+              <a:rPr lang="en-US" dirty="0" err="1">
+                <a:solidFill>
+                  <a:schemeClr val="bg1"/>
+                </a:solidFill>
+              </a:rPr>
+              <a:t>ConectarCursor</a:t>
+            </a:r>
+            <a:endParaRPr lang="en-US" dirty="0">
+              <a:solidFill>
+                <a:schemeClr val="bg1"/>
+              </a:solidFill>
+            </a:endParaRPr>
+          </a:p>
+          <a:p>
+            <a:pPr marL="285750" indent="-285750" algn="ctr">
+              <a:buFontTx/>
+              <a:buChar char="-"/>
+            </a:pPr>
+            <a:r>
+              <a:rPr lang="en-US" dirty="0" err="1">
+                <a:solidFill>
+                  <a:schemeClr val="bg1"/>
+                </a:solidFill>
+              </a:rPr>
+              <a:t>DesconectarCursor</a:t>
+            </a:r>
+            <a:endParaRPr lang="en-US" dirty="0">
+              <a:solidFill>
+                <a:schemeClr val="bg1"/>
+              </a:solidFill>
+            </a:endParaRPr>
+          </a:p>
           <a:p>
             <a:pPr marL="285750" indent="-285750" algn="ctr">
               <a:buFontTx/>
@@ -9298,6 +9374,15 @@
 </file>
 
 <file path=customXml/item2.xml><?xml version="1.0" encoding="utf-8"?>
+<?mso-contentType ?>
+<FormTemplates xmlns="http://schemas.microsoft.com/sharepoint/v3/contenttype/forms">
+  <Display>DocumentLibraryForm</Display>
+  <Edit>DocumentLibraryForm</Edit>
+  <New>DocumentLibraryForm</New>
+</FormTemplates>
+</file>
+
+<file path=customXml/item3.xml><?xml version="1.0" encoding="utf-8"?>
 <ct:contentTypeSchema xmlns:ct="http://schemas.microsoft.com/office/2006/metadata/contentType" xmlns:ma="http://schemas.microsoft.com/office/2006/metadata/properties/metaAttributes" ct:_="" ma:_="" ma:contentTypeName="Document" ma:contentTypeID="0x010100C3F2F542F24BDE4A8BDD1F998CE000E0" ma:contentTypeVersion="0" ma:contentTypeDescription="Create a new document." ma:contentTypeScope="" ma:versionID="83c008e66cd718e5434bebb352930021">
   <xsd:schema xmlns:xsd="http://www.w3.org/2001/XMLSchema" xmlns:xs="http://www.w3.org/2001/XMLSchema" xmlns:p="http://schemas.microsoft.com/office/2006/metadata/properties" targetNamespace="http://schemas.microsoft.com/office/2006/metadata/properties" ma:root="true" ma:fieldsID="03894abc7ab974918b1bcad8e2aab8dc">
     <xsd:element name="properties">
@@ -9411,15 +9496,6 @@
 </ct:contentTypeSchema>
 </file>
 
-<file path=customXml/item3.xml><?xml version="1.0" encoding="utf-8"?>
-<?mso-contentType ?>
-<FormTemplates xmlns="http://schemas.microsoft.com/sharepoint/v3/contenttype/forms">
-  <Display>DocumentLibraryForm</Display>
-  <Edit>DocumentLibraryForm</Edit>
-  <New>DocumentLibraryForm</New>
-</FormTemplates>
-</file>
-
 <file path=customXml/itemProps1.xml><?xml version="1.0" encoding="utf-8"?>
 <ds:datastoreItem xmlns:ds="http://schemas.openxmlformats.org/officeDocument/2006/customXml" ds:itemID="{D92A37AC-82B8-4757-B769-8788BA0CD134}">
   <ds:schemaRefs>
@@ -9436,6 +9512,14 @@
 </file>
 
 <file path=customXml/itemProps2.xml><?xml version="1.0" encoding="utf-8"?>
+<ds:datastoreItem xmlns:ds="http://schemas.openxmlformats.org/officeDocument/2006/customXml" ds:itemID="{5C305631-AD9C-4BAB-B2EF-E6B08D4CD95A}">
+  <ds:schemaRefs>
+    <ds:schemaRef ds:uri="http://schemas.microsoft.com/sharepoint/v3/contenttype/forms"/>
+  </ds:schemaRefs>
+</ds:datastoreItem>
+</file>
+
+<file path=customXml/itemProps3.xml><?xml version="1.0" encoding="utf-8"?>
 <ds:datastoreItem xmlns:ds="http://schemas.openxmlformats.org/officeDocument/2006/customXml" ds:itemID="{22369BFB-2BFA-4153-B86E-B451C23AA0DB}">
   <ds:schemaRefs>
     <ds:schemaRef ds:uri="http://schemas.microsoft.com/office/2006/metadata/contentType"/>
@@ -9449,12 +9533,4 @@
     <ds:schemaRef ds:uri="http://schemas.microsoft.com/office/infopath/2007/PartnerControls"/>
   </ds:schemaRefs>
 </ds:datastoreItem>
-</file>
-
-<file path=customXml/itemProps3.xml><?xml version="1.0" encoding="utf-8"?>
-<ds:datastoreItem xmlns:ds="http://schemas.openxmlformats.org/officeDocument/2006/customXml" ds:itemID="{5C305631-AD9C-4BAB-B2EF-E6B08D4CD95A}">
-  <ds:schemaRefs>
-    <ds:schemaRef ds:uri="http://schemas.microsoft.com/sharepoint/v3/contenttype/forms"/>
-  </ds:schemaRefs>
-</ds:datastoreItem>
 </file>
--- a/project/Disparador de e-mails.pptx
+++ b/project/Disparador de e-mails.pptx
@@ -9008,57 +9008,6 @@
           </a:p>
         </p:txBody>
       </p:sp>
-      <p:sp>
-        <p:nvSpPr>
-          <p:cNvPr id="7" name="CaixaDeTexto 6">
-            <a:extLst>
-              <a:ext uri="{FF2B5EF4-FFF2-40B4-BE49-F238E27FC236}">
-                <a16:creationId xmlns:a16="http://schemas.microsoft.com/office/drawing/2014/main" id="{D94CC84C-1387-400A-9A5E-54007618BFFB}"/>
-              </a:ext>
-            </a:extLst>
-          </p:cNvPr>
-          <p:cNvSpPr txBox="1"/>
-          <p:nvPr/>
-        </p:nvSpPr>
-        <p:spPr>
-          <a:xfrm>
-            <a:off x="3352800" y="5594128"/>
-            <a:ext cx="5486400" cy="369332"/>
-          </a:xfrm>
-          <a:prstGeom prst="rect">
-            <a:avLst/>
-          </a:prstGeom>
-          <a:noFill/>
-        </p:spPr>
-        <p:txBody>
-          <a:bodyPr wrap="square" rtlCol="0">
-            <a:spAutoFit/>
-          </a:bodyPr>
-          <a:lstStyle/>
-          <a:p>
-            <a:pPr marL="285750" indent="-285750" algn="ctr">
-              <a:buFontTx/>
-              <a:buChar char="-"/>
-            </a:pPr>
-            <a:r>
-              <a:rPr lang="en-US" dirty="0" err="1">
-                <a:solidFill>
-                  <a:schemeClr val="bg1"/>
-                </a:solidFill>
-              </a:rPr>
-              <a:t>Enviar</a:t>
-            </a:r>
-            <a:r>
-              <a:rPr lang="en-US" dirty="0">
-                <a:solidFill>
-                  <a:schemeClr val="bg1"/>
-                </a:solidFill>
-              </a:rPr>
-              <a:t> e-mail</a:t>
-            </a:r>
-          </a:p>
-        </p:txBody>
-      </p:sp>
     </p:spTree>
     <p:extLst>
       <p:ext uri="{BB962C8B-B14F-4D97-AF65-F5344CB8AC3E}">
@@ -9374,15 +9323,6 @@
 </file>
 
 <file path=customXml/item2.xml><?xml version="1.0" encoding="utf-8"?>
-<?mso-contentType ?>
-<FormTemplates xmlns="http://schemas.microsoft.com/sharepoint/v3/contenttype/forms">
-  <Display>DocumentLibraryForm</Display>
-  <Edit>DocumentLibraryForm</Edit>
-  <New>DocumentLibraryForm</New>
-</FormTemplates>
-</file>
-
-<file path=customXml/item3.xml><?xml version="1.0" encoding="utf-8"?>
 <ct:contentTypeSchema xmlns:ct="http://schemas.microsoft.com/office/2006/metadata/contentType" xmlns:ma="http://schemas.microsoft.com/office/2006/metadata/properties/metaAttributes" ct:_="" ma:_="" ma:contentTypeName="Document" ma:contentTypeID="0x010100C3F2F542F24BDE4A8BDD1F998CE000E0" ma:contentTypeVersion="0" ma:contentTypeDescription="Create a new document." ma:contentTypeScope="" ma:versionID="83c008e66cd718e5434bebb352930021">
   <xsd:schema xmlns:xsd="http://www.w3.org/2001/XMLSchema" xmlns:xs="http://www.w3.org/2001/XMLSchema" xmlns:p="http://schemas.microsoft.com/office/2006/metadata/properties" targetNamespace="http://schemas.microsoft.com/office/2006/metadata/properties" ma:root="true" ma:fieldsID="03894abc7ab974918b1bcad8e2aab8dc">
     <xsd:element name="properties">
@@ -9496,6 +9436,15 @@
 </ct:contentTypeSchema>
 </file>
 
+<file path=customXml/item3.xml><?xml version="1.0" encoding="utf-8"?>
+<?mso-contentType ?>
+<FormTemplates xmlns="http://schemas.microsoft.com/sharepoint/v3/contenttype/forms">
+  <Display>DocumentLibraryForm</Display>
+  <Edit>DocumentLibraryForm</Edit>
+  <New>DocumentLibraryForm</New>
+</FormTemplates>
+</file>
+
 <file path=customXml/itemProps1.xml><?xml version="1.0" encoding="utf-8"?>
 <ds:datastoreItem xmlns:ds="http://schemas.openxmlformats.org/officeDocument/2006/customXml" ds:itemID="{D92A37AC-82B8-4757-B769-8788BA0CD134}">
   <ds:schemaRefs>
@@ -9512,14 +9461,6 @@
 </file>
 
 <file path=customXml/itemProps2.xml><?xml version="1.0" encoding="utf-8"?>
-<ds:datastoreItem xmlns:ds="http://schemas.openxmlformats.org/officeDocument/2006/customXml" ds:itemID="{5C305631-AD9C-4BAB-B2EF-E6B08D4CD95A}">
-  <ds:schemaRefs>
-    <ds:schemaRef ds:uri="http://schemas.microsoft.com/sharepoint/v3/contenttype/forms"/>
-  </ds:schemaRefs>
-</ds:datastoreItem>
-</file>
-
-<file path=customXml/itemProps3.xml><?xml version="1.0" encoding="utf-8"?>
 <ds:datastoreItem xmlns:ds="http://schemas.openxmlformats.org/officeDocument/2006/customXml" ds:itemID="{22369BFB-2BFA-4153-B86E-B451C23AA0DB}">
   <ds:schemaRefs>
     <ds:schemaRef ds:uri="http://schemas.microsoft.com/office/2006/metadata/contentType"/>
@@ -9533,4 +9474,12 @@
     <ds:schemaRef ds:uri="http://schemas.microsoft.com/office/infopath/2007/PartnerControls"/>
   </ds:schemaRefs>
 </ds:datastoreItem>
+</file>
+
+<file path=customXml/itemProps3.xml><?xml version="1.0" encoding="utf-8"?>
+<ds:datastoreItem xmlns:ds="http://schemas.openxmlformats.org/officeDocument/2006/customXml" ds:itemID="{5C305631-AD9C-4BAB-B2EF-E6B08D4CD95A}">
+  <ds:schemaRefs>
+    <ds:schemaRef ds:uri="http://schemas.microsoft.com/sharepoint/v3/contenttype/forms"/>
+  </ds:schemaRefs>
+</ds:datastoreItem>
 </file>
--- a/project/Disparador de e-mails.pptx
+++ b/project/Disparador de e-mails.pptx
@@ -18,7 +18,8 @@
     <p:sldId id="262" r:id="rId15"/>
     <p:sldId id="263" r:id="rId16"/>
     <p:sldId id="264" r:id="rId17"/>
-    <p:sldId id="265" r:id="rId18"/>
+    <p:sldId id="271" r:id="rId18"/>
+    <p:sldId id="265" r:id="rId19"/>
   </p:sldIdLst>
   <p:sldSz cx="12192000" cy="6858000"/>
   <p:notesSz cx="6858000" cy="9144000"/>
@@ -274,7 +275,7 @@
           <a:p>
             <a:fld id="{B83CCE6F-1D0A-4071-99E3-A2D64F5A9666}" type="datetimeFigureOut">
               <a:rPr lang="en-US" smtClean="0"/>
-              <a:t>4/22/2020</a:t>
+              <a:t>4/25/2020</a:t>
             </a:fld>
             <a:endParaRPr lang="en-US"/>
           </a:p>
@@ -474,7 +475,7 @@
           <a:p>
             <a:fld id="{B83CCE6F-1D0A-4071-99E3-A2D64F5A9666}" type="datetimeFigureOut">
               <a:rPr lang="en-US" smtClean="0"/>
-              <a:t>4/22/2020</a:t>
+              <a:t>4/25/2020</a:t>
             </a:fld>
             <a:endParaRPr lang="en-US"/>
           </a:p>
@@ -684,7 +685,7 @@
           <a:p>
             <a:fld id="{B83CCE6F-1D0A-4071-99E3-A2D64F5A9666}" type="datetimeFigureOut">
               <a:rPr lang="en-US" smtClean="0"/>
-              <a:t>4/22/2020</a:t>
+              <a:t>4/25/2020</a:t>
             </a:fld>
             <a:endParaRPr lang="en-US"/>
           </a:p>
@@ -884,7 +885,7 @@
           <a:p>
             <a:fld id="{B83CCE6F-1D0A-4071-99E3-A2D64F5A9666}" type="datetimeFigureOut">
               <a:rPr lang="en-US" smtClean="0"/>
-              <a:t>4/22/2020</a:t>
+              <a:t>4/25/2020</a:t>
             </a:fld>
             <a:endParaRPr lang="en-US"/>
           </a:p>
@@ -1160,7 +1161,7 @@
           <a:p>
             <a:fld id="{B83CCE6F-1D0A-4071-99E3-A2D64F5A9666}" type="datetimeFigureOut">
               <a:rPr lang="en-US" smtClean="0"/>
-              <a:t>4/22/2020</a:t>
+              <a:t>4/25/2020</a:t>
             </a:fld>
             <a:endParaRPr lang="en-US"/>
           </a:p>
@@ -1428,7 +1429,7 @@
           <a:p>
             <a:fld id="{B83CCE6F-1D0A-4071-99E3-A2D64F5A9666}" type="datetimeFigureOut">
               <a:rPr lang="en-US" smtClean="0"/>
-              <a:t>4/22/2020</a:t>
+              <a:t>4/25/2020</a:t>
             </a:fld>
             <a:endParaRPr lang="en-US"/>
           </a:p>
@@ -1843,7 +1844,7 @@
           <a:p>
             <a:fld id="{B83CCE6F-1D0A-4071-99E3-A2D64F5A9666}" type="datetimeFigureOut">
               <a:rPr lang="en-US" smtClean="0"/>
-              <a:t>4/22/2020</a:t>
+              <a:t>4/25/2020</a:t>
             </a:fld>
             <a:endParaRPr lang="en-US"/>
           </a:p>
@@ -1985,7 +1986,7 @@
           <a:p>
             <a:fld id="{B83CCE6F-1D0A-4071-99E3-A2D64F5A9666}" type="datetimeFigureOut">
               <a:rPr lang="en-US" smtClean="0"/>
-              <a:t>4/22/2020</a:t>
+              <a:t>4/25/2020</a:t>
             </a:fld>
             <a:endParaRPr lang="en-US"/>
           </a:p>
@@ -2098,7 +2099,7 @@
           <a:p>
             <a:fld id="{B83CCE6F-1D0A-4071-99E3-A2D64F5A9666}" type="datetimeFigureOut">
               <a:rPr lang="en-US" smtClean="0"/>
-              <a:t>4/22/2020</a:t>
+              <a:t>4/25/2020</a:t>
             </a:fld>
             <a:endParaRPr lang="en-US"/>
           </a:p>
@@ -2411,7 +2412,7 @@
           <a:p>
             <a:fld id="{B83CCE6F-1D0A-4071-99E3-A2D64F5A9666}" type="datetimeFigureOut">
               <a:rPr lang="en-US" smtClean="0"/>
-              <a:t>4/22/2020</a:t>
+              <a:t>4/25/2020</a:t>
             </a:fld>
             <a:endParaRPr lang="en-US"/>
           </a:p>
@@ -2700,7 +2701,7 @@
           <a:p>
             <a:fld id="{B83CCE6F-1D0A-4071-99E3-A2D64F5A9666}" type="datetimeFigureOut">
               <a:rPr lang="en-US" smtClean="0"/>
-              <a:t>4/22/2020</a:t>
+              <a:t>4/25/2020</a:t>
             </a:fld>
             <a:endParaRPr lang="en-US"/>
           </a:p>
@@ -2943,7 +2944,7 @@
           <a:p>
             <a:fld id="{B83CCE6F-1D0A-4071-99E3-A2D64F5A9666}" type="datetimeFigureOut">
               <a:rPr lang="en-US" smtClean="0"/>
-              <a:t>4/22/2020</a:t>
+              <a:t>4/25/2020</a:t>
             </a:fld>
             <a:endParaRPr lang="en-US"/>
           </a:p>
@@ -5139,6 +5140,315 @@
         <p:spPr>
           <a:xfrm>
             <a:off x="0" y="10632"/>
+            <a:ext cx="12192000" cy="914400"/>
+          </a:xfrm>
+          <a:prstGeom prst="rect">
+            <a:avLst/>
+          </a:prstGeom>
+        </p:spPr>
+        <p:style>
+          <a:lnRef idx="2">
+            <a:schemeClr val="accent1">
+              <a:shade val="50000"/>
+            </a:schemeClr>
+          </a:lnRef>
+          <a:fillRef idx="1">
+            <a:schemeClr val="accent1"/>
+          </a:fillRef>
+          <a:effectRef idx="0">
+            <a:schemeClr val="accent1"/>
+          </a:effectRef>
+          <a:fontRef idx="minor">
+            <a:schemeClr val="lt1"/>
+          </a:fontRef>
+        </p:style>
+        <p:txBody>
+          <a:bodyPr rtlCol="0" anchor="ctr"/>
+          <a:lstStyle/>
+          <a:p>
+            <a:pPr algn="ctr"/>
+            <a:r>
+              <a:rPr lang="en-US" sz="4800" b="1" dirty="0" err="1"/>
+              <a:t>Classe</a:t>
+            </a:r>
+            <a:r>
+              <a:rPr lang="en-US" sz="4800" b="1" dirty="0"/>
+              <a:t>: </a:t>
+            </a:r>
+            <a:r>
+              <a:rPr lang="en-US" sz="4800" b="1"/>
+              <a:t>ComandoSQL</a:t>
+            </a:r>
+            <a:endParaRPr lang="en-US" sz="4800" b="1" dirty="0"/>
+          </a:p>
+        </p:txBody>
+      </p:sp>
+      <p:sp>
+        <p:nvSpPr>
+          <p:cNvPr id="8" name="Retângulo: Cantos Arredondados 7">
+            <a:extLst>
+              <a:ext uri="{FF2B5EF4-FFF2-40B4-BE49-F238E27FC236}">
+                <a16:creationId xmlns:a16="http://schemas.microsoft.com/office/drawing/2014/main" id="{66D3D3C5-85D6-4950-ACFE-15F8C0A7478E}"/>
+              </a:ext>
+            </a:extLst>
+          </p:cNvPr>
+          <p:cNvSpPr/>
+          <p:nvPr/>
+        </p:nvSpPr>
+        <p:spPr>
+          <a:xfrm>
+            <a:off x="3352800" y="1190845"/>
+            <a:ext cx="5486400" cy="5486400"/>
+          </a:xfrm>
+          <a:prstGeom prst="roundRect">
+            <a:avLst/>
+          </a:prstGeom>
+        </p:spPr>
+        <p:style>
+          <a:lnRef idx="2">
+            <a:schemeClr val="accent1">
+              <a:shade val="50000"/>
+            </a:schemeClr>
+          </a:lnRef>
+          <a:fillRef idx="1">
+            <a:schemeClr val="accent1"/>
+          </a:fillRef>
+          <a:effectRef idx="0">
+            <a:schemeClr val="accent1"/>
+          </a:effectRef>
+          <a:fontRef idx="minor">
+            <a:schemeClr val="lt1"/>
+          </a:fontRef>
+        </p:style>
+        <p:txBody>
+          <a:bodyPr rtlCol="0" anchor="ctr"/>
+          <a:lstStyle/>
+          <a:p>
+            <a:pPr algn="ctr"/>
+            <a:endParaRPr lang="en-US" dirty="0">
+              <a:solidFill>
+                <a:schemeClr val="bg1"/>
+              </a:solidFill>
+            </a:endParaRPr>
+          </a:p>
+        </p:txBody>
+      </p:sp>
+      <p:cxnSp>
+        <p:nvCxnSpPr>
+          <p:cNvPr id="13" name="Conector reto 12">
+            <a:extLst>
+              <a:ext uri="{FF2B5EF4-FFF2-40B4-BE49-F238E27FC236}">
+                <a16:creationId xmlns:a16="http://schemas.microsoft.com/office/drawing/2014/main" id="{295AA056-CE0A-476E-BB73-0EB04C2B2DE3}"/>
+              </a:ext>
+            </a:extLst>
+          </p:cNvPr>
+          <p:cNvCxnSpPr>
+            <a:cxnSpLocks/>
+          </p:cNvCxnSpPr>
+          <p:nvPr/>
+        </p:nvCxnSpPr>
+        <p:spPr>
+          <a:xfrm>
+            <a:off x="3352800" y="4405752"/>
+            <a:ext cx="5486400" cy="0"/>
+          </a:xfrm>
+          <a:prstGeom prst="line">
+            <a:avLst/>
+          </a:prstGeom>
+        </p:spPr>
+        <p:style>
+          <a:lnRef idx="1">
+            <a:schemeClr val="dk1"/>
+          </a:lnRef>
+          <a:fillRef idx="0">
+            <a:schemeClr val="dk1"/>
+          </a:fillRef>
+          <a:effectRef idx="0">
+            <a:schemeClr val="dk1"/>
+          </a:effectRef>
+          <a:fontRef idx="minor">
+            <a:schemeClr val="tx1"/>
+          </a:fontRef>
+        </p:style>
+      </p:cxnSp>
+      <p:sp>
+        <p:nvSpPr>
+          <p:cNvPr id="5" name="CaixaDeTexto 4">
+            <a:extLst>
+              <a:ext uri="{FF2B5EF4-FFF2-40B4-BE49-F238E27FC236}">
+                <a16:creationId xmlns:a16="http://schemas.microsoft.com/office/drawing/2014/main" id="{0212C14D-AC41-49EC-AE63-641DB9129437}"/>
+              </a:ext>
+            </a:extLst>
+          </p:cNvPr>
+          <p:cNvSpPr txBox="1"/>
+          <p:nvPr/>
+        </p:nvSpPr>
+        <p:spPr>
+          <a:xfrm>
+            <a:off x="3352800" y="1297172"/>
+            <a:ext cx="5486400" cy="707886"/>
+          </a:xfrm>
+          <a:prstGeom prst="rect">
+            <a:avLst/>
+          </a:prstGeom>
+          <a:noFill/>
+        </p:spPr>
+        <p:txBody>
+          <a:bodyPr wrap="square" rtlCol="0">
+            <a:spAutoFit/>
+          </a:bodyPr>
+          <a:lstStyle/>
+          <a:p>
+            <a:pPr algn="ctr"/>
+            <a:r>
+              <a:rPr lang="en-US" sz="4000" dirty="0" err="1">
+                <a:solidFill>
+                  <a:schemeClr val="bg1"/>
+                </a:solidFill>
+              </a:rPr>
+              <a:t>ComandoSQL</a:t>
+            </a:r>
+            <a:endParaRPr lang="en-US" sz="4000" dirty="0">
+              <a:solidFill>
+                <a:schemeClr val="bg1"/>
+              </a:solidFill>
+            </a:endParaRPr>
+          </a:p>
+        </p:txBody>
+      </p:sp>
+      <p:sp>
+        <p:nvSpPr>
+          <p:cNvPr id="6" name="CaixaDeTexto 5">
+            <a:extLst>
+              <a:ext uri="{FF2B5EF4-FFF2-40B4-BE49-F238E27FC236}">
+                <a16:creationId xmlns:a16="http://schemas.microsoft.com/office/drawing/2014/main" id="{AD57D7D4-D609-4B55-8AB1-0C33379D4373}"/>
+              </a:ext>
+            </a:extLst>
+          </p:cNvPr>
+          <p:cNvSpPr txBox="1"/>
+          <p:nvPr/>
+        </p:nvSpPr>
+        <p:spPr>
+          <a:xfrm>
+            <a:off x="3352800" y="2374427"/>
+            <a:ext cx="5486400" cy="369332"/>
+          </a:xfrm>
+          <a:prstGeom prst="rect">
+            <a:avLst/>
+          </a:prstGeom>
+          <a:noFill/>
+        </p:spPr>
+        <p:txBody>
+          <a:bodyPr wrap="square" rtlCol="0">
+            <a:spAutoFit/>
+          </a:bodyPr>
+          <a:lstStyle/>
+          <a:p>
+            <a:pPr marL="285750" indent="-285750" algn="ctr">
+              <a:buFontTx/>
+              <a:buChar char="-"/>
+            </a:pPr>
+            <a:r>
+              <a:rPr lang="en-US" dirty="0" err="1">
+                <a:solidFill>
+                  <a:schemeClr val="bg1"/>
+                </a:solidFill>
+              </a:rPr>
+              <a:t>ComandoSQL</a:t>
+            </a:r>
+            <a:endParaRPr lang="en-US" dirty="0">
+              <a:solidFill>
+                <a:schemeClr val="bg1"/>
+              </a:solidFill>
+            </a:endParaRPr>
+          </a:p>
+        </p:txBody>
+      </p:sp>
+      <p:sp>
+        <p:nvSpPr>
+          <p:cNvPr id="7" name="CaixaDeTexto 6">
+            <a:extLst>
+              <a:ext uri="{FF2B5EF4-FFF2-40B4-BE49-F238E27FC236}">
+                <a16:creationId xmlns:a16="http://schemas.microsoft.com/office/drawing/2014/main" id="{C1BAC4BC-0F1A-4C39-B300-767AD1F4D33B}"/>
+              </a:ext>
+            </a:extLst>
+          </p:cNvPr>
+          <p:cNvSpPr txBox="1"/>
+          <p:nvPr/>
+        </p:nvSpPr>
+        <p:spPr>
+          <a:xfrm>
+            <a:off x="3352800" y="4683665"/>
+            <a:ext cx="5486400" cy="369332"/>
+          </a:xfrm>
+          <a:prstGeom prst="rect">
+            <a:avLst/>
+          </a:prstGeom>
+          <a:noFill/>
+        </p:spPr>
+        <p:txBody>
+          <a:bodyPr wrap="square" rtlCol="0">
+            <a:spAutoFit/>
+          </a:bodyPr>
+          <a:lstStyle/>
+          <a:p>
+            <a:pPr marL="285750" indent="-285750" algn="ctr">
+              <a:buFontTx/>
+              <a:buChar char="-"/>
+            </a:pPr>
+            <a:endParaRPr lang="en-US" dirty="0">
+              <a:solidFill>
+                <a:schemeClr val="bg1"/>
+              </a:solidFill>
+            </a:endParaRPr>
+          </a:p>
+        </p:txBody>
+      </p:sp>
+    </p:spTree>
+    <p:extLst>
+      <p:ext uri="{BB962C8B-B14F-4D97-AF65-F5344CB8AC3E}">
+        <p14:creationId xmlns:p14="http://schemas.microsoft.com/office/powerpoint/2010/main" val="1210570669"/>
+      </p:ext>
+    </p:extLst>
+  </p:cSld>
+  <p:clrMapOvr>
+    <a:masterClrMapping/>
+  </p:clrMapOvr>
+</p:sld>
+</file>
+
+<file path=ppt/slides/slide15.xml><?xml version="1.0" encoding="utf-8"?>
+<p:sld xmlns:a="http://schemas.openxmlformats.org/drawingml/2006/main" xmlns:r="http://schemas.openxmlformats.org/officeDocument/2006/relationships" xmlns:p="http://schemas.openxmlformats.org/presentationml/2006/main">
+  <p:cSld>
+    <p:spTree>
+      <p:nvGrpSpPr>
+        <p:cNvPr id="1" name=""/>
+        <p:cNvGrpSpPr/>
+        <p:nvPr/>
+      </p:nvGrpSpPr>
+      <p:grpSpPr>
+        <a:xfrm>
+          <a:off x="0" y="0"/>
+          <a:ext cx="0" cy="0"/>
+          <a:chOff x="0" y="0"/>
+          <a:chExt cx="0" cy="0"/>
+        </a:xfrm>
+      </p:grpSpPr>
+      <p:sp>
+        <p:nvSpPr>
+          <p:cNvPr id="4" name="Retângulo 3">
+            <a:extLst>
+              <a:ext uri="{FF2B5EF4-FFF2-40B4-BE49-F238E27FC236}">
+                <a16:creationId xmlns:a16="http://schemas.microsoft.com/office/drawing/2014/main" id="{05CFC605-78C2-4782-82CA-7D8B351A2C7C}"/>
+              </a:ext>
+            </a:extLst>
+          </p:cNvPr>
+          <p:cNvSpPr/>
+          <p:nvPr/>
+        </p:nvSpPr>
+        <p:spPr>
+          <a:xfrm>
+            <a:off x="0" y="10632"/>
             <a:ext cx="12192000" cy="680483"/>
           </a:xfrm>
           <a:prstGeom prst="rect">
@@ -9323,6 +9633,15 @@
 </file>
 
 <file path=customXml/item2.xml><?xml version="1.0" encoding="utf-8"?>
+<?mso-contentType ?>
+<FormTemplates xmlns="http://schemas.microsoft.com/sharepoint/v3/contenttype/forms">
+  <Display>DocumentLibraryForm</Display>
+  <Edit>DocumentLibraryForm</Edit>
+  <New>DocumentLibraryForm</New>
+</FormTemplates>
+</file>
+
+<file path=customXml/item3.xml><?xml version="1.0" encoding="utf-8"?>
 <ct:contentTypeSchema xmlns:ct="http://schemas.microsoft.com/office/2006/metadata/contentType" xmlns:ma="http://schemas.microsoft.com/office/2006/metadata/properties/metaAttributes" ct:_="" ma:_="" ma:contentTypeName="Document" ma:contentTypeID="0x010100C3F2F542F24BDE4A8BDD1F998CE000E0" ma:contentTypeVersion="0" ma:contentTypeDescription="Create a new document." ma:contentTypeScope="" ma:versionID="83c008e66cd718e5434bebb352930021">
   <xsd:schema xmlns:xsd="http://www.w3.org/2001/XMLSchema" xmlns:xs="http://www.w3.org/2001/XMLSchema" xmlns:p="http://schemas.microsoft.com/office/2006/metadata/properties" targetNamespace="http://schemas.microsoft.com/office/2006/metadata/properties" ma:root="true" ma:fieldsID="03894abc7ab974918b1bcad8e2aab8dc">
     <xsd:element name="properties">
@@ -9436,15 +9755,6 @@
 </ct:contentTypeSchema>
 </file>
 
-<file path=customXml/item3.xml><?xml version="1.0" encoding="utf-8"?>
-<?mso-contentType ?>
-<FormTemplates xmlns="http://schemas.microsoft.com/sharepoint/v3/contenttype/forms">
-  <Display>DocumentLibraryForm</Display>
-  <Edit>DocumentLibraryForm</Edit>
-  <New>DocumentLibraryForm</New>
-</FormTemplates>
-</file>
-
 <file path=customXml/itemProps1.xml><?xml version="1.0" encoding="utf-8"?>
 <ds:datastoreItem xmlns:ds="http://schemas.openxmlformats.org/officeDocument/2006/customXml" ds:itemID="{D92A37AC-82B8-4757-B769-8788BA0CD134}">
   <ds:schemaRefs>
@@ -9461,6 +9771,14 @@
 </file>
 
 <file path=customXml/itemProps2.xml><?xml version="1.0" encoding="utf-8"?>
+<ds:datastoreItem xmlns:ds="http://schemas.openxmlformats.org/officeDocument/2006/customXml" ds:itemID="{5C305631-AD9C-4BAB-B2EF-E6B08D4CD95A}">
+  <ds:schemaRefs>
+    <ds:schemaRef ds:uri="http://schemas.microsoft.com/sharepoint/v3/contenttype/forms"/>
+  </ds:schemaRefs>
+</ds:datastoreItem>
+</file>
+
+<file path=customXml/itemProps3.xml><?xml version="1.0" encoding="utf-8"?>
 <ds:datastoreItem xmlns:ds="http://schemas.openxmlformats.org/officeDocument/2006/customXml" ds:itemID="{22369BFB-2BFA-4153-B86E-B451C23AA0DB}">
   <ds:schemaRefs>
     <ds:schemaRef ds:uri="http://schemas.microsoft.com/office/2006/metadata/contentType"/>
@@ -9474,12 +9792,4 @@
     <ds:schemaRef ds:uri="http://schemas.microsoft.com/office/infopath/2007/PartnerControls"/>
   </ds:schemaRefs>
 </ds:datastoreItem>
-</file>
-
-<file path=customXml/itemProps3.xml><?xml version="1.0" encoding="utf-8"?>
-<ds:datastoreItem xmlns:ds="http://schemas.openxmlformats.org/officeDocument/2006/customXml" ds:itemID="{5C305631-AD9C-4BAB-B2EF-E6B08D4CD95A}">
-  <ds:schemaRefs>
-    <ds:schemaRef ds:uri="http://schemas.microsoft.com/sharepoint/v3/contenttype/forms"/>
-  </ds:schemaRefs>
-</ds:datastoreItem>
 </file>